--- a/VIS WORKSPACE/VIS INTSUM template2.pptx
+++ b/VIS WORKSPACE/VIS INTSUM template2.pptx
@@ -5,12 +5,19 @@
     <p:sldMasterId id="2147483648" r:id="rId1"/>
   </p:sldMasterIdLst>
   <p:notesMasterIdLst>
-    <p:notesMasterId r:id="rId5"/>
+    <p:notesMasterId r:id="rId12"/>
   </p:notesMasterIdLst>
   <p:sldIdLst>
     <p:sldId id="257" r:id="rId2"/>
     <p:sldId id="356" r:id="rId3"/>
     <p:sldId id="357" r:id="rId4"/>
+    <p:sldId id="358" r:id="rId5"/>
+    <p:sldId id="365" r:id="rId6"/>
+    <p:sldId id="359" r:id="rId7"/>
+    <p:sldId id="360" r:id="rId8"/>
+    <p:sldId id="361" r:id="rId9"/>
+    <p:sldId id="366" r:id="rId10"/>
+    <p:sldId id="362" r:id="rId11"/>
   </p:sldIdLst>
   <p:sldSz cx="9144000" cy="5143500" type="screen16x9"/>
   <p:notesSz cx="6858000" cy="9144000"/>
@@ -195,7 +202,7 @@
             <a:fld id="{40637A30-8EE1-4060-9976-8832FC89EE34}" type="datetimeFigureOut">
               <a:rPr lang="nb-NO" smtClean="0"/>
               <a:pPr/>
-              <a:t>06.05.2020</a:t>
+              <a:t>16.07.2020</a:t>
             </a:fld>
             <a:endParaRPr lang="nb-NO"/>
           </a:p>
@@ -1573,13 +1580,17 @@
         </p:nvSpPr>
         <p:spPr>
           <a:xfrm>
-            <a:off x="0" y="262993"/>
+            <a:off x="0" y="293473"/>
             <a:ext cx="9144000" cy="283532"/>
           </a:xfrm>
         </p:spPr>
         <p:txBody>
           <a:bodyPr/>
-          <a:lstStyle/>
+          <a:lstStyle>
+            <a:lvl1pPr>
+              <a:defRPr sz="2400"/>
+            </a:lvl1pPr>
+          </a:lstStyle>
           <a:p>
             <a:r>
               <a:rPr lang="nb-NO" dirty="0" smtClean="0"/>
@@ -4051,14 +4062,7 @@
                 <a:latin typeface="Arial Black" pitchFamily="34" charset="0"/>
                 <a:ea typeface="MS Mincho" pitchFamily="49" charset="-128"/>
               </a:rPr>
-              <a:t>INTSUM </a:t>
-            </a:r>
-            <a:r>
-              <a:rPr lang="nb-NO" sz="2800" b="1" dirty="0" smtClean="0">
-                <a:latin typeface="Arial Black" pitchFamily="34" charset="0"/>
-                <a:ea typeface="MS Mincho" pitchFamily="49" charset="-128"/>
-              </a:rPr>
-              <a:t>VIS-XX-XXX</a:t>
+              <a:t>INTSUM VIS-XX-XXX</a:t>
             </a:r>
             <a:endParaRPr lang="nb-NO" sz="2800" b="1" dirty="0">
               <a:latin typeface="MS Mincho" pitchFamily="49" charset="-128"/>
@@ -4278,8 +4282,853 @@
 </p:sld>
 </file>
 
+<file path=ppt/slides/slide10.xml><?xml version="1.0" encoding="utf-8"?>
+<p:sld xmlns:a="http://schemas.openxmlformats.org/drawingml/2006/main" xmlns:r="http://schemas.openxmlformats.org/officeDocument/2006/relationships" xmlns:p="http://schemas.openxmlformats.org/presentationml/2006/main">
+  <p:cSld>
+    <p:spTree>
+      <p:nvGrpSpPr>
+        <p:cNvPr id="1" name=""/>
+        <p:cNvGrpSpPr/>
+        <p:nvPr/>
+      </p:nvGrpSpPr>
+      <p:grpSpPr>
+        <a:xfrm>
+          <a:off x="0" y="0"/>
+          <a:ext cx="0" cy="0"/>
+          <a:chOff x="0" y="0"/>
+          <a:chExt cx="0" cy="0"/>
+        </a:xfrm>
+      </p:grpSpPr>
+      <p:sp>
+        <p:nvSpPr>
+          <p:cNvPr id="2" name="Tittel 1"/>
+          <p:cNvSpPr>
+            <a:spLocks noGrp="1"/>
+          </p:cNvSpPr>
+          <p:nvPr>
+            <p:ph type="title"/>
+          </p:nvPr>
+        </p:nvSpPr>
+        <p:spPr/>
+        <p:txBody>
+          <a:bodyPr/>
+          <a:lstStyle/>
+          <a:p>
+            <a:r>
+              <a:rPr lang="en-US" dirty="0" smtClean="0"/>
+              <a:t>INTELLIGENCE GAPS</a:t>
+            </a:r>
+            <a:endParaRPr lang="en-US" dirty="0"/>
+          </a:p>
+        </p:txBody>
+      </p:sp>
+      <p:sp>
+        <p:nvSpPr>
+          <p:cNvPr id="5" name="Rektangel 4"/>
+          <p:cNvSpPr/>
+          <p:nvPr/>
+        </p:nvSpPr>
+        <p:spPr>
+          <a:xfrm>
+            <a:off x="3428960" y="642924"/>
+            <a:ext cx="5715040" cy="4286280"/>
+          </a:xfrm>
+          <a:prstGeom prst="rect">
+            <a:avLst/>
+          </a:prstGeom>
+          <a:solidFill>
+            <a:schemeClr val="tx2">
+              <a:lumMod val="20000"/>
+              <a:lumOff val="80000"/>
+            </a:schemeClr>
+          </a:solidFill>
+          <a:ln>
+            <a:solidFill>
+              <a:schemeClr val="tx1"/>
+            </a:solidFill>
+          </a:ln>
+        </p:spPr>
+        <p:style>
+          <a:lnRef idx="2">
+            <a:schemeClr val="accent1">
+              <a:shade val="50000"/>
+            </a:schemeClr>
+          </a:lnRef>
+          <a:fillRef idx="1">
+            <a:schemeClr val="accent1"/>
+          </a:fillRef>
+          <a:effectRef idx="0">
+            <a:schemeClr val="accent1"/>
+          </a:effectRef>
+          <a:fontRef idx="minor">
+            <a:schemeClr val="lt1"/>
+          </a:fontRef>
+        </p:style>
+        <p:txBody>
+          <a:bodyPr rtlCol="0" anchor="ctr"/>
+          <a:lstStyle/>
+          <a:p>
+            <a:pPr algn="ctr"/>
+            <a:r>
+              <a:rPr lang="nb-NO" dirty="0" smtClean="0"/>
+              <a:t>INSERT MAP HERE</a:t>
+            </a:r>
+            <a:endParaRPr lang="nb-NO" dirty="0"/>
+          </a:p>
+        </p:txBody>
+      </p:sp>
+      <p:sp>
+        <p:nvSpPr>
+          <p:cNvPr id="6" name="TekstSylinder 5"/>
+          <p:cNvSpPr txBox="1"/>
+          <p:nvPr/>
+        </p:nvSpPr>
+        <p:spPr>
+          <a:xfrm>
+            <a:off x="0" y="642924"/>
+            <a:ext cx="3428992" cy="4286280"/>
+          </a:xfrm>
+          <a:prstGeom prst="rect">
+            <a:avLst/>
+          </a:prstGeom>
+          <a:noFill/>
+          <a:ln>
+            <a:solidFill>
+              <a:schemeClr val="tx1"/>
+            </a:solidFill>
+          </a:ln>
+        </p:spPr>
+        <p:txBody>
+          <a:bodyPr wrap="square" rtlCol="0">
+            <a:normAutofit/>
+          </a:bodyPr>
+          <a:lstStyle/>
+          <a:p>
+            <a:pPr>
+              <a:buFontTx/>
+              <a:buChar char="-"/>
+            </a:pPr>
+            <a:r>
+              <a:rPr lang="nb-NO" sz="1200" dirty="0" err="1" smtClean="0"/>
+              <a:t>Provide</a:t>
+            </a:r>
+            <a:r>
+              <a:rPr lang="nb-NO" sz="1200" dirty="0" smtClean="0"/>
+              <a:t> a list </a:t>
+            </a:r>
+            <a:r>
+              <a:rPr lang="nb-NO" sz="1200" dirty="0" err="1" smtClean="0"/>
+              <a:t>of</a:t>
+            </a:r>
+            <a:r>
+              <a:rPr lang="nb-NO" sz="1200" dirty="0" smtClean="0"/>
+              <a:t> </a:t>
+            </a:r>
+            <a:r>
+              <a:rPr lang="nb-NO" sz="1200" dirty="0" err="1" smtClean="0"/>
+              <a:t>questions</a:t>
+            </a:r>
+            <a:r>
+              <a:rPr lang="nb-NO" sz="1200" dirty="0" smtClean="0"/>
+              <a:t> or gaps in </a:t>
+            </a:r>
+            <a:r>
+              <a:rPr lang="nb-NO" sz="1200" dirty="0" err="1" smtClean="0"/>
+              <a:t>intelligence</a:t>
+            </a:r>
+            <a:r>
+              <a:rPr lang="nb-NO" sz="1200" dirty="0" smtClean="0"/>
+              <a:t>, </a:t>
+            </a:r>
+            <a:r>
+              <a:rPr lang="nb-NO" sz="1200" dirty="0" err="1" smtClean="0"/>
+              <a:t>where</a:t>
+            </a:r>
+            <a:r>
+              <a:rPr lang="nb-NO" sz="1200" dirty="0" smtClean="0"/>
+              <a:t> </a:t>
+            </a:r>
+            <a:r>
+              <a:rPr lang="nb-NO" sz="1200" dirty="0" err="1" smtClean="0"/>
+              <a:t>taskings</a:t>
+            </a:r>
+            <a:r>
+              <a:rPr lang="nb-NO" sz="1200" dirty="0" smtClean="0"/>
+              <a:t> </a:t>
+            </a:r>
+            <a:r>
+              <a:rPr lang="nb-NO" sz="1200" dirty="0" err="1" smtClean="0"/>
+              <a:t>can</a:t>
+            </a:r>
+            <a:r>
+              <a:rPr lang="nb-NO" sz="1200" dirty="0" smtClean="0"/>
+              <a:t> be </a:t>
+            </a:r>
+            <a:r>
+              <a:rPr lang="nb-NO" sz="1200" dirty="0" err="1" smtClean="0"/>
+              <a:t>generated</a:t>
+            </a:r>
+            <a:r>
+              <a:rPr lang="nb-NO" sz="1200" dirty="0" smtClean="0"/>
+              <a:t> to </a:t>
+            </a:r>
+            <a:r>
+              <a:rPr lang="nb-NO" sz="1200" dirty="0" err="1" smtClean="0"/>
+              <a:t>collect</a:t>
+            </a:r>
+            <a:r>
+              <a:rPr lang="nb-NO" sz="1200" dirty="0" smtClean="0"/>
+              <a:t> </a:t>
+            </a:r>
+            <a:r>
+              <a:rPr lang="nb-NO" sz="1200" dirty="0" err="1" smtClean="0"/>
+              <a:t>information</a:t>
+            </a:r>
+            <a:endParaRPr lang="nb-NO" sz="1200" dirty="0"/>
+          </a:p>
+        </p:txBody>
+      </p:sp>
+      <p:sp>
+        <p:nvSpPr>
+          <p:cNvPr id="7" name="Ellipse 6"/>
+          <p:cNvSpPr/>
+          <p:nvPr/>
+        </p:nvSpPr>
+        <p:spPr>
+          <a:xfrm>
+            <a:off x="-928726" y="1000114"/>
+            <a:ext cx="214314" cy="214314"/>
+          </a:xfrm>
+          <a:prstGeom prst="ellipse">
+            <a:avLst/>
+          </a:prstGeom>
+          <a:solidFill>
+            <a:srgbClr val="C00000"/>
+          </a:solidFill>
+          <a:ln>
+            <a:solidFill>
+              <a:schemeClr val="tx1"/>
+            </a:solidFill>
+          </a:ln>
+        </p:spPr>
+        <p:style>
+          <a:lnRef idx="2">
+            <a:schemeClr val="accent1">
+              <a:shade val="50000"/>
+            </a:schemeClr>
+          </a:lnRef>
+          <a:fillRef idx="1">
+            <a:schemeClr val="accent1"/>
+          </a:fillRef>
+          <a:effectRef idx="0">
+            <a:schemeClr val="accent1"/>
+          </a:effectRef>
+          <a:fontRef idx="minor">
+            <a:schemeClr val="lt1"/>
+          </a:fontRef>
+        </p:style>
+        <p:txBody>
+          <a:bodyPr lIns="0" tIns="0" rIns="0" bIns="0" rtlCol="0" anchor="ctr"/>
+          <a:lstStyle/>
+          <a:p>
+            <a:pPr algn="ctr"/>
+            <a:r>
+              <a:rPr lang="nb-NO" sz="1200" dirty="0" smtClean="0"/>
+              <a:t>A</a:t>
+            </a:r>
+            <a:endParaRPr lang="nb-NO" sz="1200" dirty="0"/>
+          </a:p>
+        </p:txBody>
+      </p:sp>
+      <p:sp>
+        <p:nvSpPr>
+          <p:cNvPr id="8" name="Ellipse 7"/>
+          <p:cNvSpPr/>
+          <p:nvPr/>
+        </p:nvSpPr>
+        <p:spPr>
+          <a:xfrm>
+            <a:off x="-642974" y="1000114"/>
+            <a:ext cx="214314" cy="214314"/>
+          </a:xfrm>
+          <a:prstGeom prst="ellipse">
+            <a:avLst/>
+          </a:prstGeom>
+          <a:solidFill>
+            <a:srgbClr val="C00000"/>
+          </a:solidFill>
+          <a:ln>
+            <a:solidFill>
+              <a:schemeClr val="tx1"/>
+            </a:solidFill>
+          </a:ln>
+        </p:spPr>
+        <p:style>
+          <a:lnRef idx="2">
+            <a:schemeClr val="accent1">
+              <a:shade val="50000"/>
+            </a:schemeClr>
+          </a:lnRef>
+          <a:fillRef idx="1">
+            <a:schemeClr val="accent1"/>
+          </a:fillRef>
+          <a:effectRef idx="0">
+            <a:schemeClr val="accent1"/>
+          </a:effectRef>
+          <a:fontRef idx="minor">
+            <a:schemeClr val="lt1"/>
+          </a:fontRef>
+        </p:style>
+        <p:txBody>
+          <a:bodyPr lIns="0" tIns="0" rIns="0" bIns="0" rtlCol="0" anchor="ctr"/>
+          <a:lstStyle/>
+          <a:p>
+            <a:pPr algn="ctr"/>
+            <a:r>
+              <a:rPr lang="nb-NO" sz="1200" dirty="0" smtClean="0"/>
+              <a:t>A</a:t>
+            </a:r>
+            <a:endParaRPr lang="nb-NO" sz="1200" dirty="0"/>
+          </a:p>
+        </p:txBody>
+      </p:sp>
+      <p:sp>
+        <p:nvSpPr>
+          <p:cNvPr id="9" name="Ellipse 8"/>
+          <p:cNvSpPr/>
+          <p:nvPr/>
+        </p:nvSpPr>
+        <p:spPr>
+          <a:xfrm>
+            <a:off x="-928726" y="1285866"/>
+            <a:ext cx="214314" cy="214314"/>
+          </a:xfrm>
+          <a:prstGeom prst="ellipse">
+            <a:avLst/>
+          </a:prstGeom>
+          <a:solidFill>
+            <a:srgbClr val="C00000"/>
+          </a:solidFill>
+          <a:ln>
+            <a:solidFill>
+              <a:schemeClr val="tx1"/>
+            </a:solidFill>
+          </a:ln>
+        </p:spPr>
+        <p:style>
+          <a:lnRef idx="2">
+            <a:schemeClr val="accent1">
+              <a:shade val="50000"/>
+            </a:schemeClr>
+          </a:lnRef>
+          <a:fillRef idx="1">
+            <a:schemeClr val="accent1"/>
+          </a:fillRef>
+          <a:effectRef idx="0">
+            <a:schemeClr val="accent1"/>
+          </a:effectRef>
+          <a:fontRef idx="minor">
+            <a:schemeClr val="lt1"/>
+          </a:fontRef>
+        </p:style>
+        <p:txBody>
+          <a:bodyPr lIns="0" tIns="0" rIns="0" bIns="0" rtlCol="0" anchor="ctr"/>
+          <a:lstStyle/>
+          <a:p>
+            <a:pPr algn="ctr"/>
+            <a:r>
+              <a:rPr lang="nb-NO" sz="1200" dirty="0" smtClean="0"/>
+              <a:t>B</a:t>
+            </a:r>
+            <a:endParaRPr lang="nb-NO" sz="1200" dirty="0"/>
+          </a:p>
+        </p:txBody>
+      </p:sp>
+      <p:sp>
+        <p:nvSpPr>
+          <p:cNvPr id="10" name="Ellipse 9"/>
+          <p:cNvSpPr/>
+          <p:nvPr/>
+        </p:nvSpPr>
+        <p:spPr>
+          <a:xfrm>
+            <a:off x="-642974" y="1285866"/>
+            <a:ext cx="214314" cy="214314"/>
+          </a:xfrm>
+          <a:prstGeom prst="ellipse">
+            <a:avLst/>
+          </a:prstGeom>
+          <a:solidFill>
+            <a:srgbClr val="C00000"/>
+          </a:solidFill>
+          <a:ln>
+            <a:solidFill>
+              <a:schemeClr val="tx1"/>
+            </a:solidFill>
+          </a:ln>
+        </p:spPr>
+        <p:style>
+          <a:lnRef idx="2">
+            <a:schemeClr val="accent1">
+              <a:shade val="50000"/>
+            </a:schemeClr>
+          </a:lnRef>
+          <a:fillRef idx="1">
+            <a:schemeClr val="accent1"/>
+          </a:fillRef>
+          <a:effectRef idx="0">
+            <a:schemeClr val="accent1"/>
+          </a:effectRef>
+          <a:fontRef idx="minor">
+            <a:schemeClr val="lt1"/>
+          </a:fontRef>
+        </p:style>
+        <p:txBody>
+          <a:bodyPr lIns="0" tIns="0" rIns="0" bIns="0" rtlCol="0" anchor="ctr"/>
+          <a:lstStyle/>
+          <a:p>
+            <a:pPr algn="ctr"/>
+            <a:r>
+              <a:rPr lang="nb-NO" sz="1200" dirty="0" smtClean="0"/>
+              <a:t>B</a:t>
+            </a:r>
+            <a:endParaRPr lang="nb-NO" sz="1200" dirty="0"/>
+          </a:p>
+        </p:txBody>
+      </p:sp>
+      <p:sp>
+        <p:nvSpPr>
+          <p:cNvPr id="11" name="Ellipse 10"/>
+          <p:cNvSpPr/>
+          <p:nvPr/>
+        </p:nvSpPr>
+        <p:spPr>
+          <a:xfrm>
+            <a:off x="-928726" y="1571618"/>
+            <a:ext cx="214314" cy="214314"/>
+          </a:xfrm>
+          <a:prstGeom prst="ellipse">
+            <a:avLst/>
+          </a:prstGeom>
+          <a:solidFill>
+            <a:srgbClr val="C00000"/>
+          </a:solidFill>
+          <a:ln>
+            <a:solidFill>
+              <a:schemeClr val="tx1"/>
+            </a:solidFill>
+          </a:ln>
+        </p:spPr>
+        <p:style>
+          <a:lnRef idx="2">
+            <a:schemeClr val="accent1">
+              <a:shade val="50000"/>
+            </a:schemeClr>
+          </a:lnRef>
+          <a:fillRef idx="1">
+            <a:schemeClr val="accent1"/>
+          </a:fillRef>
+          <a:effectRef idx="0">
+            <a:schemeClr val="accent1"/>
+          </a:effectRef>
+          <a:fontRef idx="minor">
+            <a:schemeClr val="lt1"/>
+          </a:fontRef>
+        </p:style>
+        <p:txBody>
+          <a:bodyPr lIns="0" tIns="0" rIns="0" bIns="0" rtlCol="0" anchor="ctr"/>
+          <a:lstStyle/>
+          <a:p>
+            <a:pPr algn="ctr"/>
+            <a:r>
+              <a:rPr lang="nb-NO" sz="1200" dirty="0" smtClean="0"/>
+              <a:t>C</a:t>
+            </a:r>
+            <a:endParaRPr lang="nb-NO" sz="1200" dirty="0"/>
+          </a:p>
+        </p:txBody>
+      </p:sp>
+      <p:sp>
+        <p:nvSpPr>
+          <p:cNvPr id="12" name="Ellipse 11"/>
+          <p:cNvSpPr/>
+          <p:nvPr/>
+        </p:nvSpPr>
+        <p:spPr>
+          <a:xfrm>
+            <a:off x="-642974" y="1571618"/>
+            <a:ext cx="214314" cy="214314"/>
+          </a:xfrm>
+          <a:prstGeom prst="ellipse">
+            <a:avLst/>
+          </a:prstGeom>
+          <a:solidFill>
+            <a:srgbClr val="C00000"/>
+          </a:solidFill>
+          <a:ln>
+            <a:solidFill>
+              <a:schemeClr val="tx1"/>
+            </a:solidFill>
+          </a:ln>
+        </p:spPr>
+        <p:style>
+          <a:lnRef idx="2">
+            <a:schemeClr val="accent1">
+              <a:shade val="50000"/>
+            </a:schemeClr>
+          </a:lnRef>
+          <a:fillRef idx="1">
+            <a:schemeClr val="accent1"/>
+          </a:fillRef>
+          <a:effectRef idx="0">
+            <a:schemeClr val="accent1"/>
+          </a:effectRef>
+          <a:fontRef idx="minor">
+            <a:schemeClr val="lt1"/>
+          </a:fontRef>
+        </p:style>
+        <p:txBody>
+          <a:bodyPr lIns="0" tIns="0" rIns="0" bIns="0" rtlCol="0" anchor="ctr"/>
+          <a:lstStyle/>
+          <a:p>
+            <a:pPr algn="ctr"/>
+            <a:r>
+              <a:rPr lang="nb-NO" sz="1200" dirty="0" smtClean="0"/>
+              <a:t>C</a:t>
+            </a:r>
+            <a:endParaRPr lang="nb-NO" sz="1200" dirty="0"/>
+          </a:p>
+        </p:txBody>
+      </p:sp>
+      <p:sp>
+        <p:nvSpPr>
+          <p:cNvPr id="13" name="Ellipse 12"/>
+          <p:cNvSpPr/>
+          <p:nvPr/>
+        </p:nvSpPr>
+        <p:spPr>
+          <a:xfrm>
+            <a:off x="-928726" y="1857370"/>
+            <a:ext cx="214314" cy="214314"/>
+          </a:xfrm>
+          <a:prstGeom prst="ellipse">
+            <a:avLst/>
+          </a:prstGeom>
+          <a:solidFill>
+            <a:srgbClr val="C00000"/>
+          </a:solidFill>
+          <a:ln>
+            <a:solidFill>
+              <a:schemeClr val="tx1"/>
+            </a:solidFill>
+          </a:ln>
+        </p:spPr>
+        <p:style>
+          <a:lnRef idx="2">
+            <a:schemeClr val="accent1">
+              <a:shade val="50000"/>
+            </a:schemeClr>
+          </a:lnRef>
+          <a:fillRef idx="1">
+            <a:schemeClr val="accent1"/>
+          </a:fillRef>
+          <a:effectRef idx="0">
+            <a:schemeClr val="accent1"/>
+          </a:effectRef>
+          <a:fontRef idx="minor">
+            <a:schemeClr val="lt1"/>
+          </a:fontRef>
+        </p:style>
+        <p:txBody>
+          <a:bodyPr lIns="0" tIns="0" rIns="0" bIns="0" rtlCol="0" anchor="ctr"/>
+          <a:lstStyle/>
+          <a:p>
+            <a:pPr algn="ctr"/>
+            <a:r>
+              <a:rPr lang="nb-NO" sz="1200" dirty="0" smtClean="0"/>
+              <a:t>D</a:t>
+            </a:r>
+            <a:endParaRPr lang="nb-NO" sz="1200" dirty="0"/>
+          </a:p>
+        </p:txBody>
+      </p:sp>
+      <p:sp>
+        <p:nvSpPr>
+          <p:cNvPr id="14" name="Ellipse 13"/>
+          <p:cNvSpPr/>
+          <p:nvPr/>
+        </p:nvSpPr>
+        <p:spPr>
+          <a:xfrm>
+            <a:off x="-642974" y="1857370"/>
+            <a:ext cx="214314" cy="214314"/>
+          </a:xfrm>
+          <a:prstGeom prst="ellipse">
+            <a:avLst/>
+          </a:prstGeom>
+          <a:solidFill>
+            <a:srgbClr val="C00000"/>
+          </a:solidFill>
+          <a:ln>
+            <a:solidFill>
+              <a:schemeClr val="tx1"/>
+            </a:solidFill>
+          </a:ln>
+        </p:spPr>
+        <p:style>
+          <a:lnRef idx="2">
+            <a:schemeClr val="accent1">
+              <a:shade val="50000"/>
+            </a:schemeClr>
+          </a:lnRef>
+          <a:fillRef idx="1">
+            <a:schemeClr val="accent1"/>
+          </a:fillRef>
+          <a:effectRef idx="0">
+            <a:schemeClr val="accent1"/>
+          </a:effectRef>
+          <a:fontRef idx="minor">
+            <a:schemeClr val="lt1"/>
+          </a:fontRef>
+        </p:style>
+        <p:txBody>
+          <a:bodyPr lIns="0" tIns="0" rIns="0" bIns="0" rtlCol="0" anchor="ctr"/>
+          <a:lstStyle/>
+          <a:p>
+            <a:pPr algn="ctr"/>
+            <a:r>
+              <a:rPr lang="nb-NO" sz="1200" dirty="0" smtClean="0"/>
+              <a:t>D</a:t>
+            </a:r>
+            <a:endParaRPr lang="nb-NO" sz="1200" dirty="0"/>
+          </a:p>
+        </p:txBody>
+      </p:sp>
+      <p:sp>
+        <p:nvSpPr>
+          <p:cNvPr id="15" name="Ellipse 14"/>
+          <p:cNvSpPr/>
+          <p:nvPr/>
+        </p:nvSpPr>
+        <p:spPr>
+          <a:xfrm>
+            <a:off x="-928726" y="2143122"/>
+            <a:ext cx="214314" cy="214314"/>
+          </a:xfrm>
+          <a:prstGeom prst="ellipse">
+            <a:avLst/>
+          </a:prstGeom>
+          <a:solidFill>
+            <a:srgbClr val="C00000"/>
+          </a:solidFill>
+          <a:ln>
+            <a:solidFill>
+              <a:schemeClr val="tx1"/>
+            </a:solidFill>
+          </a:ln>
+        </p:spPr>
+        <p:style>
+          <a:lnRef idx="2">
+            <a:schemeClr val="accent1">
+              <a:shade val="50000"/>
+            </a:schemeClr>
+          </a:lnRef>
+          <a:fillRef idx="1">
+            <a:schemeClr val="accent1"/>
+          </a:fillRef>
+          <a:effectRef idx="0">
+            <a:schemeClr val="accent1"/>
+          </a:effectRef>
+          <a:fontRef idx="minor">
+            <a:schemeClr val="lt1"/>
+          </a:fontRef>
+        </p:style>
+        <p:txBody>
+          <a:bodyPr lIns="0" tIns="0" rIns="0" bIns="0" rtlCol="0" anchor="ctr"/>
+          <a:lstStyle/>
+          <a:p>
+            <a:pPr algn="ctr"/>
+            <a:r>
+              <a:rPr lang="nb-NO" sz="1200" dirty="0" smtClean="0"/>
+              <a:t>E</a:t>
+            </a:r>
+            <a:endParaRPr lang="nb-NO" sz="1200" dirty="0"/>
+          </a:p>
+        </p:txBody>
+      </p:sp>
+      <p:sp>
+        <p:nvSpPr>
+          <p:cNvPr id="16" name="Ellipse 15"/>
+          <p:cNvSpPr/>
+          <p:nvPr/>
+        </p:nvSpPr>
+        <p:spPr>
+          <a:xfrm>
+            <a:off x="-642974" y="2143122"/>
+            <a:ext cx="214314" cy="214314"/>
+          </a:xfrm>
+          <a:prstGeom prst="ellipse">
+            <a:avLst/>
+          </a:prstGeom>
+          <a:solidFill>
+            <a:srgbClr val="C00000"/>
+          </a:solidFill>
+          <a:ln>
+            <a:solidFill>
+              <a:schemeClr val="tx1"/>
+            </a:solidFill>
+          </a:ln>
+        </p:spPr>
+        <p:style>
+          <a:lnRef idx="2">
+            <a:schemeClr val="accent1">
+              <a:shade val="50000"/>
+            </a:schemeClr>
+          </a:lnRef>
+          <a:fillRef idx="1">
+            <a:schemeClr val="accent1"/>
+          </a:fillRef>
+          <a:effectRef idx="0">
+            <a:schemeClr val="accent1"/>
+          </a:effectRef>
+          <a:fontRef idx="minor">
+            <a:schemeClr val="lt1"/>
+          </a:fontRef>
+        </p:style>
+        <p:txBody>
+          <a:bodyPr lIns="0" tIns="0" rIns="0" bIns="0" rtlCol="0" anchor="ctr"/>
+          <a:lstStyle/>
+          <a:p>
+            <a:pPr algn="ctr"/>
+            <a:r>
+              <a:rPr lang="nb-NO" sz="1200" dirty="0" smtClean="0"/>
+              <a:t>E</a:t>
+            </a:r>
+            <a:endParaRPr lang="nb-NO" sz="1200" dirty="0"/>
+          </a:p>
+        </p:txBody>
+      </p:sp>
+      <p:sp>
+        <p:nvSpPr>
+          <p:cNvPr id="17" name="Ellipse 16"/>
+          <p:cNvSpPr/>
+          <p:nvPr/>
+        </p:nvSpPr>
+        <p:spPr>
+          <a:xfrm>
+            <a:off x="-928726" y="2428874"/>
+            <a:ext cx="214314" cy="214314"/>
+          </a:xfrm>
+          <a:prstGeom prst="ellipse">
+            <a:avLst/>
+          </a:prstGeom>
+          <a:solidFill>
+            <a:srgbClr val="C00000"/>
+          </a:solidFill>
+          <a:ln>
+            <a:solidFill>
+              <a:schemeClr val="tx1"/>
+            </a:solidFill>
+          </a:ln>
+        </p:spPr>
+        <p:style>
+          <a:lnRef idx="2">
+            <a:schemeClr val="accent1">
+              <a:shade val="50000"/>
+            </a:schemeClr>
+          </a:lnRef>
+          <a:fillRef idx="1">
+            <a:schemeClr val="accent1"/>
+          </a:fillRef>
+          <a:effectRef idx="0">
+            <a:schemeClr val="accent1"/>
+          </a:effectRef>
+          <a:fontRef idx="minor">
+            <a:schemeClr val="lt1"/>
+          </a:fontRef>
+        </p:style>
+        <p:txBody>
+          <a:bodyPr lIns="0" tIns="0" rIns="0" bIns="0" rtlCol="0" anchor="ctr"/>
+          <a:lstStyle/>
+          <a:p>
+            <a:pPr algn="ctr"/>
+            <a:r>
+              <a:rPr lang="nb-NO" sz="1200" dirty="0" smtClean="0"/>
+              <a:t>F</a:t>
+            </a:r>
+            <a:endParaRPr lang="nb-NO" sz="1200" dirty="0"/>
+          </a:p>
+        </p:txBody>
+      </p:sp>
+      <p:sp>
+        <p:nvSpPr>
+          <p:cNvPr id="18" name="Ellipse 17"/>
+          <p:cNvSpPr/>
+          <p:nvPr/>
+        </p:nvSpPr>
+        <p:spPr>
+          <a:xfrm>
+            <a:off x="-642974" y="2428874"/>
+            <a:ext cx="214314" cy="214314"/>
+          </a:xfrm>
+          <a:prstGeom prst="ellipse">
+            <a:avLst/>
+          </a:prstGeom>
+          <a:solidFill>
+            <a:srgbClr val="C00000"/>
+          </a:solidFill>
+          <a:ln>
+            <a:solidFill>
+              <a:schemeClr val="tx1"/>
+            </a:solidFill>
+          </a:ln>
+        </p:spPr>
+        <p:style>
+          <a:lnRef idx="2">
+            <a:schemeClr val="accent1">
+              <a:shade val="50000"/>
+            </a:schemeClr>
+          </a:lnRef>
+          <a:fillRef idx="1">
+            <a:schemeClr val="accent1"/>
+          </a:fillRef>
+          <a:effectRef idx="0">
+            <a:schemeClr val="accent1"/>
+          </a:effectRef>
+          <a:fontRef idx="minor">
+            <a:schemeClr val="lt1"/>
+          </a:fontRef>
+        </p:style>
+        <p:txBody>
+          <a:bodyPr lIns="0" tIns="0" rIns="0" bIns="0" rtlCol="0" anchor="ctr"/>
+          <a:lstStyle/>
+          <a:p>
+            <a:pPr algn="ctr"/>
+            <a:r>
+              <a:rPr lang="nb-NO" sz="1200" dirty="0" smtClean="0"/>
+              <a:t>F</a:t>
+            </a:r>
+            <a:endParaRPr lang="nb-NO" sz="1200" dirty="0"/>
+          </a:p>
+        </p:txBody>
+      </p:sp>
+    </p:spTree>
+  </p:cSld>
+  <p:clrMapOvr>
+    <a:masterClrMapping/>
+  </p:clrMapOvr>
+  <p:timing>
+    <p:tnLst>
+      <p:par>
+        <p:cTn id="1" dur="indefinite" restart="never" nodeType="tmRoot"/>
+      </p:par>
+    </p:tnLst>
+  </p:timing>
+</p:sld>
+</file>
+
 <file path=ppt/slides/slide2.xml><?xml version="1.0" encoding="utf-8"?>
-<p:sld xmlns:a="http://schemas.openxmlformats.org/drawingml/2006/main" xmlns:r="http://schemas.openxmlformats.org/officeDocument/2006/relationships" xmlns:p="http://schemas.openxmlformats.org/presentationml/2006/main">
+<p:sld xmlns:a="http://schemas.openxmlformats.org/drawingml/2006/main" xmlns:r="http://schemas.openxmlformats.org/officeDocument/2006/relationships" xmlns:p="http://schemas.openxmlformats.org/presentationml/2006/main" show="0">
   <p:cSld>
     <p:spTree>
       <p:nvGrpSpPr>
@@ -5126,11 +5975,19 @@
   <p:clrMapOvr>
     <a:masterClrMapping/>
   </p:clrMapOvr>
+  <p:transition/>
+  <p:timing>
+    <p:tnLst>
+      <p:par>
+        <p:cTn id="1" dur="indefinite" restart="never" nodeType="tmRoot"/>
+      </p:par>
+    </p:tnLst>
+  </p:timing>
 </p:sld>
 </file>
 
 <file path=ppt/slides/slide3.xml><?xml version="1.0" encoding="utf-8"?>
-<p:sld xmlns:a="http://schemas.openxmlformats.org/drawingml/2006/main" xmlns:r="http://schemas.openxmlformats.org/officeDocument/2006/relationships" xmlns:p="http://schemas.openxmlformats.org/presentationml/2006/main">
+<p:sld xmlns:a="http://schemas.openxmlformats.org/drawingml/2006/main" xmlns:r="http://schemas.openxmlformats.org/officeDocument/2006/relationships" xmlns:p="http://schemas.openxmlformats.org/presentationml/2006/main" show="0">
   <p:cSld>
     <p:spTree>
       <p:nvGrpSpPr>
@@ -5161,7 +6018,11 @@
           <a:bodyPr/>
           <a:lstStyle/>
           <a:p>
-            <a:endParaRPr lang="en-US"/>
+            <a:r>
+              <a:rPr lang="en-US" dirty="0" smtClean="0"/>
+              <a:t>MAJOR EVENTS LAST PERIOD</a:t>
+            </a:r>
+            <a:endParaRPr lang="en-US" dirty="0"/>
           </a:p>
         </p:txBody>
       </p:sp>
@@ -5234,6 +6095,5608 @@
   <p:clrMapOvr>
     <a:masterClrMapping/>
   </p:clrMapOvr>
+  <p:transition/>
+  <p:timing>
+    <p:tnLst>
+      <p:par>
+        <p:cTn id="1" dur="indefinite" restart="never" nodeType="tmRoot"/>
+      </p:par>
+    </p:tnLst>
+  </p:timing>
+</p:sld>
+</file>
+
+<file path=ppt/slides/slide4.xml><?xml version="1.0" encoding="utf-8"?>
+<p:sld xmlns:a="http://schemas.openxmlformats.org/drawingml/2006/main" xmlns:r="http://schemas.openxmlformats.org/officeDocument/2006/relationships" xmlns:p="http://schemas.openxmlformats.org/presentationml/2006/main">
+  <p:cSld>
+    <p:spTree>
+      <p:nvGrpSpPr>
+        <p:cNvPr id="1" name=""/>
+        <p:cNvGrpSpPr/>
+        <p:nvPr/>
+      </p:nvGrpSpPr>
+      <p:grpSpPr>
+        <a:xfrm>
+          <a:off x="0" y="0"/>
+          <a:ext cx="0" cy="0"/>
+          <a:chOff x="0" y="0"/>
+          <a:chExt cx="0" cy="0"/>
+        </a:xfrm>
+      </p:grpSpPr>
+      <p:sp>
+        <p:nvSpPr>
+          <p:cNvPr id="2" name="Tittel 1"/>
+          <p:cNvSpPr>
+            <a:spLocks noGrp="1"/>
+          </p:cNvSpPr>
+          <p:nvPr>
+            <p:ph type="title"/>
+          </p:nvPr>
+        </p:nvSpPr>
+        <p:spPr/>
+        <p:txBody>
+          <a:bodyPr/>
+          <a:lstStyle/>
+          <a:p>
+            <a:r>
+              <a:rPr lang="en-US" dirty="0" smtClean="0"/>
+              <a:t>MAJOR EVENTS LAST PERIOD </a:t>
+            </a:r>
+            <a:endParaRPr lang="en-US" dirty="0"/>
+          </a:p>
+        </p:txBody>
+      </p:sp>
+      <p:sp>
+        <p:nvSpPr>
+          <p:cNvPr id="5" name="Rektangel 4"/>
+          <p:cNvSpPr/>
+          <p:nvPr/>
+        </p:nvSpPr>
+        <p:spPr>
+          <a:xfrm>
+            <a:off x="3428960" y="642924"/>
+            <a:ext cx="5715040" cy="4286280"/>
+          </a:xfrm>
+          <a:prstGeom prst="rect">
+            <a:avLst/>
+          </a:prstGeom>
+          <a:solidFill>
+            <a:schemeClr val="tx2">
+              <a:lumMod val="20000"/>
+              <a:lumOff val="80000"/>
+            </a:schemeClr>
+          </a:solidFill>
+          <a:ln>
+            <a:solidFill>
+              <a:schemeClr val="tx1"/>
+            </a:solidFill>
+          </a:ln>
+        </p:spPr>
+        <p:style>
+          <a:lnRef idx="2">
+            <a:schemeClr val="accent1">
+              <a:shade val="50000"/>
+            </a:schemeClr>
+          </a:lnRef>
+          <a:fillRef idx="1">
+            <a:schemeClr val="accent1"/>
+          </a:fillRef>
+          <a:effectRef idx="0">
+            <a:schemeClr val="accent1"/>
+          </a:effectRef>
+          <a:fontRef idx="minor">
+            <a:schemeClr val="lt1"/>
+          </a:fontRef>
+        </p:style>
+        <p:txBody>
+          <a:bodyPr rtlCol="0" anchor="ctr"/>
+          <a:lstStyle/>
+          <a:p>
+            <a:pPr algn="ctr"/>
+            <a:r>
+              <a:rPr lang="nb-NO" dirty="0" smtClean="0"/>
+              <a:t>INSERT MAP HERE</a:t>
+            </a:r>
+            <a:endParaRPr lang="nb-NO" dirty="0"/>
+          </a:p>
+        </p:txBody>
+      </p:sp>
+      <p:sp>
+        <p:nvSpPr>
+          <p:cNvPr id="6" name="TekstSylinder 5"/>
+          <p:cNvSpPr txBox="1"/>
+          <p:nvPr/>
+        </p:nvSpPr>
+        <p:spPr>
+          <a:xfrm>
+            <a:off x="0" y="642924"/>
+            <a:ext cx="3428992" cy="4286280"/>
+          </a:xfrm>
+          <a:prstGeom prst="rect">
+            <a:avLst/>
+          </a:prstGeom>
+          <a:noFill/>
+          <a:ln>
+            <a:solidFill>
+              <a:schemeClr val="tx1"/>
+            </a:solidFill>
+          </a:ln>
+        </p:spPr>
+        <p:txBody>
+          <a:bodyPr wrap="square" rtlCol="0">
+            <a:normAutofit/>
+          </a:bodyPr>
+          <a:lstStyle/>
+          <a:p>
+            <a:r>
+              <a:rPr lang="nb-NO" sz="1200" dirty="0" smtClean="0"/>
+              <a:t>- Fill in major </a:t>
+            </a:r>
+            <a:r>
+              <a:rPr lang="nb-NO" sz="1200" dirty="0" err="1" smtClean="0"/>
+              <a:t>events</a:t>
+            </a:r>
+            <a:r>
+              <a:rPr lang="nb-NO" sz="1200" dirty="0" smtClean="0"/>
+              <a:t> </a:t>
+            </a:r>
+            <a:r>
+              <a:rPr lang="nb-NO" sz="1200" dirty="0" err="1" smtClean="0"/>
+              <a:t>here</a:t>
+            </a:r>
+            <a:r>
+              <a:rPr lang="nb-NO" sz="1200" dirty="0" smtClean="0"/>
+              <a:t> ( From </a:t>
+            </a:r>
+            <a:r>
+              <a:rPr lang="nb-NO" sz="1200" dirty="0" err="1" smtClean="0"/>
+              <a:t>BDAs</a:t>
+            </a:r>
+            <a:r>
+              <a:rPr lang="nb-NO" sz="1200" dirty="0" smtClean="0"/>
+              <a:t> or </a:t>
+            </a:r>
+            <a:r>
+              <a:rPr lang="nb-NO" sz="1200" dirty="0" err="1" smtClean="0"/>
+              <a:t>other</a:t>
+            </a:r>
+            <a:r>
+              <a:rPr lang="nb-NO" sz="1200" dirty="0" smtClean="0"/>
+              <a:t> </a:t>
+            </a:r>
+            <a:r>
+              <a:rPr lang="nb-NO" sz="1200" dirty="0" err="1" smtClean="0"/>
+              <a:t>injects</a:t>
+            </a:r>
+            <a:r>
+              <a:rPr lang="nb-NO" sz="1200" dirty="0" smtClean="0"/>
+              <a:t>). </a:t>
+            </a:r>
+            <a:r>
+              <a:rPr lang="nb-NO" sz="1200" dirty="0" err="1" smtClean="0"/>
+              <a:t>Can</a:t>
+            </a:r>
+            <a:r>
+              <a:rPr lang="nb-NO" sz="1200" dirty="0" smtClean="0"/>
+              <a:t> </a:t>
+            </a:r>
+            <a:r>
+              <a:rPr lang="nb-NO" sz="1200" dirty="0" err="1" smtClean="0"/>
+              <a:t>use</a:t>
+            </a:r>
+            <a:r>
+              <a:rPr lang="nb-NO" sz="1200" dirty="0" smtClean="0"/>
+              <a:t> symbols to show </a:t>
+            </a:r>
+            <a:r>
+              <a:rPr lang="nb-NO" sz="1200" dirty="0" err="1" smtClean="0"/>
+              <a:t>on</a:t>
+            </a:r>
+            <a:r>
+              <a:rPr lang="nb-NO" sz="1200" dirty="0" smtClean="0"/>
+              <a:t> </a:t>
+            </a:r>
+            <a:r>
+              <a:rPr lang="nb-NO" sz="1200" dirty="0" err="1" smtClean="0"/>
+              <a:t>the</a:t>
+            </a:r>
+            <a:r>
+              <a:rPr lang="nb-NO" sz="1200" dirty="0" smtClean="0"/>
+              <a:t> </a:t>
+            </a:r>
+            <a:r>
+              <a:rPr lang="nb-NO" sz="1200" dirty="0" err="1" smtClean="0"/>
+              <a:t>map</a:t>
+            </a:r>
+            <a:r>
+              <a:rPr lang="nb-NO" sz="1200" dirty="0" smtClean="0"/>
+              <a:t>. </a:t>
+            </a:r>
+            <a:r>
+              <a:rPr lang="nb-NO" sz="1200" dirty="0" err="1" smtClean="0"/>
+              <a:t>If</a:t>
+            </a:r>
+            <a:r>
+              <a:rPr lang="nb-NO" sz="1200" dirty="0" smtClean="0"/>
+              <a:t> </a:t>
+            </a:r>
+            <a:r>
+              <a:rPr lang="nb-NO" sz="1200" dirty="0" err="1" smtClean="0"/>
+              <a:t>additonal</a:t>
+            </a:r>
+            <a:r>
+              <a:rPr lang="nb-NO" sz="1200" dirty="0" smtClean="0"/>
+              <a:t> </a:t>
+            </a:r>
+            <a:r>
+              <a:rPr lang="nb-NO" sz="1200" dirty="0" err="1" smtClean="0"/>
+              <a:t>details</a:t>
+            </a:r>
+            <a:r>
+              <a:rPr lang="nb-NO" sz="1200" dirty="0" smtClean="0"/>
+              <a:t> is </a:t>
+            </a:r>
+            <a:r>
+              <a:rPr lang="nb-NO" sz="1200" dirty="0" err="1" smtClean="0"/>
+              <a:t>required</a:t>
+            </a:r>
+            <a:r>
+              <a:rPr lang="nb-NO" sz="1200" dirty="0" smtClean="0"/>
+              <a:t>, a </a:t>
+            </a:r>
+            <a:r>
+              <a:rPr lang="nb-NO" sz="1200" dirty="0" err="1" smtClean="0"/>
+              <a:t>seperate</a:t>
+            </a:r>
+            <a:r>
+              <a:rPr lang="nb-NO" sz="1200" dirty="0" smtClean="0"/>
+              <a:t> slide for </a:t>
+            </a:r>
+            <a:r>
+              <a:rPr lang="nb-NO" sz="1200" dirty="0" err="1" smtClean="0"/>
+              <a:t>that</a:t>
+            </a:r>
+            <a:r>
+              <a:rPr lang="nb-NO" sz="1200" dirty="0" smtClean="0"/>
+              <a:t> </a:t>
+            </a:r>
+            <a:r>
+              <a:rPr lang="nb-NO" sz="1200" dirty="0" err="1" smtClean="0"/>
+              <a:t>event</a:t>
+            </a:r>
+            <a:r>
+              <a:rPr lang="nb-NO" sz="1200" dirty="0" smtClean="0"/>
+              <a:t> </a:t>
+            </a:r>
+            <a:r>
+              <a:rPr lang="nb-NO" sz="1200" dirty="0" err="1" smtClean="0"/>
+              <a:t>can</a:t>
+            </a:r>
+            <a:r>
+              <a:rPr lang="nb-NO" sz="1200" dirty="0" smtClean="0"/>
+              <a:t> be </a:t>
+            </a:r>
+            <a:r>
+              <a:rPr lang="nb-NO" sz="1200" dirty="0" err="1" smtClean="0"/>
+              <a:t>provided</a:t>
+            </a:r>
+            <a:r>
+              <a:rPr lang="nb-NO" sz="1200" dirty="0" smtClean="0"/>
+              <a:t>.</a:t>
+            </a:r>
+            <a:endParaRPr lang="nb-NO" sz="1200" dirty="0"/>
+          </a:p>
+        </p:txBody>
+      </p:sp>
+      <p:sp>
+        <p:nvSpPr>
+          <p:cNvPr id="7" name="Ellipse 6"/>
+          <p:cNvSpPr/>
+          <p:nvPr/>
+        </p:nvSpPr>
+        <p:spPr>
+          <a:xfrm>
+            <a:off x="-928726" y="1000114"/>
+            <a:ext cx="214314" cy="214314"/>
+          </a:xfrm>
+          <a:prstGeom prst="ellipse">
+            <a:avLst/>
+          </a:prstGeom>
+          <a:solidFill>
+            <a:srgbClr val="C00000"/>
+          </a:solidFill>
+          <a:ln>
+            <a:solidFill>
+              <a:schemeClr val="tx1"/>
+            </a:solidFill>
+          </a:ln>
+        </p:spPr>
+        <p:style>
+          <a:lnRef idx="2">
+            <a:schemeClr val="accent1">
+              <a:shade val="50000"/>
+            </a:schemeClr>
+          </a:lnRef>
+          <a:fillRef idx="1">
+            <a:schemeClr val="accent1"/>
+          </a:fillRef>
+          <a:effectRef idx="0">
+            <a:schemeClr val="accent1"/>
+          </a:effectRef>
+          <a:fontRef idx="minor">
+            <a:schemeClr val="lt1"/>
+          </a:fontRef>
+        </p:style>
+        <p:txBody>
+          <a:bodyPr lIns="0" tIns="0" rIns="0" bIns="0" rtlCol="0" anchor="ctr"/>
+          <a:lstStyle/>
+          <a:p>
+            <a:pPr algn="ctr"/>
+            <a:r>
+              <a:rPr lang="nb-NO" sz="1200" dirty="0" smtClean="0"/>
+              <a:t>A</a:t>
+            </a:r>
+            <a:endParaRPr lang="nb-NO" sz="1200" dirty="0"/>
+          </a:p>
+        </p:txBody>
+      </p:sp>
+      <p:sp>
+        <p:nvSpPr>
+          <p:cNvPr id="8" name="Ellipse 7"/>
+          <p:cNvSpPr/>
+          <p:nvPr/>
+        </p:nvSpPr>
+        <p:spPr>
+          <a:xfrm>
+            <a:off x="-642974" y="1000114"/>
+            <a:ext cx="214314" cy="214314"/>
+          </a:xfrm>
+          <a:prstGeom prst="ellipse">
+            <a:avLst/>
+          </a:prstGeom>
+          <a:solidFill>
+            <a:srgbClr val="C00000"/>
+          </a:solidFill>
+          <a:ln>
+            <a:solidFill>
+              <a:schemeClr val="tx1"/>
+            </a:solidFill>
+          </a:ln>
+        </p:spPr>
+        <p:style>
+          <a:lnRef idx="2">
+            <a:schemeClr val="accent1">
+              <a:shade val="50000"/>
+            </a:schemeClr>
+          </a:lnRef>
+          <a:fillRef idx="1">
+            <a:schemeClr val="accent1"/>
+          </a:fillRef>
+          <a:effectRef idx="0">
+            <a:schemeClr val="accent1"/>
+          </a:effectRef>
+          <a:fontRef idx="minor">
+            <a:schemeClr val="lt1"/>
+          </a:fontRef>
+        </p:style>
+        <p:txBody>
+          <a:bodyPr lIns="0" tIns="0" rIns="0" bIns="0" rtlCol="0" anchor="ctr"/>
+          <a:lstStyle/>
+          <a:p>
+            <a:pPr algn="ctr"/>
+            <a:r>
+              <a:rPr lang="nb-NO" sz="1200" dirty="0" smtClean="0"/>
+              <a:t>A</a:t>
+            </a:r>
+            <a:endParaRPr lang="nb-NO" sz="1200" dirty="0"/>
+          </a:p>
+        </p:txBody>
+      </p:sp>
+      <p:sp>
+        <p:nvSpPr>
+          <p:cNvPr id="9" name="Ellipse 8"/>
+          <p:cNvSpPr/>
+          <p:nvPr/>
+        </p:nvSpPr>
+        <p:spPr>
+          <a:xfrm>
+            <a:off x="-928726" y="1285866"/>
+            <a:ext cx="214314" cy="214314"/>
+          </a:xfrm>
+          <a:prstGeom prst="ellipse">
+            <a:avLst/>
+          </a:prstGeom>
+          <a:solidFill>
+            <a:srgbClr val="C00000"/>
+          </a:solidFill>
+          <a:ln>
+            <a:solidFill>
+              <a:schemeClr val="tx1"/>
+            </a:solidFill>
+          </a:ln>
+        </p:spPr>
+        <p:style>
+          <a:lnRef idx="2">
+            <a:schemeClr val="accent1">
+              <a:shade val="50000"/>
+            </a:schemeClr>
+          </a:lnRef>
+          <a:fillRef idx="1">
+            <a:schemeClr val="accent1"/>
+          </a:fillRef>
+          <a:effectRef idx="0">
+            <a:schemeClr val="accent1"/>
+          </a:effectRef>
+          <a:fontRef idx="minor">
+            <a:schemeClr val="lt1"/>
+          </a:fontRef>
+        </p:style>
+        <p:txBody>
+          <a:bodyPr lIns="0" tIns="0" rIns="0" bIns="0" rtlCol="0" anchor="ctr"/>
+          <a:lstStyle/>
+          <a:p>
+            <a:pPr algn="ctr"/>
+            <a:r>
+              <a:rPr lang="nb-NO" sz="1200" dirty="0" smtClean="0"/>
+              <a:t>B</a:t>
+            </a:r>
+            <a:endParaRPr lang="nb-NO" sz="1200" dirty="0"/>
+          </a:p>
+        </p:txBody>
+      </p:sp>
+      <p:sp>
+        <p:nvSpPr>
+          <p:cNvPr id="10" name="Ellipse 9"/>
+          <p:cNvSpPr/>
+          <p:nvPr/>
+        </p:nvSpPr>
+        <p:spPr>
+          <a:xfrm>
+            <a:off x="-642974" y="1285866"/>
+            <a:ext cx="214314" cy="214314"/>
+          </a:xfrm>
+          <a:prstGeom prst="ellipse">
+            <a:avLst/>
+          </a:prstGeom>
+          <a:solidFill>
+            <a:srgbClr val="C00000"/>
+          </a:solidFill>
+          <a:ln>
+            <a:solidFill>
+              <a:schemeClr val="tx1"/>
+            </a:solidFill>
+          </a:ln>
+        </p:spPr>
+        <p:style>
+          <a:lnRef idx="2">
+            <a:schemeClr val="accent1">
+              <a:shade val="50000"/>
+            </a:schemeClr>
+          </a:lnRef>
+          <a:fillRef idx="1">
+            <a:schemeClr val="accent1"/>
+          </a:fillRef>
+          <a:effectRef idx="0">
+            <a:schemeClr val="accent1"/>
+          </a:effectRef>
+          <a:fontRef idx="minor">
+            <a:schemeClr val="lt1"/>
+          </a:fontRef>
+        </p:style>
+        <p:txBody>
+          <a:bodyPr lIns="0" tIns="0" rIns="0" bIns="0" rtlCol="0" anchor="ctr"/>
+          <a:lstStyle/>
+          <a:p>
+            <a:pPr algn="ctr"/>
+            <a:r>
+              <a:rPr lang="nb-NO" sz="1200" dirty="0" smtClean="0"/>
+              <a:t>B</a:t>
+            </a:r>
+            <a:endParaRPr lang="nb-NO" sz="1200" dirty="0"/>
+          </a:p>
+        </p:txBody>
+      </p:sp>
+      <p:sp>
+        <p:nvSpPr>
+          <p:cNvPr id="11" name="Ellipse 10"/>
+          <p:cNvSpPr/>
+          <p:nvPr/>
+        </p:nvSpPr>
+        <p:spPr>
+          <a:xfrm>
+            <a:off x="-928726" y="1571618"/>
+            <a:ext cx="214314" cy="214314"/>
+          </a:xfrm>
+          <a:prstGeom prst="ellipse">
+            <a:avLst/>
+          </a:prstGeom>
+          <a:solidFill>
+            <a:srgbClr val="C00000"/>
+          </a:solidFill>
+          <a:ln>
+            <a:solidFill>
+              <a:schemeClr val="tx1"/>
+            </a:solidFill>
+          </a:ln>
+        </p:spPr>
+        <p:style>
+          <a:lnRef idx="2">
+            <a:schemeClr val="accent1">
+              <a:shade val="50000"/>
+            </a:schemeClr>
+          </a:lnRef>
+          <a:fillRef idx="1">
+            <a:schemeClr val="accent1"/>
+          </a:fillRef>
+          <a:effectRef idx="0">
+            <a:schemeClr val="accent1"/>
+          </a:effectRef>
+          <a:fontRef idx="minor">
+            <a:schemeClr val="lt1"/>
+          </a:fontRef>
+        </p:style>
+        <p:txBody>
+          <a:bodyPr lIns="0" tIns="0" rIns="0" bIns="0" rtlCol="0" anchor="ctr"/>
+          <a:lstStyle/>
+          <a:p>
+            <a:pPr algn="ctr"/>
+            <a:r>
+              <a:rPr lang="nb-NO" sz="1200" dirty="0" smtClean="0"/>
+              <a:t>C</a:t>
+            </a:r>
+            <a:endParaRPr lang="nb-NO" sz="1200" dirty="0"/>
+          </a:p>
+        </p:txBody>
+      </p:sp>
+      <p:sp>
+        <p:nvSpPr>
+          <p:cNvPr id="12" name="Ellipse 11"/>
+          <p:cNvSpPr/>
+          <p:nvPr/>
+        </p:nvSpPr>
+        <p:spPr>
+          <a:xfrm>
+            <a:off x="-642974" y="1571618"/>
+            <a:ext cx="214314" cy="214314"/>
+          </a:xfrm>
+          <a:prstGeom prst="ellipse">
+            <a:avLst/>
+          </a:prstGeom>
+          <a:solidFill>
+            <a:srgbClr val="C00000"/>
+          </a:solidFill>
+          <a:ln>
+            <a:solidFill>
+              <a:schemeClr val="tx1"/>
+            </a:solidFill>
+          </a:ln>
+        </p:spPr>
+        <p:style>
+          <a:lnRef idx="2">
+            <a:schemeClr val="accent1">
+              <a:shade val="50000"/>
+            </a:schemeClr>
+          </a:lnRef>
+          <a:fillRef idx="1">
+            <a:schemeClr val="accent1"/>
+          </a:fillRef>
+          <a:effectRef idx="0">
+            <a:schemeClr val="accent1"/>
+          </a:effectRef>
+          <a:fontRef idx="minor">
+            <a:schemeClr val="lt1"/>
+          </a:fontRef>
+        </p:style>
+        <p:txBody>
+          <a:bodyPr lIns="0" tIns="0" rIns="0" bIns="0" rtlCol="0" anchor="ctr"/>
+          <a:lstStyle/>
+          <a:p>
+            <a:pPr algn="ctr"/>
+            <a:r>
+              <a:rPr lang="nb-NO" sz="1200" dirty="0" smtClean="0"/>
+              <a:t>C</a:t>
+            </a:r>
+            <a:endParaRPr lang="nb-NO" sz="1200" dirty="0"/>
+          </a:p>
+        </p:txBody>
+      </p:sp>
+      <p:sp>
+        <p:nvSpPr>
+          <p:cNvPr id="13" name="Ellipse 12"/>
+          <p:cNvSpPr/>
+          <p:nvPr/>
+        </p:nvSpPr>
+        <p:spPr>
+          <a:xfrm>
+            <a:off x="-928726" y="1857370"/>
+            <a:ext cx="214314" cy="214314"/>
+          </a:xfrm>
+          <a:prstGeom prst="ellipse">
+            <a:avLst/>
+          </a:prstGeom>
+          <a:solidFill>
+            <a:srgbClr val="C00000"/>
+          </a:solidFill>
+          <a:ln>
+            <a:solidFill>
+              <a:schemeClr val="tx1"/>
+            </a:solidFill>
+          </a:ln>
+        </p:spPr>
+        <p:style>
+          <a:lnRef idx="2">
+            <a:schemeClr val="accent1">
+              <a:shade val="50000"/>
+            </a:schemeClr>
+          </a:lnRef>
+          <a:fillRef idx="1">
+            <a:schemeClr val="accent1"/>
+          </a:fillRef>
+          <a:effectRef idx="0">
+            <a:schemeClr val="accent1"/>
+          </a:effectRef>
+          <a:fontRef idx="minor">
+            <a:schemeClr val="lt1"/>
+          </a:fontRef>
+        </p:style>
+        <p:txBody>
+          <a:bodyPr lIns="0" tIns="0" rIns="0" bIns="0" rtlCol="0" anchor="ctr"/>
+          <a:lstStyle/>
+          <a:p>
+            <a:pPr algn="ctr"/>
+            <a:r>
+              <a:rPr lang="nb-NO" sz="1200" dirty="0" smtClean="0"/>
+              <a:t>D</a:t>
+            </a:r>
+            <a:endParaRPr lang="nb-NO" sz="1200" dirty="0"/>
+          </a:p>
+        </p:txBody>
+      </p:sp>
+      <p:sp>
+        <p:nvSpPr>
+          <p:cNvPr id="14" name="Ellipse 13"/>
+          <p:cNvSpPr/>
+          <p:nvPr/>
+        </p:nvSpPr>
+        <p:spPr>
+          <a:xfrm>
+            <a:off x="-642974" y="1857370"/>
+            <a:ext cx="214314" cy="214314"/>
+          </a:xfrm>
+          <a:prstGeom prst="ellipse">
+            <a:avLst/>
+          </a:prstGeom>
+          <a:solidFill>
+            <a:srgbClr val="C00000"/>
+          </a:solidFill>
+          <a:ln>
+            <a:solidFill>
+              <a:schemeClr val="tx1"/>
+            </a:solidFill>
+          </a:ln>
+        </p:spPr>
+        <p:style>
+          <a:lnRef idx="2">
+            <a:schemeClr val="accent1">
+              <a:shade val="50000"/>
+            </a:schemeClr>
+          </a:lnRef>
+          <a:fillRef idx="1">
+            <a:schemeClr val="accent1"/>
+          </a:fillRef>
+          <a:effectRef idx="0">
+            <a:schemeClr val="accent1"/>
+          </a:effectRef>
+          <a:fontRef idx="minor">
+            <a:schemeClr val="lt1"/>
+          </a:fontRef>
+        </p:style>
+        <p:txBody>
+          <a:bodyPr lIns="0" tIns="0" rIns="0" bIns="0" rtlCol="0" anchor="ctr"/>
+          <a:lstStyle/>
+          <a:p>
+            <a:pPr algn="ctr"/>
+            <a:r>
+              <a:rPr lang="nb-NO" sz="1200" dirty="0" smtClean="0"/>
+              <a:t>D</a:t>
+            </a:r>
+            <a:endParaRPr lang="nb-NO" sz="1200" dirty="0"/>
+          </a:p>
+        </p:txBody>
+      </p:sp>
+      <p:sp>
+        <p:nvSpPr>
+          <p:cNvPr id="15" name="Ellipse 14"/>
+          <p:cNvSpPr/>
+          <p:nvPr/>
+        </p:nvSpPr>
+        <p:spPr>
+          <a:xfrm>
+            <a:off x="-928726" y="2143122"/>
+            <a:ext cx="214314" cy="214314"/>
+          </a:xfrm>
+          <a:prstGeom prst="ellipse">
+            <a:avLst/>
+          </a:prstGeom>
+          <a:solidFill>
+            <a:srgbClr val="C00000"/>
+          </a:solidFill>
+          <a:ln>
+            <a:solidFill>
+              <a:schemeClr val="tx1"/>
+            </a:solidFill>
+          </a:ln>
+        </p:spPr>
+        <p:style>
+          <a:lnRef idx="2">
+            <a:schemeClr val="accent1">
+              <a:shade val="50000"/>
+            </a:schemeClr>
+          </a:lnRef>
+          <a:fillRef idx="1">
+            <a:schemeClr val="accent1"/>
+          </a:fillRef>
+          <a:effectRef idx="0">
+            <a:schemeClr val="accent1"/>
+          </a:effectRef>
+          <a:fontRef idx="minor">
+            <a:schemeClr val="lt1"/>
+          </a:fontRef>
+        </p:style>
+        <p:txBody>
+          <a:bodyPr lIns="0" tIns="0" rIns="0" bIns="0" rtlCol="0" anchor="ctr"/>
+          <a:lstStyle/>
+          <a:p>
+            <a:pPr algn="ctr"/>
+            <a:r>
+              <a:rPr lang="nb-NO" sz="1200" dirty="0" smtClean="0"/>
+              <a:t>E</a:t>
+            </a:r>
+            <a:endParaRPr lang="nb-NO" sz="1200" dirty="0"/>
+          </a:p>
+        </p:txBody>
+      </p:sp>
+      <p:sp>
+        <p:nvSpPr>
+          <p:cNvPr id="16" name="Ellipse 15"/>
+          <p:cNvSpPr/>
+          <p:nvPr/>
+        </p:nvSpPr>
+        <p:spPr>
+          <a:xfrm>
+            <a:off x="-642974" y="2143122"/>
+            <a:ext cx="214314" cy="214314"/>
+          </a:xfrm>
+          <a:prstGeom prst="ellipse">
+            <a:avLst/>
+          </a:prstGeom>
+          <a:solidFill>
+            <a:srgbClr val="C00000"/>
+          </a:solidFill>
+          <a:ln>
+            <a:solidFill>
+              <a:schemeClr val="tx1"/>
+            </a:solidFill>
+          </a:ln>
+        </p:spPr>
+        <p:style>
+          <a:lnRef idx="2">
+            <a:schemeClr val="accent1">
+              <a:shade val="50000"/>
+            </a:schemeClr>
+          </a:lnRef>
+          <a:fillRef idx="1">
+            <a:schemeClr val="accent1"/>
+          </a:fillRef>
+          <a:effectRef idx="0">
+            <a:schemeClr val="accent1"/>
+          </a:effectRef>
+          <a:fontRef idx="minor">
+            <a:schemeClr val="lt1"/>
+          </a:fontRef>
+        </p:style>
+        <p:txBody>
+          <a:bodyPr lIns="0" tIns="0" rIns="0" bIns="0" rtlCol="0" anchor="ctr"/>
+          <a:lstStyle/>
+          <a:p>
+            <a:pPr algn="ctr"/>
+            <a:r>
+              <a:rPr lang="nb-NO" sz="1200" dirty="0" smtClean="0"/>
+              <a:t>E</a:t>
+            </a:r>
+            <a:endParaRPr lang="nb-NO" sz="1200" dirty="0"/>
+          </a:p>
+        </p:txBody>
+      </p:sp>
+      <p:sp>
+        <p:nvSpPr>
+          <p:cNvPr id="17" name="Ellipse 16"/>
+          <p:cNvSpPr/>
+          <p:nvPr/>
+        </p:nvSpPr>
+        <p:spPr>
+          <a:xfrm>
+            <a:off x="-928726" y="2428874"/>
+            <a:ext cx="214314" cy="214314"/>
+          </a:xfrm>
+          <a:prstGeom prst="ellipse">
+            <a:avLst/>
+          </a:prstGeom>
+          <a:solidFill>
+            <a:srgbClr val="C00000"/>
+          </a:solidFill>
+          <a:ln>
+            <a:solidFill>
+              <a:schemeClr val="tx1"/>
+            </a:solidFill>
+          </a:ln>
+        </p:spPr>
+        <p:style>
+          <a:lnRef idx="2">
+            <a:schemeClr val="accent1">
+              <a:shade val="50000"/>
+            </a:schemeClr>
+          </a:lnRef>
+          <a:fillRef idx="1">
+            <a:schemeClr val="accent1"/>
+          </a:fillRef>
+          <a:effectRef idx="0">
+            <a:schemeClr val="accent1"/>
+          </a:effectRef>
+          <a:fontRef idx="minor">
+            <a:schemeClr val="lt1"/>
+          </a:fontRef>
+        </p:style>
+        <p:txBody>
+          <a:bodyPr lIns="0" tIns="0" rIns="0" bIns="0" rtlCol="0" anchor="ctr"/>
+          <a:lstStyle/>
+          <a:p>
+            <a:pPr algn="ctr"/>
+            <a:r>
+              <a:rPr lang="nb-NO" sz="1200" dirty="0" smtClean="0"/>
+              <a:t>F</a:t>
+            </a:r>
+            <a:endParaRPr lang="nb-NO" sz="1200" dirty="0"/>
+          </a:p>
+        </p:txBody>
+      </p:sp>
+      <p:sp>
+        <p:nvSpPr>
+          <p:cNvPr id="18" name="Ellipse 17"/>
+          <p:cNvSpPr/>
+          <p:nvPr/>
+        </p:nvSpPr>
+        <p:spPr>
+          <a:xfrm>
+            <a:off x="-642974" y="2428874"/>
+            <a:ext cx="214314" cy="214314"/>
+          </a:xfrm>
+          <a:prstGeom prst="ellipse">
+            <a:avLst/>
+          </a:prstGeom>
+          <a:solidFill>
+            <a:srgbClr val="C00000"/>
+          </a:solidFill>
+          <a:ln>
+            <a:solidFill>
+              <a:schemeClr val="tx1"/>
+            </a:solidFill>
+          </a:ln>
+        </p:spPr>
+        <p:style>
+          <a:lnRef idx="2">
+            <a:schemeClr val="accent1">
+              <a:shade val="50000"/>
+            </a:schemeClr>
+          </a:lnRef>
+          <a:fillRef idx="1">
+            <a:schemeClr val="accent1"/>
+          </a:fillRef>
+          <a:effectRef idx="0">
+            <a:schemeClr val="accent1"/>
+          </a:effectRef>
+          <a:fontRef idx="minor">
+            <a:schemeClr val="lt1"/>
+          </a:fontRef>
+        </p:style>
+        <p:txBody>
+          <a:bodyPr lIns="0" tIns="0" rIns="0" bIns="0" rtlCol="0" anchor="ctr"/>
+          <a:lstStyle/>
+          <a:p>
+            <a:pPr algn="ctr"/>
+            <a:r>
+              <a:rPr lang="nb-NO" sz="1200" dirty="0" smtClean="0"/>
+              <a:t>F</a:t>
+            </a:r>
+            <a:endParaRPr lang="nb-NO" sz="1200" dirty="0"/>
+          </a:p>
+        </p:txBody>
+      </p:sp>
+    </p:spTree>
+  </p:cSld>
+  <p:clrMapOvr>
+    <a:masterClrMapping/>
+  </p:clrMapOvr>
+  <p:timing>
+    <p:tnLst>
+      <p:par>
+        <p:cTn id="1" dur="indefinite" restart="never" nodeType="tmRoot"/>
+      </p:par>
+    </p:tnLst>
+  </p:timing>
+</p:sld>
+</file>
+
+<file path=ppt/slides/slide5.xml><?xml version="1.0" encoding="utf-8"?>
+<p:sld xmlns:a="http://schemas.openxmlformats.org/drawingml/2006/main" xmlns:r="http://schemas.openxmlformats.org/officeDocument/2006/relationships" xmlns:p="http://schemas.openxmlformats.org/presentationml/2006/main">
+  <p:cSld>
+    <p:spTree>
+      <p:nvGrpSpPr>
+        <p:cNvPr id="1" name=""/>
+        <p:cNvGrpSpPr/>
+        <p:nvPr/>
+      </p:nvGrpSpPr>
+      <p:grpSpPr>
+        <a:xfrm>
+          <a:off x="0" y="0"/>
+          <a:ext cx="0" cy="0"/>
+          <a:chOff x="0" y="0"/>
+          <a:chExt cx="0" cy="0"/>
+        </a:xfrm>
+      </p:grpSpPr>
+      <p:sp>
+        <p:nvSpPr>
+          <p:cNvPr id="2" name="Tittel 1"/>
+          <p:cNvSpPr>
+            <a:spLocks noGrp="1"/>
+          </p:cNvSpPr>
+          <p:nvPr>
+            <p:ph type="title"/>
+          </p:nvPr>
+        </p:nvSpPr>
+        <p:spPr/>
+        <p:txBody>
+          <a:bodyPr/>
+          <a:lstStyle/>
+          <a:p>
+            <a:r>
+              <a:rPr lang="en-US" dirty="0" smtClean="0"/>
+              <a:t>MAJOR EVENTS LAST PERIOD </a:t>
+            </a:r>
+            <a:endParaRPr lang="en-US" dirty="0"/>
+          </a:p>
+        </p:txBody>
+      </p:sp>
+      <p:sp>
+        <p:nvSpPr>
+          <p:cNvPr id="5" name="Rektangel 4"/>
+          <p:cNvSpPr/>
+          <p:nvPr/>
+        </p:nvSpPr>
+        <p:spPr>
+          <a:xfrm>
+            <a:off x="3428960" y="642924"/>
+            <a:ext cx="5715040" cy="4286280"/>
+          </a:xfrm>
+          <a:prstGeom prst="rect">
+            <a:avLst/>
+          </a:prstGeom>
+          <a:solidFill>
+            <a:schemeClr val="tx2">
+              <a:lumMod val="20000"/>
+              <a:lumOff val="80000"/>
+            </a:schemeClr>
+          </a:solidFill>
+          <a:ln>
+            <a:solidFill>
+              <a:schemeClr val="tx1"/>
+            </a:solidFill>
+          </a:ln>
+        </p:spPr>
+        <p:style>
+          <a:lnRef idx="2">
+            <a:schemeClr val="accent1">
+              <a:shade val="50000"/>
+            </a:schemeClr>
+          </a:lnRef>
+          <a:fillRef idx="1">
+            <a:schemeClr val="accent1"/>
+          </a:fillRef>
+          <a:effectRef idx="0">
+            <a:schemeClr val="accent1"/>
+          </a:effectRef>
+          <a:fontRef idx="minor">
+            <a:schemeClr val="lt1"/>
+          </a:fontRef>
+        </p:style>
+        <p:txBody>
+          <a:bodyPr rtlCol="0" anchor="ctr"/>
+          <a:lstStyle/>
+          <a:p>
+            <a:pPr algn="ctr"/>
+            <a:r>
+              <a:rPr lang="nb-NO" dirty="0" smtClean="0"/>
+              <a:t>INSERT MAP HERE</a:t>
+            </a:r>
+            <a:endParaRPr lang="nb-NO" dirty="0"/>
+          </a:p>
+        </p:txBody>
+      </p:sp>
+      <p:sp>
+        <p:nvSpPr>
+          <p:cNvPr id="6" name="TekstSylinder 5"/>
+          <p:cNvSpPr txBox="1"/>
+          <p:nvPr/>
+        </p:nvSpPr>
+        <p:spPr>
+          <a:xfrm>
+            <a:off x="0" y="642924"/>
+            <a:ext cx="3428992" cy="4286280"/>
+          </a:xfrm>
+          <a:prstGeom prst="rect">
+            <a:avLst/>
+          </a:prstGeom>
+          <a:noFill/>
+          <a:ln>
+            <a:solidFill>
+              <a:schemeClr val="tx1"/>
+            </a:solidFill>
+          </a:ln>
+        </p:spPr>
+        <p:txBody>
+          <a:bodyPr wrap="square" rtlCol="0">
+            <a:normAutofit/>
+          </a:bodyPr>
+          <a:lstStyle/>
+          <a:p>
+            <a:r>
+              <a:rPr lang="nb-NO" sz="1200" dirty="0" smtClean="0"/>
+              <a:t>- Fill in major </a:t>
+            </a:r>
+            <a:r>
+              <a:rPr lang="nb-NO" sz="1200" dirty="0" err="1" smtClean="0"/>
+              <a:t>events</a:t>
+            </a:r>
+            <a:r>
+              <a:rPr lang="nb-NO" sz="1200" dirty="0" smtClean="0"/>
+              <a:t> </a:t>
+            </a:r>
+            <a:r>
+              <a:rPr lang="nb-NO" sz="1200" dirty="0" err="1" smtClean="0"/>
+              <a:t>here</a:t>
+            </a:r>
+            <a:r>
+              <a:rPr lang="nb-NO" sz="1200" dirty="0" smtClean="0"/>
+              <a:t> ( From </a:t>
+            </a:r>
+            <a:r>
+              <a:rPr lang="nb-NO" sz="1200" dirty="0" err="1" smtClean="0"/>
+              <a:t>BDAs</a:t>
+            </a:r>
+            <a:r>
+              <a:rPr lang="nb-NO" sz="1200" dirty="0" smtClean="0"/>
+              <a:t> or </a:t>
+            </a:r>
+            <a:r>
+              <a:rPr lang="nb-NO" sz="1200" dirty="0" err="1" smtClean="0"/>
+              <a:t>other</a:t>
+            </a:r>
+            <a:r>
+              <a:rPr lang="nb-NO" sz="1200" dirty="0" smtClean="0"/>
+              <a:t> </a:t>
+            </a:r>
+            <a:r>
+              <a:rPr lang="nb-NO" sz="1200" dirty="0" err="1" smtClean="0"/>
+              <a:t>injects</a:t>
+            </a:r>
+            <a:r>
+              <a:rPr lang="nb-NO" sz="1200" dirty="0" smtClean="0"/>
+              <a:t>). </a:t>
+            </a:r>
+            <a:r>
+              <a:rPr lang="nb-NO" sz="1200" dirty="0" err="1" smtClean="0"/>
+              <a:t>Can</a:t>
+            </a:r>
+            <a:r>
+              <a:rPr lang="nb-NO" sz="1200" dirty="0" smtClean="0"/>
+              <a:t> </a:t>
+            </a:r>
+            <a:r>
+              <a:rPr lang="nb-NO" sz="1200" dirty="0" err="1" smtClean="0"/>
+              <a:t>use</a:t>
+            </a:r>
+            <a:r>
+              <a:rPr lang="nb-NO" sz="1200" dirty="0" smtClean="0"/>
+              <a:t> symbols to show </a:t>
+            </a:r>
+            <a:r>
+              <a:rPr lang="nb-NO" sz="1200" dirty="0" err="1" smtClean="0"/>
+              <a:t>on</a:t>
+            </a:r>
+            <a:r>
+              <a:rPr lang="nb-NO" sz="1200" dirty="0" smtClean="0"/>
+              <a:t> </a:t>
+            </a:r>
+            <a:r>
+              <a:rPr lang="nb-NO" sz="1200" dirty="0" err="1" smtClean="0"/>
+              <a:t>the</a:t>
+            </a:r>
+            <a:r>
+              <a:rPr lang="nb-NO" sz="1200" dirty="0" smtClean="0"/>
+              <a:t> </a:t>
+            </a:r>
+            <a:r>
+              <a:rPr lang="nb-NO" sz="1200" dirty="0" err="1" smtClean="0"/>
+              <a:t>map</a:t>
+            </a:r>
+            <a:r>
+              <a:rPr lang="nb-NO" sz="1200" dirty="0" smtClean="0"/>
+              <a:t>. </a:t>
+            </a:r>
+            <a:r>
+              <a:rPr lang="nb-NO" sz="1200" dirty="0" err="1" smtClean="0"/>
+              <a:t>If</a:t>
+            </a:r>
+            <a:r>
+              <a:rPr lang="nb-NO" sz="1200" dirty="0" smtClean="0"/>
+              <a:t> </a:t>
+            </a:r>
+            <a:r>
+              <a:rPr lang="nb-NO" sz="1200" dirty="0" err="1" smtClean="0"/>
+              <a:t>additonal</a:t>
+            </a:r>
+            <a:r>
+              <a:rPr lang="nb-NO" sz="1200" dirty="0" smtClean="0"/>
+              <a:t> </a:t>
+            </a:r>
+            <a:r>
+              <a:rPr lang="nb-NO" sz="1200" dirty="0" err="1" smtClean="0"/>
+              <a:t>details</a:t>
+            </a:r>
+            <a:r>
+              <a:rPr lang="nb-NO" sz="1200" dirty="0" smtClean="0"/>
+              <a:t> is </a:t>
+            </a:r>
+            <a:r>
+              <a:rPr lang="nb-NO" sz="1200" dirty="0" err="1" smtClean="0"/>
+              <a:t>required</a:t>
+            </a:r>
+            <a:r>
+              <a:rPr lang="nb-NO" sz="1200" dirty="0" smtClean="0"/>
+              <a:t>, a </a:t>
+            </a:r>
+            <a:r>
+              <a:rPr lang="nb-NO" sz="1200" dirty="0" err="1" smtClean="0"/>
+              <a:t>seperate</a:t>
+            </a:r>
+            <a:r>
+              <a:rPr lang="nb-NO" sz="1200" dirty="0" smtClean="0"/>
+              <a:t> slide for </a:t>
+            </a:r>
+            <a:r>
+              <a:rPr lang="nb-NO" sz="1200" dirty="0" err="1" smtClean="0"/>
+              <a:t>that</a:t>
+            </a:r>
+            <a:r>
+              <a:rPr lang="nb-NO" sz="1200" dirty="0" smtClean="0"/>
+              <a:t> </a:t>
+            </a:r>
+            <a:r>
+              <a:rPr lang="nb-NO" sz="1200" dirty="0" err="1" smtClean="0"/>
+              <a:t>event</a:t>
+            </a:r>
+            <a:r>
+              <a:rPr lang="nb-NO" sz="1200" dirty="0" smtClean="0"/>
+              <a:t> </a:t>
+            </a:r>
+            <a:r>
+              <a:rPr lang="nb-NO" sz="1200" dirty="0" err="1" smtClean="0"/>
+              <a:t>can</a:t>
+            </a:r>
+            <a:r>
+              <a:rPr lang="nb-NO" sz="1200" dirty="0" smtClean="0"/>
+              <a:t> be </a:t>
+            </a:r>
+            <a:r>
+              <a:rPr lang="nb-NO" sz="1200" dirty="0" err="1" smtClean="0"/>
+              <a:t>provided</a:t>
+            </a:r>
+            <a:r>
+              <a:rPr lang="nb-NO" sz="1200" dirty="0" smtClean="0"/>
+              <a:t>.</a:t>
+            </a:r>
+            <a:endParaRPr lang="nb-NO" sz="1200" dirty="0"/>
+          </a:p>
+        </p:txBody>
+      </p:sp>
+      <p:sp>
+        <p:nvSpPr>
+          <p:cNvPr id="7" name="Ellipse 6"/>
+          <p:cNvSpPr/>
+          <p:nvPr/>
+        </p:nvSpPr>
+        <p:spPr>
+          <a:xfrm>
+            <a:off x="-928726" y="1000114"/>
+            <a:ext cx="214314" cy="214314"/>
+          </a:xfrm>
+          <a:prstGeom prst="ellipse">
+            <a:avLst/>
+          </a:prstGeom>
+          <a:solidFill>
+            <a:srgbClr val="C00000"/>
+          </a:solidFill>
+          <a:ln>
+            <a:solidFill>
+              <a:schemeClr val="tx1"/>
+            </a:solidFill>
+          </a:ln>
+        </p:spPr>
+        <p:style>
+          <a:lnRef idx="2">
+            <a:schemeClr val="accent1">
+              <a:shade val="50000"/>
+            </a:schemeClr>
+          </a:lnRef>
+          <a:fillRef idx="1">
+            <a:schemeClr val="accent1"/>
+          </a:fillRef>
+          <a:effectRef idx="0">
+            <a:schemeClr val="accent1"/>
+          </a:effectRef>
+          <a:fontRef idx="minor">
+            <a:schemeClr val="lt1"/>
+          </a:fontRef>
+        </p:style>
+        <p:txBody>
+          <a:bodyPr lIns="0" tIns="0" rIns="0" bIns="0" rtlCol="0" anchor="ctr"/>
+          <a:lstStyle/>
+          <a:p>
+            <a:pPr algn="ctr"/>
+            <a:r>
+              <a:rPr lang="nb-NO" sz="1200" dirty="0" smtClean="0"/>
+              <a:t>A</a:t>
+            </a:r>
+            <a:endParaRPr lang="nb-NO" sz="1200" dirty="0"/>
+          </a:p>
+        </p:txBody>
+      </p:sp>
+      <p:sp>
+        <p:nvSpPr>
+          <p:cNvPr id="8" name="Ellipse 7"/>
+          <p:cNvSpPr/>
+          <p:nvPr/>
+        </p:nvSpPr>
+        <p:spPr>
+          <a:xfrm>
+            <a:off x="-642974" y="1000114"/>
+            <a:ext cx="214314" cy="214314"/>
+          </a:xfrm>
+          <a:prstGeom prst="ellipse">
+            <a:avLst/>
+          </a:prstGeom>
+          <a:solidFill>
+            <a:srgbClr val="C00000"/>
+          </a:solidFill>
+          <a:ln>
+            <a:solidFill>
+              <a:schemeClr val="tx1"/>
+            </a:solidFill>
+          </a:ln>
+        </p:spPr>
+        <p:style>
+          <a:lnRef idx="2">
+            <a:schemeClr val="accent1">
+              <a:shade val="50000"/>
+            </a:schemeClr>
+          </a:lnRef>
+          <a:fillRef idx="1">
+            <a:schemeClr val="accent1"/>
+          </a:fillRef>
+          <a:effectRef idx="0">
+            <a:schemeClr val="accent1"/>
+          </a:effectRef>
+          <a:fontRef idx="minor">
+            <a:schemeClr val="lt1"/>
+          </a:fontRef>
+        </p:style>
+        <p:txBody>
+          <a:bodyPr lIns="0" tIns="0" rIns="0" bIns="0" rtlCol="0" anchor="ctr"/>
+          <a:lstStyle/>
+          <a:p>
+            <a:pPr algn="ctr"/>
+            <a:r>
+              <a:rPr lang="nb-NO" sz="1200" dirty="0" smtClean="0"/>
+              <a:t>A</a:t>
+            </a:r>
+            <a:endParaRPr lang="nb-NO" sz="1200" dirty="0"/>
+          </a:p>
+        </p:txBody>
+      </p:sp>
+      <p:sp>
+        <p:nvSpPr>
+          <p:cNvPr id="9" name="Ellipse 8"/>
+          <p:cNvSpPr/>
+          <p:nvPr/>
+        </p:nvSpPr>
+        <p:spPr>
+          <a:xfrm>
+            <a:off x="-928726" y="1285866"/>
+            <a:ext cx="214314" cy="214314"/>
+          </a:xfrm>
+          <a:prstGeom prst="ellipse">
+            <a:avLst/>
+          </a:prstGeom>
+          <a:solidFill>
+            <a:srgbClr val="C00000"/>
+          </a:solidFill>
+          <a:ln>
+            <a:solidFill>
+              <a:schemeClr val="tx1"/>
+            </a:solidFill>
+          </a:ln>
+        </p:spPr>
+        <p:style>
+          <a:lnRef idx="2">
+            <a:schemeClr val="accent1">
+              <a:shade val="50000"/>
+            </a:schemeClr>
+          </a:lnRef>
+          <a:fillRef idx="1">
+            <a:schemeClr val="accent1"/>
+          </a:fillRef>
+          <a:effectRef idx="0">
+            <a:schemeClr val="accent1"/>
+          </a:effectRef>
+          <a:fontRef idx="minor">
+            <a:schemeClr val="lt1"/>
+          </a:fontRef>
+        </p:style>
+        <p:txBody>
+          <a:bodyPr lIns="0" tIns="0" rIns="0" bIns="0" rtlCol="0" anchor="ctr"/>
+          <a:lstStyle/>
+          <a:p>
+            <a:pPr algn="ctr"/>
+            <a:r>
+              <a:rPr lang="nb-NO" sz="1200" dirty="0" smtClean="0"/>
+              <a:t>B</a:t>
+            </a:r>
+            <a:endParaRPr lang="nb-NO" sz="1200" dirty="0"/>
+          </a:p>
+        </p:txBody>
+      </p:sp>
+      <p:sp>
+        <p:nvSpPr>
+          <p:cNvPr id="10" name="Ellipse 9"/>
+          <p:cNvSpPr/>
+          <p:nvPr/>
+        </p:nvSpPr>
+        <p:spPr>
+          <a:xfrm>
+            <a:off x="-642974" y="1285866"/>
+            <a:ext cx="214314" cy="214314"/>
+          </a:xfrm>
+          <a:prstGeom prst="ellipse">
+            <a:avLst/>
+          </a:prstGeom>
+          <a:solidFill>
+            <a:srgbClr val="C00000"/>
+          </a:solidFill>
+          <a:ln>
+            <a:solidFill>
+              <a:schemeClr val="tx1"/>
+            </a:solidFill>
+          </a:ln>
+        </p:spPr>
+        <p:style>
+          <a:lnRef idx="2">
+            <a:schemeClr val="accent1">
+              <a:shade val="50000"/>
+            </a:schemeClr>
+          </a:lnRef>
+          <a:fillRef idx="1">
+            <a:schemeClr val="accent1"/>
+          </a:fillRef>
+          <a:effectRef idx="0">
+            <a:schemeClr val="accent1"/>
+          </a:effectRef>
+          <a:fontRef idx="minor">
+            <a:schemeClr val="lt1"/>
+          </a:fontRef>
+        </p:style>
+        <p:txBody>
+          <a:bodyPr lIns="0" tIns="0" rIns="0" bIns="0" rtlCol="0" anchor="ctr"/>
+          <a:lstStyle/>
+          <a:p>
+            <a:pPr algn="ctr"/>
+            <a:r>
+              <a:rPr lang="nb-NO" sz="1200" dirty="0" smtClean="0"/>
+              <a:t>B</a:t>
+            </a:r>
+            <a:endParaRPr lang="nb-NO" sz="1200" dirty="0"/>
+          </a:p>
+        </p:txBody>
+      </p:sp>
+      <p:sp>
+        <p:nvSpPr>
+          <p:cNvPr id="11" name="Ellipse 10"/>
+          <p:cNvSpPr/>
+          <p:nvPr/>
+        </p:nvSpPr>
+        <p:spPr>
+          <a:xfrm>
+            <a:off x="-928726" y="1571618"/>
+            <a:ext cx="214314" cy="214314"/>
+          </a:xfrm>
+          <a:prstGeom prst="ellipse">
+            <a:avLst/>
+          </a:prstGeom>
+          <a:solidFill>
+            <a:srgbClr val="C00000"/>
+          </a:solidFill>
+          <a:ln>
+            <a:solidFill>
+              <a:schemeClr val="tx1"/>
+            </a:solidFill>
+          </a:ln>
+        </p:spPr>
+        <p:style>
+          <a:lnRef idx="2">
+            <a:schemeClr val="accent1">
+              <a:shade val="50000"/>
+            </a:schemeClr>
+          </a:lnRef>
+          <a:fillRef idx="1">
+            <a:schemeClr val="accent1"/>
+          </a:fillRef>
+          <a:effectRef idx="0">
+            <a:schemeClr val="accent1"/>
+          </a:effectRef>
+          <a:fontRef idx="minor">
+            <a:schemeClr val="lt1"/>
+          </a:fontRef>
+        </p:style>
+        <p:txBody>
+          <a:bodyPr lIns="0" tIns="0" rIns="0" bIns="0" rtlCol="0" anchor="ctr"/>
+          <a:lstStyle/>
+          <a:p>
+            <a:pPr algn="ctr"/>
+            <a:r>
+              <a:rPr lang="nb-NO" sz="1200" dirty="0" smtClean="0"/>
+              <a:t>C</a:t>
+            </a:r>
+            <a:endParaRPr lang="nb-NO" sz="1200" dirty="0"/>
+          </a:p>
+        </p:txBody>
+      </p:sp>
+      <p:sp>
+        <p:nvSpPr>
+          <p:cNvPr id="12" name="Ellipse 11"/>
+          <p:cNvSpPr/>
+          <p:nvPr/>
+        </p:nvSpPr>
+        <p:spPr>
+          <a:xfrm>
+            <a:off x="-642974" y="1571618"/>
+            <a:ext cx="214314" cy="214314"/>
+          </a:xfrm>
+          <a:prstGeom prst="ellipse">
+            <a:avLst/>
+          </a:prstGeom>
+          <a:solidFill>
+            <a:srgbClr val="C00000"/>
+          </a:solidFill>
+          <a:ln>
+            <a:solidFill>
+              <a:schemeClr val="tx1"/>
+            </a:solidFill>
+          </a:ln>
+        </p:spPr>
+        <p:style>
+          <a:lnRef idx="2">
+            <a:schemeClr val="accent1">
+              <a:shade val="50000"/>
+            </a:schemeClr>
+          </a:lnRef>
+          <a:fillRef idx="1">
+            <a:schemeClr val="accent1"/>
+          </a:fillRef>
+          <a:effectRef idx="0">
+            <a:schemeClr val="accent1"/>
+          </a:effectRef>
+          <a:fontRef idx="minor">
+            <a:schemeClr val="lt1"/>
+          </a:fontRef>
+        </p:style>
+        <p:txBody>
+          <a:bodyPr lIns="0" tIns="0" rIns="0" bIns="0" rtlCol="0" anchor="ctr"/>
+          <a:lstStyle/>
+          <a:p>
+            <a:pPr algn="ctr"/>
+            <a:r>
+              <a:rPr lang="nb-NO" sz="1200" dirty="0" smtClean="0"/>
+              <a:t>C</a:t>
+            </a:r>
+            <a:endParaRPr lang="nb-NO" sz="1200" dirty="0"/>
+          </a:p>
+        </p:txBody>
+      </p:sp>
+      <p:sp>
+        <p:nvSpPr>
+          <p:cNvPr id="13" name="Ellipse 12"/>
+          <p:cNvSpPr/>
+          <p:nvPr/>
+        </p:nvSpPr>
+        <p:spPr>
+          <a:xfrm>
+            <a:off x="-928726" y="1857370"/>
+            <a:ext cx="214314" cy="214314"/>
+          </a:xfrm>
+          <a:prstGeom prst="ellipse">
+            <a:avLst/>
+          </a:prstGeom>
+          <a:solidFill>
+            <a:srgbClr val="C00000"/>
+          </a:solidFill>
+          <a:ln>
+            <a:solidFill>
+              <a:schemeClr val="tx1"/>
+            </a:solidFill>
+          </a:ln>
+        </p:spPr>
+        <p:style>
+          <a:lnRef idx="2">
+            <a:schemeClr val="accent1">
+              <a:shade val="50000"/>
+            </a:schemeClr>
+          </a:lnRef>
+          <a:fillRef idx="1">
+            <a:schemeClr val="accent1"/>
+          </a:fillRef>
+          <a:effectRef idx="0">
+            <a:schemeClr val="accent1"/>
+          </a:effectRef>
+          <a:fontRef idx="minor">
+            <a:schemeClr val="lt1"/>
+          </a:fontRef>
+        </p:style>
+        <p:txBody>
+          <a:bodyPr lIns="0" tIns="0" rIns="0" bIns="0" rtlCol="0" anchor="ctr"/>
+          <a:lstStyle/>
+          <a:p>
+            <a:pPr algn="ctr"/>
+            <a:r>
+              <a:rPr lang="nb-NO" sz="1200" dirty="0" smtClean="0"/>
+              <a:t>D</a:t>
+            </a:r>
+            <a:endParaRPr lang="nb-NO" sz="1200" dirty="0"/>
+          </a:p>
+        </p:txBody>
+      </p:sp>
+      <p:sp>
+        <p:nvSpPr>
+          <p:cNvPr id="14" name="Ellipse 13"/>
+          <p:cNvSpPr/>
+          <p:nvPr/>
+        </p:nvSpPr>
+        <p:spPr>
+          <a:xfrm>
+            <a:off x="-642974" y="1857370"/>
+            <a:ext cx="214314" cy="214314"/>
+          </a:xfrm>
+          <a:prstGeom prst="ellipse">
+            <a:avLst/>
+          </a:prstGeom>
+          <a:solidFill>
+            <a:srgbClr val="C00000"/>
+          </a:solidFill>
+          <a:ln>
+            <a:solidFill>
+              <a:schemeClr val="tx1"/>
+            </a:solidFill>
+          </a:ln>
+        </p:spPr>
+        <p:style>
+          <a:lnRef idx="2">
+            <a:schemeClr val="accent1">
+              <a:shade val="50000"/>
+            </a:schemeClr>
+          </a:lnRef>
+          <a:fillRef idx="1">
+            <a:schemeClr val="accent1"/>
+          </a:fillRef>
+          <a:effectRef idx="0">
+            <a:schemeClr val="accent1"/>
+          </a:effectRef>
+          <a:fontRef idx="minor">
+            <a:schemeClr val="lt1"/>
+          </a:fontRef>
+        </p:style>
+        <p:txBody>
+          <a:bodyPr lIns="0" tIns="0" rIns="0" bIns="0" rtlCol="0" anchor="ctr"/>
+          <a:lstStyle/>
+          <a:p>
+            <a:pPr algn="ctr"/>
+            <a:r>
+              <a:rPr lang="nb-NO" sz="1200" dirty="0" smtClean="0"/>
+              <a:t>D</a:t>
+            </a:r>
+            <a:endParaRPr lang="nb-NO" sz="1200" dirty="0"/>
+          </a:p>
+        </p:txBody>
+      </p:sp>
+      <p:sp>
+        <p:nvSpPr>
+          <p:cNvPr id="15" name="Ellipse 14"/>
+          <p:cNvSpPr/>
+          <p:nvPr/>
+        </p:nvSpPr>
+        <p:spPr>
+          <a:xfrm>
+            <a:off x="-928726" y="2143122"/>
+            <a:ext cx="214314" cy="214314"/>
+          </a:xfrm>
+          <a:prstGeom prst="ellipse">
+            <a:avLst/>
+          </a:prstGeom>
+          <a:solidFill>
+            <a:srgbClr val="C00000"/>
+          </a:solidFill>
+          <a:ln>
+            <a:solidFill>
+              <a:schemeClr val="tx1"/>
+            </a:solidFill>
+          </a:ln>
+        </p:spPr>
+        <p:style>
+          <a:lnRef idx="2">
+            <a:schemeClr val="accent1">
+              <a:shade val="50000"/>
+            </a:schemeClr>
+          </a:lnRef>
+          <a:fillRef idx="1">
+            <a:schemeClr val="accent1"/>
+          </a:fillRef>
+          <a:effectRef idx="0">
+            <a:schemeClr val="accent1"/>
+          </a:effectRef>
+          <a:fontRef idx="minor">
+            <a:schemeClr val="lt1"/>
+          </a:fontRef>
+        </p:style>
+        <p:txBody>
+          <a:bodyPr lIns="0" tIns="0" rIns="0" bIns="0" rtlCol="0" anchor="ctr"/>
+          <a:lstStyle/>
+          <a:p>
+            <a:pPr algn="ctr"/>
+            <a:r>
+              <a:rPr lang="nb-NO" sz="1200" dirty="0" smtClean="0"/>
+              <a:t>E</a:t>
+            </a:r>
+            <a:endParaRPr lang="nb-NO" sz="1200" dirty="0"/>
+          </a:p>
+        </p:txBody>
+      </p:sp>
+      <p:sp>
+        <p:nvSpPr>
+          <p:cNvPr id="16" name="Ellipse 15"/>
+          <p:cNvSpPr/>
+          <p:nvPr/>
+        </p:nvSpPr>
+        <p:spPr>
+          <a:xfrm>
+            <a:off x="-642974" y="2143122"/>
+            <a:ext cx="214314" cy="214314"/>
+          </a:xfrm>
+          <a:prstGeom prst="ellipse">
+            <a:avLst/>
+          </a:prstGeom>
+          <a:solidFill>
+            <a:srgbClr val="C00000"/>
+          </a:solidFill>
+          <a:ln>
+            <a:solidFill>
+              <a:schemeClr val="tx1"/>
+            </a:solidFill>
+          </a:ln>
+        </p:spPr>
+        <p:style>
+          <a:lnRef idx="2">
+            <a:schemeClr val="accent1">
+              <a:shade val="50000"/>
+            </a:schemeClr>
+          </a:lnRef>
+          <a:fillRef idx="1">
+            <a:schemeClr val="accent1"/>
+          </a:fillRef>
+          <a:effectRef idx="0">
+            <a:schemeClr val="accent1"/>
+          </a:effectRef>
+          <a:fontRef idx="minor">
+            <a:schemeClr val="lt1"/>
+          </a:fontRef>
+        </p:style>
+        <p:txBody>
+          <a:bodyPr lIns="0" tIns="0" rIns="0" bIns="0" rtlCol="0" anchor="ctr"/>
+          <a:lstStyle/>
+          <a:p>
+            <a:pPr algn="ctr"/>
+            <a:r>
+              <a:rPr lang="nb-NO" sz="1200" dirty="0" smtClean="0"/>
+              <a:t>E</a:t>
+            </a:r>
+            <a:endParaRPr lang="nb-NO" sz="1200" dirty="0"/>
+          </a:p>
+        </p:txBody>
+      </p:sp>
+      <p:sp>
+        <p:nvSpPr>
+          <p:cNvPr id="17" name="Ellipse 16"/>
+          <p:cNvSpPr/>
+          <p:nvPr/>
+        </p:nvSpPr>
+        <p:spPr>
+          <a:xfrm>
+            <a:off x="-928726" y="2428874"/>
+            <a:ext cx="214314" cy="214314"/>
+          </a:xfrm>
+          <a:prstGeom prst="ellipse">
+            <a:avLst/>
+          </a:prstGeom>
+          <a:solidFill>
+            <a:srgbClr val="C00000"/>
+          </a:solidFill>
+          <a:ln>
+            <a:solidFill>
+              <a:schemeClr val="tx1"/>
+            </a:solidFill>
+          </a:ln>
+        </p:spPr>
+        <p:style>
+          <a:lnRef idx="2">
+            <a:schemeClr val="accent1">
+              <a:shade val="50000"/>
+            </a:schemeClr>
+          </a:lnRef>
+          <a:fillRef idx="1">
+            <a:schemeClr val="accent1"/>
+          </a:fillRef>
+          <a:effectRef idx="0">
+            <a:schemeClr val="accent1"/>
+          </a:effectRef>
+          <a:fontRef idx="minor">
+            <a:schemeClr val="lt1"/>
+          </a:fontRef>
+        </p:style>
+        <p:txBody>
+          <a:bodyPr lIns="0" tIns="0" rIns="0" bIns="0" rtlCol="0" anchor="ctr"/>
+          <a:lstStyle/>
+          <a:p>
+            <a:pPr algn="ctr"/>
+            <a:r>
+              <a:rPr lang="nb-NO" sz="1200" dirty="0" smtClean="0"/>
+              <a:t>F</a:t>
+            </a:r>
+            <a:endParaRPr lang="nb-NO" sz="1200" dirty="0"/>
+          </a:p>
+        </p:txBody>
+      </p:sp>
+      <p:sp>
+        <p:nvSpPr>
+          <p:cNvPr id="18" name="Ellipse 17"/>
+          <p:cNvSpPr/>
+          <p:nvPr/>
+        </p:nvSpPr>
+        <p:spPr>
+          <a:xfrm>
+            <a:off x="-642974" y="2428874"/>
+            <a:ext cx="214314" cy="214314"/>
+          </a:xfrm>
+          <a:prstGeom prst="ellipse">
+            <a:avLst/>
+          </a:prstGeom>
+          <a:solidFill>
+            <a:srgbClr val="C00000"/>
+          </a:solidFill>
+          <a:ln>
+            <a:solidFill>
+              <a:schemeClr val="tx1"/>
+            </a:solidFill>
+          </a:ln>
+        </p:spPr>
+        <p:style>
+          <a:lnRef idx="2">
+            <a:schemeClr val="accent1">
+              <a:shade val="50000"/>
+            </a:schemeClr>
+          </a:lnRef>
+          <a:fillRef idx="1">
+            <a:schemeClr val="accent1"/>
+          </a:fillRef>
+          <a:effectRef idx="0">
+            <a:schemeClr val="accent1"/>
+          </a:effectRef>
+          <a:fontRef idx="minor">
+            <a:schemeClr val="lt1"/>
+          </a:fontRef>
+        </p:style>
+        <p:txBody>
+          <a:bodyPr lIns="0" tIns="0" rIns="0" bIns="0" rtlCol="0" anchor="ctr"/>
+          <a:lstStyle/>
+          <a:p>
+            <a:pPr algn="ctr"/>
+            <a:r>
+              <a:rPr lang="nb-NO" sz="1200" dirty="0" smtClean="0"/>
+              <a:t>F</a:t>
+            </a:r>
+            <a:endParaRPr lang="nb-NO" sz="1200" dirty="0"/>
+          </a:p>
+        </p:txBody>
+      </p:sp>
+    </p:spTree>
+  </p:cSld>
+  <p:clrMapOvr>
+    <a:masterClrMapping/>
+  </p:clrMapOvr>
+  <p:timing>
+    <p:tnLst>
+      <p:par>
+        <p:cTn id="1" dur="indefinite" restart="never" nodeType="tmRoot"/>
+      </p:par>
+    </p:tnLst>
+  </p:timing>
+</p:sld>
+</file>
+
+<file path=ppt/slides/slide6.xml><?xml version="1.0" encoding="utf-8"?>
+<p:sld xmlns:a="http://schemas.openxmlformats.org/drawingml/2006/main" xmlns:r="http://schemas.openxmlformats.org/officeDocument/2006/relationships" xmlns:p="http://schemas.openxmlformats.org/presentationml/2006/main">
+  <p:cSld>
+    <p:spTree>
+      <p:nvGrpSpPr>
+        <p:cNvPr id="1" name=""/>
+        <p:cNvGrpSpPr/>
+        <p:nvPr/>
+      </p:nvGrpSpPr>
+      <p:grpSpPr>
+        <a:xfrm>
+          <a:off x="0" y="0"/>
+          <a:ext cx="0" cy="0"/>
+          <a:chOff x="0" y="0"/>
+          <a:chExt cx="0" cy="0"/>
+        </a:xfrm>
+      </p:grpSpPr>
+      <p:sp>
+        <p:nvSpPr>
+          <p:cNvPr id="2" name="Tittel 1"/>
+          <p:cNvSpPr>
+            <a:spLocks noGrp="1"/>
+          </p:cNvSpPr>
+          <p:nvPr>
+            <p:ph type="title"/>
+          </p:nvPr>
+        </p:nvSpPr>
+        <p:spPr/>
+        <p:txBody>
+          <a:bodyPr/>
+          <a:lstStyle/>
+          <a:p>
+            <a:r>
+              <a:rPr lang="en-US" dirty="0" smtClean="0"/>
+              <a:t>BDA LAST PERIOD </a:t>
+            </a:r>
+            <a:endParaRPr lang="en-US" dirty="0"/>
+          </a:p>
+        </p:txBody>
+      </p:sp>
+      <p:sp>
+        <p:nvSpPr>
+          <p:cNvPr id="5" name="Rektangel 4"/>
+          <p:cNvSpPr/>
+          <p:nvPr/>
+        </p:nvSpPr>
+        <p:spPr>
+          <a:xfrm>
+            <a:off x="3428960" y="642924"/>
+            <a:ext cx="5715040" cy="4286280"/>
+          </a:xfrm>
+          <a:prstGeom prst="rect">
+            <a:avLst/>
+          </a:prstGeom>
+          <a:solidFill>
+            <a:schemeClr val="tx2">
+              <a:lumMod val="20000"/>
+              <a:lumOff val="80000"/>
+            </a:schemeClr>
+          </a:solidFill>
+          <a:ln>
+            <a:solidFill>
+              <a:schemeClr val="tx1"/>
+            </a:solidFill>
+          </a:ln>
+        </p:spPr>
+        <p:style>
+          <a:lnRef idx="2">
+            <a:schemeClr val="accent1">
+              <a:shade val="50000"/>
+            </a:schemeClr>
+          </a:lnRef>
+          <a:fillRef idx="1">
+            <a:schemeClr val="accent1"/>
+          </a:fillRef>
+          <a:effectRef idx="0">
+            <a:schemeClr val="accent1"/>
+          </a:effectRef>
+          <a:fontRef idx="minor">
+            <a:schemeClr val="lt1"/>
+          </a:fontRef>
+        </p:style>
+        <p:txBody>
+          <a:bodyPr rtlCol="0" anchor="ctr"/>
+          <a:lstStyle/>
+          <a:p>
+            <a:pPr algn="ctr"/>
+            <a:r>
+              <a:rPr lang="nb-NO" dirty="0" smtClean="0"/>
+              <a:t>INSERT MAP HERE</a:t>
+            </a:r>
+            <a:endParaRPr lang="nb-NO" dirty="0"/>
+          </a:p>
+        </p:txBody>
+      </p:sp>
+      <p:sp>
+        <p:nvSpPr>
+          <p:cNvPr id="6" name="TekstSylinder 5"/>
+          <p:cNvSpPr txBox="1"/>
+          <p:nvPr/>
+        </p:nvSpPr>
+        <p:spPr>
+          <a:xfrm>
+            <a:off x="0" y="642924"/>
+            <a:ext cx="3428992" cy="4286280"/>
+          </a:xfrm>
+          <a:prstGeom prst="rect">
+            <a:avLst/>
+          </a:prstGeom>
+          <a:noFill/>
+          <a:ln>
+            <a:solidFill>
+              <a:schemeClr val="tx1"/>
+            </a:solidFill>
+          </a:ln>
+        </p:spPr>
+        <p:txBody>
+          <a:bodyPr wrap="square" rtlCol="0">
+            <a:normAutofit/>
+          </a:bodyPr>
+          <a:lstStyle/>
+          <a:p>
+            <a:r>
+              <a:rPr lang="nb-NO" sz="1200" dirty="0" smtClean="0"/>
+              <a:t>- Fill in BDA </a:t>
+            </a:r>
+            <a:r>
+              <a:rPr lang="nb-NO" sz="1200" dirty="0" err="1" smtClean="0"/>
+              <a:t>reports</a:t>
+            </a:r>
+            <a:r>
+              <a:rPr lang="nb-NO" sz="1200" dirty="0" smtClean="0"/>
+              <a:t>. </a:t>
+            </a:r>
+            <a:r>
+              <a:rPr lang="nb-NO" sz="1200" dirty="0" err="1" smtClean="0"/>
+              <a:t>Can</a:t>
+            </a:r>
+            <a:r>
+              <a:rPr lang="nb-NO" sz="1200" dirty="0" smtClean="0"/>
+              <a:t> </a:t>
+            </a:r>
+            <a:r>
+              <a:rPr lang="nb-NO" sz="1200" dirty="0" err="1" smtClean="0"/>
+              <a:t>use</a:t>
+            </a:r>
+            <a:r>
+              <a:rPr lang="nb-NO" sz="1200" dirty="0" smtClean="0"/>
+              <a:t> symbols to show </a:t>
+            </a:r>
+            <a:r>
+              <a:rPr lang="nb-NO" sz="1200" dirty="0" err="1" smtClean="0"/>
+              <a:t>on</a:t>
+            </a:r>
+            <a:r>
+              <a:rPr lang="nb-NO" sz="1200" dirty="0" smtClean="0"/>
+              <a:t> </a:t>
+            </a:r>
+            <a:r>
+              <a:rPr lang="nb-NO" sz="1200" dirty="0" err="1" smtClean="0"/>
+              <a:t>the</a:t>
+            </a:r>
+            <a:r>
+              <a:rPr lang="nb-NO" sz="1200" dirty="0" smtClean="0"/>
+              <a:t> </a:t>
+            </a:r>
+            <a:r>
+              <a:rPr lang="nb-NO" sz="1200" dirty="0" err="1" smtClean="0"/>
+              <a:t>map</a:t>
+            </a:r>
+            <a:r>
+              <a:rPr lang="nb-NO" sz="1200" dirty="0" smtClean="0"/>
+              <a:t>. </a:t>
+            </a:r>
+            <a:r>
+              <a:rPr lang="nb-NO" sz="1200" dirty="0" err="1" smtClean="0"/>
+              <a:t>If</a:t>
+            </a:r>
+            <a:r>
+              <a:rPr lang="nb-NO" sz="1200" dirty="0" smtClean="0"/>
+              <a:t> </a:t>
+            </a:r>
+            <a:r>
+              <a:rPr lang="nb-NO" sz="1200" dirty="0" err="1" smtClean="0"/>
+              <a:t>additonal</a:t>
+            </a:r>
+            <a:r>
+              <a:rPr lang="nb-NO" sz="1200" dirty="0" smtClean="0"/>
+              <a:t> </a:t>
+            </a:r>
+            <a:r>
+              <a:rPr lang="nb-NO" sz="1200" dirty="0" err="1" smtClean="0"/>
+              <a:t>details</a:t>
+            </a:r>
+            <a:r>
+              <a:rPr lang="nb-NO" sz="1200" dirty="0" smtClean="0"/>
+              <a:t> is </a:t>
+            </a:r>
+            <a:r>
+              <a:rPr lang="nb-NO" sz="1200" dirty="0" err="1" smtClean="0"/>
+              <a:t>required</a:t>
+            </a:r>
+            <a:r>
+              <a:rPr lang="nb-NO" sz="1200" dirty="0" smtClean="0"/>
+              <a:t>, a </a:t>
+            </a:r>
+            <a:r>
+              <a:rPr lang="nb-NO" sz="1200" dirty="0" err="1" smtClean="0"/>
+              <a:t>seperate</a:t>
+            </a:r>
+            <a:r>
+              <a:rPr lang="nb-NO" sz="1200" dirty="0" smtClean="0"/>
+              <a:t> slide for </a:t>
+            </a:r>
+            <a:r>
+              <a:rPr lang="nb-NO" sz="1200" dirty="0" err="1" smtClean="0"/>
+              <a:t>that</a:t>
+            </a:r>
+            <a:r>
+              <a:rPr lang="nb-NO" sz="1200" dirty="0" smtClean="0"/>
+              <a:t> </a:t>
+            </a:r>
+            <a:r>
+              <a:rPr lang="nb-NO" sz="1200" dirty="0" err="1" smtClean="0"/>
+              <a:t>event</a:t>
+            </a:r>
+            <a:r>
+              <a:rPr lang="nb-NO" sz="1200" dirty="0" smtClean="0"/>
+              <a:t> </a:t>
+            </a:r>
+            <a:r>
+              <a:rPr lang="nb-NO" sz="1200" dirty="0" err="1" smtClean="0"/>
+              <a:t>can</a:t>
+            </a:r>
+            <a:r>
+              <a:rPr lang="nb-NO" sz="1200" dirty="0" smtClean="0"/>
+              <a:t> be </a:t>
+            </a:r>
+            <a:r>
+              <a:rPr lang="nb-NO" sz="1200" dirty="0" err="1" smtClean="0"/>
+              <a:t>provided</a:t>
+            </a:r>
+            <a:r>
+              <a:rPr lang="nb-NO" sz="1200" dirty="0" smtClean="0"/>
+              <a:t>.</a:t>
+            </a:r>
+            <a:endParaRPr lang="nb-NO" sz="1200" dirty="0"/>
+          </a:p>
+        </p:txBody>
+      </p:sp>
+      <p:sp>
+        <p:nvSpPr>
+          <p:cNvPr id="7" name="Ellipse 6"/>
+          <p:cNvSpPr/>
+          <p:nvPr/>
+        </p:nvSpPr>
+        <p:spPr>
+          <a:xfrm>
+            <a:off x="-928726" y="1000114"/>
+            <a:ext cx="214314" cy="214314"/>
+          </a:xfrm>
+          <a:prstGeom prst="ellipse">
+            <a:avLst/>
+          </a:prstGeom>
+          <a:solidFill>
+            <a:srgbClr val="C00000"/>
+          </a:solidFill>
+          <a:ln>
+            <a:solidFill>
+              <a:schemeClr val="tx1"/>
+            </a:solidFill>
+          </a:ln>
+        </p:spPr>
+        <p:style>
+          <a:lnRef idx="2">
+            <a:schemeClr val="accent1">
+              <a:shade val="50000"/>
+            </a:schemeClr>
+          </a:lnRef>
+          <a:fillRef idx="1">
+            <a:schemeClr val="accent1"/>
+          </a:fillRef>
+          <a:effectRef idx="0">
+            <a:schemeClr val="accent1"/>
+          </a:effectRef>
+          <a:fontRef idx="minor">
+            <a:schemeClr val="lt1"/>
+          </a:fontRef>
+        </p:style>
+        <p:txBody>
+          <a:bodyPr lIns="0" tIns="0" rIns="0" bIns="0" rtlCol="0" anchor="ctr"/>
+          <a:lstStyle/>
+          <a:p>
+            <a:pPr algn="ctr"/>
+            <a:r>
+              <a:rPr lang="nb-NO" sz="1200" dirty="0" smtClean="0"/>
+              <a:t>A</a:t>
+            </a:r>
+            <a:endParaRPr lang="nb-NO" sz="1200" dirty="0"/>
+          </a:p>
+        </p:txBody>
+      </p:sp>
+      <p:sp>
+        <p:nvSpPr>
+          <p:cNvPr id="8" name="Ellipse 7"/>
+          <p:cNvSpPr/>
+          <p:nvPr/>
+        </p:nvSpPr>
+        <p:spPr>
+          <a:xfrm>
+            <a:off x="-642974" y="1000114"/>
+            <a:ext cx="214314" cy="214314"/>
+          </a:xfrm>
+          <a:prstGeom prst="ellipse">
+            <a:avLst/>
+          </a:prstGeom>
+          <a:solidFill>
+            <a:srgbClr val="C00000"/>
+          </a:solidFill>
+          <a:ln>
+            <a:solidFill>
+              <a:schemeClr val="tx1"/>
+            </a:solidFill>
+          </a:ln>
+        </p:spPr>
+        <p:style>
+          <a:lnRef idx="2">
+            <a:schemeClr val="accent1">
+              <a:shade val="50000"/>
+            </a:schemeClr>
+          </a:lnRef>
+          <a:fillRef idx="1">
+            <a:schemeClr val="accent1"/>
+          </a:fillRef>
+          <a:effectRef idx="0">
+            <a:schemeClr val="accent1"/>
+          </a:effectRef>
+          <a:fontRef idx="minor">
+            <a:schemeClr val="lt1"/>
+          </a:fontRef>
+        </p:style>
+        <p:txBody>
+          <a:bodyPr lIns="0" tIns="0" rIns="0" bIns="0" rtlCol="0" anchor="ctr"/>
+          <a:lstStyle/>
+          <a:p>
+            <a:pPr algn="ctr"/>
+            <a:r>
+              <a:rPr lang="nb-NO" sz="1200" dirty="0" smtClean="0"/>
+              <a:t>A</a:t>
+            </a:r>
+            <a:endParaRPr lang="nb-NO" sz="1200" dirty="0"/>
+          </a:p>
+        </p:txBody>
+      </p:sp>
+      <p:sp>
+        <p:nvSpPr>
+          <p:cNvPr id="9" name="Ellipse 8"/>
+          <p:cNvSpPr/>
+          <p:nvPr/>
+        </p:nvSpPr>
+        <p:spPr>
+          <a:xfrm>
+            <a:off x="-928726" y="1285866"/>
+            <a:ext cx="214314" cy="214314"/>
+          </a:xfrm>
+          <a:prstGeom prst="ellipse">
+            <a:avLst/>
+          </a:prstGeom>
+          <a:solidFill>
+            <a:srgbClr val="C00000"/>
+          </a:solidFill>
+          <a:ln>
+            <a:solidFill>
+              <a:schemeClr val="tx1"/>
+            </a:solidFill>
+          </a:ln>
+        </p:spPr>
+        <p:style>
+          <a:lnRef idx="2">
+            <a:schemeClr val="accent1">
+              <a:shade val="50000"/>
+            </a:schemeClr>
+          </a:lnRef>
+          <a:fillRef idx="1">
+            <a:schemeClr val="accent1"/>
+          </a:fillRef>
+          <a:effectRef idx="0">
+            <a:schemeClr val="accent1"/>
+          </a:effectRef>
+          <a:fontRef idx="minor">
+            <a:schemeClr val="lt1"/>
+          </a:fontRef>
+        </p:style>
+        <p:txBody>
+          <a:bodyPr lIns="0" tIns="0" rIns="0" bIns="0" rtlCol="0" anchor="ctr"/>
+          <a:lstStyle/>
+          <a:p>
+            <a:pPr algn="ctr"/>
+            <a:r>
+              <a:rPr lang="nb-NO" sz="1200" dirty="0" smtClean="0"/>
+              <a:t>B</a:t>
+            </a:r>
+            <a:endParaRPr lang="nb-NO" sz="1200" dirty="0"/>
+          </a:p>
+        </p:txBody>
+      </p:sp>
+      <p:sp>
+        <p:nvSpPr>
+          <p:cNvPr id="10" name="Ellipse 9"/>
+          <p:cNvSpPr/>
+          <p:nvPr/>
+        </p:nvSpPr>
+        <p:spPr>
+          <a:xfrm>
+            <a:off x="-642974" y="1285866"/>
+            <a:ext cx="214314" cy="214314"/>
+          </a:xfrm>
+          <a:prstGeom prst="ellipse">
+            <a:avLst/>
+          </a:prstGeom>
+          <a:solidFill>
+            <a:srgbClr val="C00000"/>
+          </a:solidFill>
+          <a:ln>
+            <a:solidFill>
+              <a:schemeClr val="tx1"/>
+            </a:solidFill>
+          </a:ln>
+        </p:spPr>
+        <p:style>
+          <a:lnRef idx="2">
+            <a:schemeClr val="accent1">
+              <a:shade val="50000"/>
+            </a:schemeClr>
+          </a:lnRef>
+          <a:fillRef idx="1">
+            <a:schemeClr val="accent1"/>
+          </a:fillRef>
+          <a:effectRef idx="0">
+            <a:schemeClr val="accent1"/>
+          </a:effectRef>
+          <a:fontRef idx="minor">
+            <a:schemeClr val="lt1"/>
+          </a:fontRef>
+        </p:style>
+        <p:txBody>
+          <a:bodyPr lIns="0" tIns="0" rIns="0" bIns="0" rtlCol="0" anchor="ctr"/>
+          <a:lstStyle/>
+          <a:p>
+            <a:pPr algn="ctr"/>
+            <a:r>
+              <a:rPr lang="nb-NO" sz="1200" dirty="0" smtClean="0"/>
+              <a:t>B</a:t>
+            </a:r>
+            <a:endParaRPr lang="nb-NO" sz="1200" dirty="0"/>
+          </a:p>
+        </p:txBody>
+      </p:sp>
+      <p:sp>
+        <p:nvSpPr>
+          <p:cNvPr id="11" name="Ellipse 10"/>
+          <p:cNvSpPr/>
+          <p:nvPr/>
+        </p:nvSpPr>
+        <p:spPr>
+          <a:xfrm>
+            <a:off x="-928726" y="1571618"/>
+            <a:ext cx="214314" cy="214314"/>
+          </a:xfrm>
+          <a:prstGeom prst="ellipse">
+            <a:avLst/>
+          </a:prstGeom>
+          <a:solidFill>
+            <a:srgbClr val="C00000"/>
+          </a:solidFill>
+          <a:ln>
+            <a:solidFill>
+              <a:schemeClr val="tx1"/>
+            </a:solidFill>
+          </a:ln>
+        </p:spPr>
+        <p:style>
+          <a:lnRef idx="2">
+            <a:schemeClr val="accent1">
+              <a:shade val="50000"/>
+            </a:schemeClr>
+          </a:lnRef>
+          <a:fillRef idx="1">
+            <a:schemeClr val="accent1"/>
+          </a:fillRef>
+          <a:effectRef idx="0">
+            <a:schemeClr val="accent1"/>
+          </a:effectRef>
+          <a:fontRef idx="minor">
+            <a:schemeClr val="lt1"/>
+          </a:fontRef>
+        </p:style>
+        <p:txBody>
+          <a:bodyPr lIns="0" tIns="0" rIns="0" bIns="0" rtlCol="0" anchor="ctr"/>
+          <a:lstStyle/>
+          <a:p>
+            <a:pPr algn="ctr"/>
+            <a:r>
+              <a:rPr lang="nb-NO" sz="1200" dirty="0" smtClean="0"/>
+              <a:t>C</a:t>
+            </a:r>
+            <a:endParaRPr lang="nb-NO" sz="1200" dirty="0"/>
+          </a:p>
+        </p:txBody>
+      </p:sp>
+      <p:sp>
+        <p:nvSpPr>
+          <p:cNvPr id="12" name="Ellipse 11"/>
+          <p:cNvSpPr/>
+          <p:nvPr/>
+        </p:nvSpPr>
+        <p:spPr>
+          <a:xfrm>
+            <a:off x="-642974" y="1571618"/>
+            <a:ext cx="214314" cy="214314"/>
+          </a:xfrm>
+          <a:prstGeom prst="ellipse">
+            <a:avLst/>
+          </a:prstGeom>
+          <a:solidFill>
+            <a:srgbClr val="C00000"/>
+          </a:solidFill>
+          <a:ln>
+            <a:solidFill>
+              <a:schemeClr val="tx1"/>
+            </a:solidFill>
+          </a:ln>
+        </p:spPr>
+        <p:style>
+          <a:lnRef idx="2">
+            <a:schemeClr val="accent1">
+              <a:shade val="50000"/>
+            </a:schemeClr>
+          </a:lnRef>
+          <a:fillRef idx="1">
+            <a:schemeClr val="accent1"/>
+          </a:fillRef>
+          <a:effectRef idx="0">
+            <a:schemeClr val="accent1"/>
+          </a:effectRef>
+          <a:fontRef idx="minor">
+            <a:schemeClr val="lt1"/>
+          </a:fontRef>
+        </p:style>
+        <p:txBody>
+          <a:bodyPr lIns="0" tIns="0" rIns="0" bIns="0" rtlCol="0" anchor="ctr"/>
+          <a:lstStyle/>
+          <a:p>
+            <a:pPr algn="ctr"/>
+            <a:r>
+              <a:rPr lang="nb-NO" sz="1200" dirty="0" smtClean="0"/>
+              <a:t>C</a:t>
+            </a:r>
+            <a:endParaRPr lang="nb-NO" sz="1200" dirty="0"/>
+          </a:p>
+        </p:txBody>
+      </p:sp>
+      <p:sp>
+        <p:nvSpPr>
+          <p:cNvPr id="13" name="Ellipse 12"/>
+          <p:cNvSpPr/>
+          <p:nvPr/>
+        </p:nvSpPr>
+        <p:spPr>
+          <a:xfrm>
+            <a:off x="-928726" y="1857370"/>
+            <a:ext cx="214314" cy="214314"/>
+          </a:xfrm>
+          <a:prstGeom prst="ellipse">
+            <a:avLst/>
+          </a:prstGeom>
+          <a:solidFill>
+            <a:srgbClr val="C00000"/>
+          </a:solidFill>
+          <a:ln>
+            <a:solidFill>
+              <a:schemeClr val="tx1"/>
+            </a:solidFill>
+          </a:ln>
+        </p:spPr>
+        <p:style>
+          <a:lnRef idx="2">
+            <a:schemeClr val="accent1">
+              <a:shade val="50000"/>
+            </a:schemeClr>
+          </a:lnRef>
+          <a:fillRef idx="1">
+            <a:schemeClr val="accent1"/>
+          </a:fillRef>
+          <a:effectRef idx="0">
+            <a:schemeClr val="accent1"/>
+          </a:effectRef>
+          <a:fontRef idx="minor">
+            <a:schemeClr val="lt1"/>
+          </a:fontRef>
+        </p:style>
+        <p:txBody>
+          <a:bodyPr lIns="0" tIns="0" rIns="0" bIns="0" rtlCol="0" anchor="ctr"/>
+          <a:lstStyle/>
+          <a:p>
+            <a:pPr algn="ctr"/>
+            <a:r>
+              <a:rPr lang="nb-NO" sz="1200" dirty="0" smtClean="0"/>
+              <a:t>D</a:t>
+            </a:r>
+            <a:endParaRPr lang="nb-NO" sz="1200" dirty="0"/>
+          </a:p>
+        </p:txBody>
+      </p:sp>
+      <p:sp>
+        <p:nvSpPr>
+          <p:cNvPr id="14" name="Ellipse 13"/>
+          <p:cNvSpPr/>
+          <p:nvPr/>
+        </p:nvSpPr>
+        <p:spPr>
+          <a:xfrm>
+            <a:off x="-642974" y="1857370"/>
+            <a:ext cx="214314" cy="214314"/>
+          </a:xfrm>
+          <a:prstGeom prst="ellipse">
+            <a:avLst/>
+          </a:prstGeom>
+          <a:solidFill>
+            <a:srgbClr val="C00000"/>
+          </a:solidFill>
+          <a:ln>
+            <a:solidFill>
+              <a:schemeClr val="tx1"/>
+            </a:solidFill>
+          </a:ln>
+        </p:spPr>
+        <p:style>
+          <a:lnRef idx="2">
+            <a:schemeClr val="accent1">
+              <a:shade val="50000"/>
+            </a:schemeClr>
+          </a:lnRef>
+          <a:fillRef idx="1">
+            <a:schemeClr val="accent1"/>
+          </a:fillRef>
+          <a:effectRef idx="0">
+            <a:schemeClr val="accent1"/>
+          </a:effectRef>
+          <a:fontRef idx="minor">
+            <a:schemeClr val="lt1"/>
+          </a:fontRef>
+        </p:style>
+        <p:txBody>
+          <a:bodyPr lIns="0" tIns="0" rIns="0" bIns="0" rtlCol="0" anchor="ctr"/>
+          <a:lstStyle/>
+          <a:p>
+            <a:pPr algn="ctr"/>
+            <a:r>
+              <a:rPr lang="nb-NO" sz="1200" dirty="0" smtClean="0"/>
+              <a:t>D</a:t>
+            </a:r>
+            <a:endParaRPr lang="nb-NO" sz="1200" dirty="0"/>
+          </a:p>
+        </p:txBody>
+      </p:sp>
+      <p:sp>
+        <p:nvSpPr>
+          <p:cNvPr id="15" name="Ellipse 14"/>
+          <p:cNvSpPr/>
+          <p:nvPr/>
+        </p:nvSpPr>
+        <p:spPr>
+          <a:xfrm>
+            <a:off x="-928726" y="2143122"/>
+            <a:ext cx="214314" cy="214314"/>
+          </a:xfrm>
+          <a:prstGeom prst="ellipse">
+            <a:avLst/>
+          </a:prstGeom>
+          <a:solidFill>
+            <a:srgbClr val="C00000"/>
+          </a:solidFill>
+          <a:ln>
+            <a:solidFill>
+              <a:schemeClr val="tx1"/>
+            </a:solidFill>
+          </a:ln>
+        </p:spPr>
+        <p:style>
+          <a:lnRef idx="2">
+            <a:schemeClr val="accent1">
+              <a:shade val="50000"/>
+            </a:schemeClr>
+          </a:lnRef>
+          <a:fillRef idx="1">
+            <a:schemeClr val="accent1"/>
+          </a:fillRef>
+          <a:effectRef idx="0">
+            <a:schemeClr val="accent1"/>
+          </a:effectRef>
+          <a:fontRef idx="minor">
+            <a:schemeClr val="lt1"/>
+          </a:fontRef>
+        </p:style>
+        <p:txBody>
+          <a:bodyPr lIns="0" tIns="0" rIns="0" bIns="0" rtlCol="0" anchor="ctr"/>
+          <a:lstStyle/>
+          <a:p>
+            <a:pPr algn="ctr"/>
+            <a:r>
+              <a:rPr lang="nb-NO" sz="1200" dirty="0" smtClean="0"/>
+              <a:t>E</a:t>
+            </a:r>
+            <a:endParaRPr lang="nb-NO" sz="1200" dirty="0"/>
+          </a:p>
+        </p:txBody>
+      </p:sp>
+      <p:sp>
+        <p:nvSpPr>
+          <p:cNvPr id="16" name="Ellipse 15"/>
+          <p:cNvSpPr/>
+          <p:nvPr/>
+        </p:nvSpPr>
+        <p:spPr>
+          <a:xfrm>
+            <a:off x="-642974" y="2143122"/>
+            <a:ext cx="214314" cy="214314"/>
+          </a:xfrm>
+          <a:prstGeom prst="ellipse">
+            <a:avLst/>
+          </a:prstGeom>
+          <a:solidFill>
+            <a:srgbClr val="C00000"/>
+          </a:solidFill>
+          <a:ln>
+            <a:solidFill>
+              <a:schemeClr val="tx1"/>
+            </a:solidFill>
+          </a:ln>
+        </p:spPr>
+        <p:style>
+          <a:lnRef idx="2">
+            <a:schemeClr val="accent1">
+              <a:shade val="50000"/>
+            </a:schemeClr>
+          </a:lnRef>
+          <a:fillRef idx="1">
+            <a:schemeClr val="accent1"/>
+          </a:fillRef>
+          <a:effectRef idx="0">
+            <a:schemeClr val="accent1"/>
+          </a:effectRef>
+          <a:fontRef idx="minor">
+            <a:schemeClr val="lt1"/>
+          </a:fontRef>
+        </p:style>
+        <p:txBody>
+          <a:bodyPr lIns="0" tIns="0" rIns="0" bIns="0" rtlCol="0" anchor="ctr"/>
+          <a:lstStyle/>
+          <a:p>
+            <a:pPr algn="ctr"/>
+            <a:r>
+              <a:rPr lang="nb-NO" sz="1200" dirty="0" smtClean="0"/>
+              <a:t>E</a:t>
+            </a:r>
+            <a:endParaRPr lang="nb-NO" sz="1200" dirty="0"/>
+          </a:p>
+        </p:txBody>
+      </p:sp>
+      <p:sp>
+        <p:nvSpPr>
+          <p:cNvPr id="17" name="Ellipse 16"/>
+          <p:cNvSpPr/>
+          <p:nvPr/>
+        </p:nvSpPr>
+        <p:spPr>
+          <a:xfrm>
+            <a:off x="-928726" y="2428874"/>
+            <a:ext cx="214314" cy="214314"/>
+          </a:xfrm>
+          <a:prstGeom prst="ellipse">
+            <a:avLst/>
+          </a:prstGeom>
+          <a:solidFill>
+            <a:srgbClr val="C00000"/>
+          </a:solidFill>
+          <a:ln>
+            <a:solidFill>
+              <a:schemeClr val="tx1"/>
+            </a:solidFill>
+          </a:ln>
+        </p:spPr>
+        <p:style>
+          <a:lnRef idx="2">
+            <a:schemeClr val="accent1">
+              <a:shade val="50000"/>
+            </a:schemeClr>
+          </a:lnRef>
+          <a:fillRef idx="1">
+            <a:schemeClr val="accent1"/>
+          </a:fillRef>
+          <a:effectRef idx="0">
+            <a:schemeClr val="accent1"/>
+          </a:effectRef>
+          <a:fontRef idx="minor">
+            <a:schemeClr val="lt1"/>
+          </a:fontRef>
+        </p:style>
+        <p:txBody>
+          <a:bodyPr lIns="0" tIns="0" rIns="0" bIns="0" rtlCol="0" anchor="ctr"/>
+          <a:lstStyle/>
+          <a:p>
+            <a:pPr algn="ctr"/>
+            <a:r>
+              <a:rPr lang="nb-NO" sz="1200" dirty="0" smtClean="0"/>
+              <a:t>F</a:t>
+            </a:r>
+            <a:endParaRPr lang="nb-NO" sz="1200" dirty="0"/>
+          </a:p>
+        </p:txBody>
+      </p:sp>
+      <p:sp>
+        <p:nvSpPr>
+          <p:cNvPr id="18" name="Ellipse 17"/>
+          <p:cNvSpPr/>
+          <p:nvPr/>
+        </p:nvSpPr>
+        <p:spPr>
+          <a:xfrm>
+            <a:off x="-642974" y="2428874"/>
+            <a:ext cx="214314" cy="214314"/>
+          </a:xfrm>
+          <a:prstGeom prst="ellipse">
+            <a:avLst/>
+          </a:prstGeom>
+          <a:solidFill>
+            <a:srgbClr val="C00000"/>
+          </a:solidFill>
+          <a:ln>
+            <a:solidFill>
+              <a:schemeClr val="tx1"/>
+            </a:solidFill>
+          </a:ln>
+        </p:spPr>
+        <p:style>
+          <a:lnRef idx="2">
+            <a:schemeClr val="accent1">
+              <a:shade val="50000"/>
+            </a:schemeClr>
+          </a:lnRef>
+          <a:fillRef idx="1">
+            <a:schemeClr val="accent1"/>
+          </a:fillRef>
+          <a:effectRef idx="0">
+            <a:schemeClr val="accent1"/>
+          </a:effectRef>
+          <a:fontRef idx="minor">
+            <a:schemeClr val="lt1"/>
+          </a:fontRef>
+        </p:style>
+        <p:txBody>
+          <a:bodyPr lIns="0" tIns="0" rIns="0" bIns="0" rtlCol="0" anchor="ctr"/>
+          <a:lstStyle/>
+          <a:p>
+            <a:pPr algn="ctr"/>
+            <a:r>
+              <a:rPr lang="nb-NO" sz="1200" dirty="0" smtClean="0"/>
+              <a:t>F</a:t>
+            </a:r>
+            <a:endParaRPr lang="nb-NO" sz="1200" dirty="0"/>
+          </a:p>
+        </p:txBody>
+      </p:sp>
+    </p:spTree>
+  </p:cSld>
+  <p:clrMapOvr>
+    <a:masterClrMapping/>
+  </p:clrMapOvr>
+  <p:timing>
+    <p:tnLst>
+      <p:par>
+        <p:cTn id="1" dur="indefinite" restart="never" nodeType="tmRoot"/>
+      </p:par>
+    </p:tnLst>
+  </p:timing>
+</p:sld>
+</file>
+
+<file path=ppt/slides/slide7.xml><?xml version="1.0" encoding="utf-8"?>
+<p:sld xmlns:a="http://schemas.openxmlformats.org/drawingml/2006/main" xmlns:r="http://schemas.openxmlformats.org/officeDocument/2006/relationships" xmlns:p="http://schemas.openxmlformats.org/presentationml/2006/main">
+  <p:cSld>
+    <p:spTree>
+      <p:nvGrpSpPr>
+        <p:cNvPr id="1" name=""/>
+        <p:cNvGrpSpPr/>
+        <p:nvPr/>
+      </p:nvGrpSpPr>
+      <p:grpSpPr>
+        <a:xfrm>
+          <a:off x="0" y="0"/>
+          <a:ext cx="0" cy="0"/>
+          <a:chOff x="0" y="0"/>
+          <a:chExt cx="0" cy="0"/>
+        </a:xfrm>
+      </p:grpSpPr>
+      <p:sp>
+        <p:nvSpPr>
+          <p:cNvPr id="2" name="Tittel 1"/>
+          <p:cNvSpPr>
+            <a:spLocks noGrp="1"/>
+          </p:cNvSpPr>
+          <p:nvPr>
+            <p:ph type="title"/>
+          </p:nvPr>
+        </p:nvSpPr>
+        <p:spPr/>
+        <p:txBody>
+          <a:bodyPr/>
+          <a:lstStyle/>
+          <a:p>
+            <a:r>
+              <a:rPr lang="en-US" dirty="0" smtClean="0"/>
+              <a:t>SUMMARY OF ENEMY </a:t>
+            </a:r>
+            <a:r>
+              <a:rPr lang="en-US" dirty="0" smtClean="0"/>
+              <a:t>SITUATION (facts)</a:t>
+            </a:r>
+            <a:endParaRPr lang="en-US" dirty="0"/>
+          </a:p>
+        </p:txBody>
+      </p:sp>
+      <p:sp>
+        <p:nvSpPr>
+          <p:cNvPr id="5" name="Rektangel 4"/>
+          <p:cNvSpPr/>
+          <p:nvPr/>
+        </p:nvSpPr>
+        <p:spPr>
+          <a:xfrm>
+            <a:off x="3428960" y="642924"/>
+            <a:ext cx="5715040" cy="4286280"/>
+          </a:xfrm>
+          <a:prstGeom prst="rect">
+            <a:avLst/>
+          </a:prstGeom>
+          <a:solidFill>
+            <a:schemeClr val="tx2">
+              <a:lumMod val="20000"/>
+              <a:lumOff val="80000"/>
+            </a:schemeClr>
+          </a:solidFill>
+          <a:ln>
+            <a:solidFill>
+              <a:schemeClr val="tx1"/>
+            </a:solidFill>
+          </a:ln>
+        </p:spPr>
+        <p:style>
+          <a:lnRef idx="2">
+            <a:schemeClr val="accent1">
+              <a:shade val="50000"/>
+            </a:schemeClr>
+          </a:lnRef>
+          <a:fillRef idx="1">
+            <a:schemeClr val="accent1"/>
+          </a:fillRef>
+          <a:effectRef idx="0">
+            <a:schemeClr val="accent1"/>
+          </a:effectRef>
+          <a:fontRef idx="minor">
+            <a:schemeClr val="lt1"/>
+          </a:fontRef>
+        </p:style>
+        <p:txBody>
+          <a:bodyPr rtlCol="0" anchor="ctr"/>
+          <a:lstStyle/>
+          <a:p>
+            <a:pPr algn="ctr"/>
+            <a:r>
+              <a:rPr lang="nb-NO" dirty="0" smtClean="0"/>
+              <a:t>INSERT MAP HERE</a:t>
+            </a:r>
+            <a:endParaRPr lang="nb-NO" dirty="0"/>
+          </a:p>
+        </p:txBody>
+      </p:sp>
+      <p:sp>
+        <p:nvSpPr>
+          <p:cNvPr id="6" name="TekstSylinder 5"/>
+          <p:cNvSpPr txBox="1"/>
+          <p:nvPr/>
+        </p:nvSpPr>
+        <p:spPr>
+          <a:xfrm>
+            <a:off x="0" y="642924"/>
+            <a:ext cx="3428992" cy="4286280"/>
+          </a:xfrm>
+          <a:prstGeom prst="rect">
+            <a:avLst/>
+          </a:prstGeom>
+          <a:noFill/>
+          <a:ln>
+            <a:solidFill>
+              <a:schemeClr val="tx1"/>
+            </a:solidFill>
+          </a:ln>
+        </p:spPr>
+        <p:txBody>
+          <a:bodyPr wrap="square" rtlCol="0">
+            <a:normAutofit/>
+          </a:bodyPr>
+          <a:lstStyle/>
+          <a:p>
+            <a:pPr>
+              <a:buFontTx/>
+              <a:buChar char="-"/>
+            </a:pPr>
+            <a:r>
+              <a:rPr lang="nb-NO" sz="1200" dirty="0" err="1" smtClean="0"/>
+              <a:t>Provide</a:t>
+            </a:r>
+            <a:r>
+              <a:rPr lang="nb-NO" sz="1200" dirty="0" smtClean="0"/>
+              <a:t> </a:t>
+            </a:r>
+            <a:r>
+              <a:rPr lang="nb-NO" sz="1200" dirty="0" err="1" smtClean="0"/>
+              <a:t>information</a:t>
+            </a:r>
+            <a:r>
+              <a:rPr lang="nb-NO" sz="1200" dirty="0" smtClean="0"/>
+              <a:t> </a:t>
+            </a:r>
+            <a:r>
+              <a:rPr lang="nb-NO" sz="1200" dirty="0" err="1" smtClean="0"/>
+              <a:t>about</a:t>
+            </a:r>
+            <a:r>
+              <a:rPr lang="nb-NO" sz="1200" dirty="0" smtClean="0"/>
+              <a:t> </a:t>
+            </a:r>
+            <a:r>
+              <a:rPr lang="nb-NO" sz="1200" dirty="0" err="1" smtClean="0"/>
+              <a:t>known</a:t>
+            </a:r>
+            <a:r>
+              <a:rPr lang="nb-NO" sz="1200" dirty="0" smtClean="0"/>
+              <a:t> </a:t>
+            </a:r>
+            <a:r>
+              <a:rPr lang="nb-NO" sz="1200" dirty="0" err="1" smtClean="0"/>
+              <a:t>enemy</a:t>
+            </a:r>
+            <a:r>
+              <a:rPr lang="nb-NO" sz="1200" dirty="0" smtClean="0"/>
+              <a:t> </a:t>
+            </a:r>
+            <a:r>
+              <a:rPr lang="nb-NO" sz="1200" dirty="0" err="1" smtClean="0"/>
+              <a:t>situation</a:t>
+            </a:r>
+            <a:endParaRPr lang="nb-NO" sz="1200" dirty="0" smtClean="0"/>
+          </a:p>
+          <a:p>
+            <a:pPr>
+              <a:buFontTx/>
+              <a:buChar char="-"/>
+            </a:pPr>
+            <a:r>
+              <a:rPr lang="nb-NO" sz="1200" dirty="0" err="1" smtClean="0"/>
+              <a:t>Can</a:t>
+            </a:r>
+            <a:r>
+              <a:rPr lang="nb-NO" sz="1200" dirty="0" smtClean="0"/>
+              <a:t> be </a:t>
+            </a:r>
+            <a:r>
+              <a:rPr lang="nb-NO" sz="1200" dirty="0" err="1" smtClean="0"/>
+              <a:t>divided</a:t>
+            </a:r>
+            <a:r>
+              <a:rPr lang="nb-NO" sz="1200" dirty="0" smtClean="0"/>
+              <a:t> in multiple slides, </a:t>
+            </a:r>
+            <a:r>
+              <a:rPr lang="nb-NO" sz="1200" dirty="0" err="1" smtClean="0"/>
+              <a:t>divided</a:t>
+            </a:r>
+            <a:r>
+              <a:rPr lang="nb-NO" sz="1200" dirty="0" smtClean="0"/>
+              <a:t> per </a:t>
+            </a:r>
+            <a:r>
+              <a:rPr lang="nb-NO" sz="1200" dirty="0" err="1" smtClean="0"/>
+              <a:t>sector</a:t>
+            </a:r>
+            <a:r>
+              <a:rPr lang="nb-NO" sz="1200" dirty="0" smtClean="0"/>
+              <a:t>.</a:t>
+            </a:r>
+          </a:p>
+          <a:p>
+            <a:pPr>
+              <a:buFontTx/>
+              <a:buChar char="-"/>
+            </a:pPr>
+            <a:r>
+              <a:rPr lang="nb-NO" sz="1200" dirty="0" smtClean="0"/>
+              <a:t>Facts </a:t>
+            </a:r>
+            <a:r>
+              <a:rPr lang="nb-NO" sz="1200" dirty="0" err="1" smtClean="0"/>
+              <a:t>only</a:t>
+            </a:r>
+            <a:r>
+              <a:rPr lang="nb-NO" sz="1200" dirty="0" smtClean="0"/>
+              <a:t> in </a:t>
+            </a:r>
+            <a:r>
+              <a:rPr lang="nb-NO" sz="1200" dirty="0" err="1" smtClean="0"/>
+              <a:t>this</a:t>
+            </a:r>
+            <a:r>
+              <a:rPr lang="nb-NO" sz="1200" dirty="0" smtClean="0"/>
+              <a:t> </a:t>
+            </a:r>
+            <a:r>
+              <a:rPr lang="nb-NO" sz="1200" dirty="0" err="1" smtClean="0"/>
+              <a:t>summary</a:t>
+            </a:r>
+            <a:r>
+              <a:rPr lang="nb-NO" sz="1200" dirty="0" smtClean="0"/>
+              <a:t> (Facts= </a:t>
+            </a:r>
+            <a:r>
+              <a:rPr lang="nb-NO" sz="1200" dirty="0" err="1" smtClean="0"/>
+              <a:t>reported</a:t>
+            </a:r>
+            <a:r>
+              <a:rPr lang="nb-NO" sz="1200" dirty="0" smtClean="0"/>
+              <a:t> </a:t>
+            </a:r>
+            <a:r>
+              <a:rPr lang="nb-NO" sz="1200" dirty="0" err="1" smtClean="0"/>
+              <a:t>information</a:t>
+            </a:r>
+            <a:r>
+              <a:rPr lang="nb-NO" sz="1200" dirty="0" smtClean="0"/>
+              <a:t>, </a:t>
+            </a:r>
+            <a:r>
+              <a:rPr lang="nb-NO" sz="1200" dirty="0" err="1" smtClean="0"/>
+              <a:t>known</a:t>
+            </a:r>
+            <a:r>
+              <a:rPr lang="nb-NO" sz="1200" dirty="0" smtClean="0"/>
+              <a:t> </a:t>
+            </a:r>
+            <a:r>
+              <a:rPr lang="nb-NO" sz="1200" dirty="0" err="1" smtClean="0"/>
+              <a:t>observations</a:t>
+            </a:r>
+            <a:r>
+              <a:rPr lang="nb-NO" sz="1200" dirty="0" smtClean="0"/>
+              <a:t>, </a:t>
+            </a:r>
+            <a:r>
+              <a:rPr lang="nb-NO" sz="1200" dirty="0" err="1" smtClean="0"/>
+              <a:t>etc</a:t>
+            </a:r>
+            <a:r>
+              <a:rPr lang="nb-NO" sz="1200" dirty="0" smtClean="0"/>
+              <a:t>)</a:t>
+            </a:r>
+          </a:p>
+          <a:p>
+            <a:pPr>
+              <a:buFontTx/>
+              <a:buChar char="-"/>
+            </a:pPr>
+            <a:r>
+              <a:rPr lang="nb-NO" sz="1200" dirty="0" err="1" smtClean="0"/>
+              <a:t>Can</a:t>
+            </a:r>
+            <a:r>
+              <a:rPr lang="nb-NO" sz="1200" dirty="0" smtClean="0"/>
+              <a:t> be </a:t>
+            </a:r>
+            <a:r>
+              <a:rPr lang="nb-NO" sz="1200" dirty="0" err="1" smtClean="0"/>
+              <a:t>divided</a:t>
+            </a:r>
+            <a:r>
+              <a:rPr lang="nb-NO" sz="1200" dirty="0" smtClean="0"/>
+              <a:t> up in </a:t>
+            </a:r>
+            <a:r>
+              <a:rPr lang="nb-NO" sz="1200" dirty="0" err="1" smtClean="0"/>
+              <a:t>additional</a:t>
+            </a:r>
+            <a:r>
+              <a:rPr lang="nb-NO" sz="1200" dirty="0" smtClean="0"/>
+              <a:t> slides as </a:t>
+            </a:r>
+            <a:r>
+              <a:rPr lang="nb-NO" sz="1200" dirty="0" err="1" smtClean="0"/>
+              <a:t>required</a:t>
+            </a:r>
+            <a:r>
+              <a:rPr lang="nb-NO" sz="1200" dirty="0" smtClean="0"/>
+              <a:t> (</a:t>
+            </a:r>
+            <a:r>
+              <a:rPr lang="nb-NO" sz="1200" dirty="0" err="1" smtClean="0"/>
+              <a:t>Ground</a:t>
+            </a:r>
+            <a:r>
+              <a:rPr lang="nb-NO" sz="1200" dirty="0" smtClean="0"/>
+              <a:t> / Air / IADS (</a:t>
+            </a:r>
+            <a:r>
+              <a:rPr lang="nb-NO" sz="1200" dirty="0" err="1" smtClean="0"/>
+              <a:t>SAMs</a:t>
+            </a:r>
+            <a:r>
+              <a:rPr lang="nb-NO" sz="1200" dirty="0" smtClean="0"/>
+              <a:t>)</a:t>
+            </a:r>
+            <a:endParaRPr lang="nb-NO" sz="1200" dirty="0"/>
+          </a:p>
+        </p:txBody>
+      </p:sp>
+      <p:sp>
+        <p:nvSpPr>
+          <p:cNvPr id="7" name="Ellipse 6"/>
+          <p:cNvSpPr/>
+          <p:nvPr/>
+        </p:nvSpPr>
+        <p:spPr>
+          <a:xfrm>
+            <a:off x="-928726" y="1000114"/>
+            <a:ext cx="214314" cy="214314"/>
+          </a:xfrm>
+          <a:prstGeom prst="ellipse">
+            <a:avLst/>
+          </a:prstGeom>
+          <a:solidFill>
+            <a:srgbClr val="C00000"/>
+          </a:solidFill>
+          <a:ln>
+            <a:solidFill>
+              <a:schemeClr val="tx1"/>
+            </a:solidFill>
+          </a:ln>
+        </p:spPr>
+        <p:style>
+          <a:lnRef idx="2">
+            <a:schemeClr val="accent1">
+              <a:shade val="50000"/>
+            </a:schemeClr>
+          </a:lnRef>
+          <a:fillRef idx="1">
+            <a:schemeClr val="accent1"/>
+          </a:fillRef>
+          <a:effectRef idx="0">
+            <a:schemeClr val="accent1"/>
+          </a:effectRef>
+          <a:fontRef idx="minor">
+            <a:schemeClr val="lt1"/>
+          </a:fontRef>
+        </p:style>
+        <p:txBody>
+          <a:bodyPr lIns="0" tIns="0" rIns="0" bIns="0" rtlCol="0" anchor="ctr"/>
+          <a:lstStyle/>
+          <a:p>
+            <a:pPr algn="ctr"/>
+            <a:r>
+              <a:rPr lang="nb-NO" sz="1200" dirty="0" smtClean="0"/>
+              <a:t>A</a:t>
+            </a:r>
+            <a:endParaRPr lang="nb-NO" sz="1200" dirty="0"/>
+          </a:p>
+        </p:txBody>
+      </p:sp>
+      <p:sp>
+        <p:nvSpPr>
+          <p:cNvPr id="8" name="Ellipse 7"/>
+          <p:cNvSpPr/>
+          <p:nvPr/>
+        </p:nvSpPr>
+        <p:spPr>
+          <a:xfrm>
+            <a:off x="-642974" y="1000114"/>
+            <a:ext cx="214314" cy="214314"/>
+          </a:xfrm>
+          <a:prstGeom prst="ellipse">
+            <a:avLst/>
+          </a:prstGeom>
+          <a:solidFill>
+            <a:srgbClr val="C00000"/>
+          </a:solidFill>
+          <a:ln>
+            <a:solidFill>
+              <a:schemeClr val="tx1"/>
+            </a:solidFill>
+          </a:ln>
+        </p:spPr>
+        <p:style>
+          <a:lnRef idx="2">
+            <a:schemeClr val="accent1">
+              <a:shade val="50000"/>
+            </a:schemeClr>
+          </a:lnRef>
+          <a:fillRef idx="1">
+            <a:schemeClr val="accent1"/>
+          </a:fillRef>
+          <a:effectRef idx="0">
+            <a:schemeClr val="accent1"/>
+          </a:effectRef>
+          <a:fontRef idx="minor">
+            <a:schemeClr val="lt1"/>
+          </a:fontRef>
+        </p:style>
+        <p:txBody>
+          <a:bodyPr lIns="0" tIns="0" rIns="0" bIns="0" rtlCol="0" anchor="ctr"/>
+          <a:lstStyle/>
+          <a:p>
+            <a:pPr algn="ctr"/>
+            <a:r>
+              <a:rPr lang="nb-NO" sz="1200" dirty="0" smtClean="0"/>
+              <a:t>A</a:t>
+            </a:r>
+            <a:endParaRPr lang="nb-NO" sz="1200" dirty="0"/>
+          </a:p>
+        </p:txBody>
+      </p:sp>
+      <p:sp>
+        <p:nvSpPr>
+          <p:cNvPr id="9" name="Ellipse 8"/>
+          <p:cNvSpPr/>
+          <p:nvPr/>
+        </p:nvSpPr>
+        <p:spPr>
+          <a:xfrm>
+            <a:off x="-928726" y="1285866"/>
+            <a:ext cx="214314" cy="214314"/>
+          </a:xfrm>
+          <a:prstGeom prst="ellipse">
+            <a:avLst/>
+          </a:prstGeom>
+          <a:solidFill>
+            <a:srgbClr val="C00000"/>
+          </a:solidFill>
+          <a:ln>
+            <a:solidFill>
+              <a:schemeClr val="tx1"/>
+            </a:solidFill>
+          </a:ln>
+        </p:spPr>
+        <p:style>
+          <a:lnRef idx="2">
+            <a:schemeClr val="accent1">
+              <a:shade val="50000"/>
+            </a:schemeClr>
+          </a:lnRef>
+          <a:fillRef idx="1">
+            <a:schemeClr val="accent1"/>
+          </a:fillRef>
+          <a:effectRef idx="0">
+            <a:schemeClr val="accent1"/>
+          </a:effectRef>
+          <a:fontRef idx="minor">
+            <a:schemeClr val="lt1"/>
+          </a:fontRef>
+        </p:style>
+        <p:txBody>
+          <a:bodyPr lIns="0" tIns="0" rIns="0" bIns="0" rtlCol="0" anchor="ctr"/>
+          <a:lstStyle/>
+          <a:p>
+            <a:pPr algn="ctr"/>
+            <a:r>
+              <a:rPr lang="nb-NO" sz="1200" dirty="0" smtClean="0"/>
+              <a:t>B</a:t>
+            </a:r>
+            <a:endParaRPr lang="nb-NO" sz="1200" dirty="0"/>
+          </a:p>
+        </p:txBody>
+      </p:sp>
+      <p:sp>
+        <p:nvSpPr>
+          <p:cNvPr id="10" name="Ellipse 9"/>
+          <p:cNvSpPr/>
+          <p:nvPr/>
+        </p:nvSpPr>
+        <p:spPr>
+          <a:xfrm>
+            <a:off x="-642974" y="1285866"/>
+            <a:ext cx="214314" cy="214314"/>
+          </a:xfrm>
+          <a:prstGeom prst="ellipse">
+            <a:avLst/>
+          </a:prstGeom>
+          <a:solidFill>
+            <a:srgbClr val="C00000"/>
+          </a:solidFill>
+          <a:ln>
+            <a:solidFill>
+              <a:schemeClr val="tx1"/>
+            </a:solidFill>
+          </a:ln>
+        </p:spPr>
+        <p:style>
+          <a:lnRef idx="2">
+            <a:schemeClr val="accent1">
+              <a:shade val="50000"/>
+            </a:schemeClr>
+          </a:lnRef>
+          <a:fillRef idx="1">
+            <a:schemeClr val="accent1"/>
+          </a:fillRef>
+          <a:effectRef idx="0">
+            <a:schemeClr val="accent1"/>
+          </a:effectRef>
+          <a:fontRef idx="minor">
+            <a:schemeClr val="lt1"/>
+          </a:fontRef>
+        </p:style>
+        <p:txBody>
+          <a:bodyPr lIns="0" tIns="0" rIns="0" bIns="0" rtlCol="0" anchor="ctr"/>
+          <a:lstStyle/>
+          <a:p>
+            <a:pPr algn="ctr"/>
+            <a:r>
+              <a:rPr lang="nb-NO" sz="1200" dirty="0" smtClean="0"/>
+              <a:t>B</a:t>
+            </a:r>
+            <a:endParaRPr lang="nb-NO" sz="1200" dirty="0"/>
+          </a:p>
+        </p:txBody>
+      </p:sp>
+      <p:sp>
+        <p:nvSpPr>
+          <p:cNvPr id="11" name="Ellipse 10"/>
+          <p:cNvSpPr/>
+          <p:nvPr/>
+        </p:nvSpPr>
+        <p:spPr>
+          <a:xfrm>
+            <a:off x="-928726" y="1571618"/>
+            <a:ext cx="214314" cy="214314"/>
+          </a:xfrm>
+          <a:prstGeom prst="ellipse">
+            <a:avLst/>
+          </a:prstGeom>
+          <a:solidFill>
+            <a:srgbClr val="C00000"/>
+          </a:solidFill>
+          <a:ln>
+            <a:solidFill>
+              <a:schemeClr val="tx1"/>
+            </a:solidFill>
+          </a:ln>
+        </p:spPr>
+        <p:style>
+          <a:lnRef idx="2">
+            <a:schemeClr val="accent1">
+              <a:shade val="50000"/>
+            </a:schemeClr>
+          </a:lnRef>
+          <a:fillRef idx="1">
+            <a:schemeClr val="accent1"/>
+          </a:fillRef>
+          <a:effectRef idx="0">
+            <a:schemeClr val="accent1"/>
+          </a:effectRef>
+          <a:fontRef idx="minor">
+            <a:schemeClr val="lt1"/>
+          </a:fontRef>
+        </p:style>
+        <p:txBody>
+          <a:bodyPr lIns="0" tIns="0" rIns="0" bIns="0" rtlCol="0" anchor="ctr"/>
+          <a:lstStyle/>
+          <a:p>
+            <a:pPr algn="ctr"/>
+            <a:r>
+              <a:rPr lang="nb-NO" sz="1200" dirty="0" smtClean="0"/>
+              <a:t>C</a:t>
+            </a:r>
+            <a:endParaRPr lang="nb-NO" sz="1200" dirty="0"/>
+          </a:p>
+        </p:txBody>
+      </p:sp>
+      <p:sp>
+        <p:nvSpPr>
+          <p:cNvPr id="12" name="Ellipse 11"/>
+          <p:cNvSpPr/>
+          <p:nvPr/>
+        </p:nvSpPr>
+        <p:spPr>
+          <a:xfrm>
+            <a:off x="-642974" y="1571618"/>
+            <a:ext cx="214314" cy="214314"/>
+          </a:xfrm>
+          <a:prstGeom prst="ellipse">
+            <a:avLst/>
+          </a:prstGeom>
+          <a:solidFill>
+            <a:srgbClr val="C00000"/>
+          </a:solidFill>
+          <a:ln>
+            <a:solidFill>
+              <a:schemeClr val="tx1"/>
+            </a:solidFill>
+          </a:ln>
+        </p:spPr>
+        <p:style>
+          <a:lnRef idx="2">
+            <a:schemeClr val="accent1">
+              <a:shade val="50000"/>
+            </a:schemeClr>
+          </a:lnRef>
+          <a:fillRef idx="1">
+            <a:schemeClr val="accent1"/>
+          </a:fillRef>
+          <a:effectRef idx="0">
+            <a:schemeClr val="accent1"/>
+          </a:effectRef>
+          <a:fontRef idx="minor">
+            <a:schemeClr val="lt1"/>
+          </a:fontRef>
+        </p:style>
+        <p:txBody>
+          <a:bodyPr lIns="0" tIns="0" rIns="0" bIns="0" rtlCol="0" anchor="ctr"/>
+          <a:lstStyle/>
+          <a:p>
+            <a:pPr algn="ctr"/>
+            <a:r>
+              <a:rPr lang="nb-NO" sz="1200" dirty="0" smtClean="0"/>
+              <a:t>C</a:t>
+            </a:r>
+            <a:endParaRPr lang="nb-NO" sz="1200" dirty="0"/>
+          </a:p>
+        </p:txBody>
+      </p:sp>
+      <p:sp>
+        <p:nvSpPr>
+          <p:cNvPr id="13" name="Ellipse 12"/>
+          <p:cNvSpPr/>
+          <p:nvPr/>
+        </p:nvSpPr>
+        <p:spPr>
+          <a:xfrm>
+            <a:off x="-928726" y="1857370"/>
+            <a:ext cx="214314" cy="214314"/>
+          </a:xfrm>
+          <a:prstGeom prst="ellipse">
+            <a:avLst/>
+          </a:prstGeom>
+          <a:solidFill>
+            <a:srgbClr val="C00000"/>
+          </a:solidFill>
+          <a:ln>
+            <a:solidFill>
+              <a:schemeClr val="tx1"/>
+            </a:solidFill>
+          </a:ln>
+        </p:spPr>
+        <p:style>
+          <a:lnRef idx="2">
+            <a:schemeClr val="accent1">
+              <a:shade val="50000"/>
+            </a:schemeClr>
+          </a:lnRef>
+          <a:fillRef idx="1">
+            <a:schemeClr val="accent1"/>
+          </a:fillRef>
+          <a:effectRef idx="0">
+            <a:schemeClr val="accent1"/>
+          </a:effectRef>
+          <a:fontRef idx="minor">
+            <a:schemeClr val="lt1"/>
+          </a:fontRef>
+        </p:style>
+        <p:txBody>
+          <a:bodyPr lIns="0" tIns="0" rIns="0" bIns="0" rtlCol="0" anchor="ctr"/>
+          <a:lstStyle/>
+          <a:p>
+            <a:pPr algn="ctr"/>
+            <a:r>
+              <a:rPr lang="nb-NO" sz="1200" dirty="0" smtClean="0"/>
+              <a:t>D</a:t>
+            </a:r>
+            <a:endParaRPr lang="nb-NO" sz="1200" dirty="0"/>
+          </a:p>
+        </p:txBody>
+      </p:sp>
+      <p:sp>
+        <p:nvSpPr>
+          <p:cNvPr id="14" name="Ellipse 13"/>
+          <p:cNvSpPr/>
+          <p:nvPr/>
+        </p:nvSpPr>
+        <p:spPr>
+          <a:xfrm>
+            <a:off x="-642974" y="1857370"/>
+            <a:ext cx="214314" cy="214314"/>
+          </a:xfrm>
+          <a:prstGeom prst="ellipse">
+            <a:avLst/>
+          </a:prstGeom>
+          <a:solidFill>
+            <a:srgbClr val="C00000"/>
+          </a:solidFill>
+          <a:ln>
+            <a:solidFill>
+              <a:schemeClr val="tx1"/>
+            </a:solidFill>
+          </a:ln>
+        </p:spPr>
+        <p:style>
+          <a:lnRef idx="2">
+            <a:schemeClr val="accent1">
+              <a:shade val="50000"/>
+            </a:schemeClr>
+          </a:lnRef>
+          <a:fillRef idx="1">
+            <a:schemeClr val="accent1"/>
+          </a:fillRef>
+          <a:effectRef idx="0">
+            <a:schemeClr val="accent1"/>
+          </a:effectRef>
+          <a:fontRef idx="minor">
+            <a:schemeClr val="lt1"/>
+          </a:fontRef>
+        </p:style>
+        <p:txBody>
+          <a:bodyPr lIns="0" tIns="0" rIns="0" bIns="0" rtlCol="0" anchor="ctr"/>
+          <a:lstStyle/>
+          <a:p>
+            <a:pPr algn="ctr"/>
+            <a:r>
+              <a:rPr lang="nb-NO" sz="1200" dirty="0" smtClean="0"/>
+              <a:t>D</a:t>
+            </a:r>
+            <a:endParaRPr lang="nb-NO" sz="1200" dirty="0"/>
+          </a:p>
+        </p:txBody>
+      </p:sp>
+      <p:sp>
+        <p:nvSpPr>
+          <p:cNvPr id="15" name="Ellipse 14"/>
+          <p:cNvSpPr/>
+          <p:nvPr/>
+        </p:nvSpPr>
+        <p:spPr>
+          <a:xfrm>
+            <a:off x="-928726" y="2143122"/>
+            <a:ext cx="214314" cy="214314"/>
+          </a:xfrm>
+          <a:prstGeom prst="ellipse">
+            <a:avLst/>
+          </a:prstGeom>
+          <a:solidFill>
+            <a:srgbClr val="C00000"/>
+          </a:solidFill>
+          <a:ln>
+            <a:solidFill>
+              <a:schemeClr val="tx1"/>
+            </a:solidFill>
+          </a:ln>
+        </p:spPr>
+        <p:style>
+          <a:lnRef idx="2">
+            <a:schemeClr val="accent1">
+              <a:shade val="50000"/>
+            </a:schemeClr>
+          </a:lnRef>
+          <a:fillRef idx="1">
+            <a:schemeClr val="accent1"/>
+          </a:fillRef>
+          <a:effectRef idx="0">
+            <a:schemeClr val="accent1"/>
+          </a:effectRef>
+          <a:fontRef idx="minor">
+            <a:schemeClr val="lt1"/>
+          </a:fontRef>
+        </p:style>
+        <p:txBody>
+          <a:bodyPr lIns="0" tIns="0" rIns="0" bIns="0" rtlCol="0" anchor="ctr"/>
+          <a:lstStyle/>
+          <a:p>
+            <a:pPr algn="ctr"/>
+            <a:r>
+              <a:rPr lang="nb-NO" sz="1200" dirty="0" smtClean="0"/>
+              <a:t>E</a:t>
+            </a:r>
+            <a:endParaRPr lang="nb-NO" sz="1200" dirty="0"/>
+          </a:p>
+        </p:txBody>
+      </p:sp>
+      <p:sp>
+        <p:nvSpPr>
+          <p:cNvPr id="16" name="Ellipse 15"/>
+          <p:cNvSpPr/>
+          <p:nvPr/>
+        </p:nvSpPr>
+        <p:spPr>
+          <a:xfrm>
+            <a:off x="-642974" y="2143122"/>
+            <a:ext cx="214314" cy="214314"/>
+          </a:xfrm>
+          <a:prstGeom prst="ellipse">
+            <a:avLst/>
+          </a:prstGeom>
+          <a:solidFill>
+            <a:srgbClr val="C00000"/>
+          </a:solidFill>
+          <a:ln>
+            <a:solidFill>
+              <a:schemeClr val="tx1"/>
+            </a:solidFill>
+          </a:ln>
+        </p:spPr>
+        <p:style>
+          <a:lnRef idx="2">
+            <a:schemeClr val="accent1">
+              <a:shade val="50000"/>
+            </a:schemeClr>
+          </a:lnRef>
+          <a:fillRef idx="1">
+            <a:schemeClr val="accent1"/>
+          </a:fillRef>
+          <a:effectRef idx="0">
+            <a:schemeClr val="accent1"/>
+          </a:effectRef>
+          <a:fontRef idx="minor">
+            <a:schemeClr val="lt1"/>
+          </a:fontRef>
+        </p:style>
+        <p:txBody>
+          <a:bodyPr lIns="0" tIns="0" rIns="0" bIns="0" rtlCol="0" anchor="ctr"/>
+          <a:lstStyle/>
+          <a:p>
+            <a:pPr algn="ctr"/>
+            <a:r>
+              <a:rPr lang="nb-NO" sz="1200" dirty="0" smtClean="0"/>
+              <a:t>E</a:t>
+            </a:r>
+            <a:endParaRPr lang="nb-NO" sz="1200" dirty="0"/>
+          </a:p>
+        </p:txBody>
+      </p:sp>
+      <p:sp>
+        <p:nvSpPr>
+          <p:cNvPr id="17" name="Ellipse 16"/>
+          <p:cNvSpPr/>
+          <p:nvPr/>
+        </p:nvSpPr>
+        <p:spPr>
+          <a:xfrm>
+            <a:off x="-928726" y="2428874"/>
+            <a:ext cx="214314" cy="214314"/>
+          </a:xfrm>
+          <a:prstGeom prst="ellipse">
+            <a:avLst/>
+          </a:prstGeom>
+          <a:solidFill>
+            <a:srgbClr val="C00000"/>
+          </a:solidFill>
+          <a:ln>
+            <a:solidFill>
+              <a:schemeClr val="tx1"/>
+            </a:solidFill>
+          </a:ln>
+        </p:spPr>
+        <p:style>
+          <a:lnRef idx="2">
+            <a:schemeClr val="accent1">
+              <a:shade val="50000"/>
+            </a:schemeClr>
+          </a:lnRef>
+          <a:fillRef idx="1">
+            <a:schemeClr val="accent1"/>
+          </a:fillRef>
+          <a:effectRef idx="0">
+            <a:schemeClr val="accent1"/>
+          </a:effectRef>
+          <a:fontRef idx="minor">
+            <a:schemeClr val="lt1"/>
+          </a:fontRef>
+        </p:style>
+        <p:txBody>
+          <a:bodyPr lIns="0" tIns="0" rIns="0" bIns="0" rtlCol="0" anchor="ctr"/>
+          <a:lstStyle/>
+          <a:p>
+            <a:pPr algn="ctr"/>
+            <a:r>
+              <a:rPr lang="nb-NO" sz="1200" dirty="0" smtClean="0"/>
+              <a:t>F</a:t>
+            </a:r>
+            <a:endParaRPr lang="nb-NO" sz="1200" dirty="0"/>
+          </a:p>
+        </p:txBody>
+      </p:sp>
+      <p:sp>
+        <p:nvSpPr>
+          <p:cNvPr id="18" name="Ellipse 17"/>
+          <p:cNvSpPr/>
+          <p:nvPr/>
+        </p:nvSpPr>
+        <p:spPr>
+          <a:xfrm>
+            <a:off x="-642974" y="2428874"/>
+            <a:ext cx="214314" cy="214314"/>
+          </a:xfrm>
+          <a:prstGeom prst="ellipse">
+            <a:avLst/>
+          </a:prstGeom>
+          <a:solidFill>
+            <a:srgbClr val="C00000"/>
+          </a:solidFill>
+          <a:ln>
+            <a:solidFill>
+              <a:schemeClr val="tx1"/>
+            </a:solidFill>
+          </a:ln>
+        </p:spPr>
+        <p:style>
+          <a:lnRef idx="2">
+            <a:schemeClr val="accent1">
+              <a:shade val="50000"/>
+            </a:schemeClr>
+          </a:lnRef>
+          <a:fillRef idx="1">
+            <a:schemeClr val="accent1"/>
+          </a:fillRef>
+          <a:effectRef idx="0">
+            <a:schemeClr val="accent1"/>
+          </a:effectRef>
+          <a:fontRef idx="minor">
+            <a:schemeClr val="lt1"/>
+          </a:fontRef>
+        </p:style>
+        <p:txBody>
+          <a:bodyPr lIns="0" tIns="0" rIns="0" bIns="0" rtlCol="0" anchor="ctr"/>
+          <a:lstStyle/>
+          <a:p>
+            <a:pPr algn="ctr"/>
+            <a:r>
+              <a:rPr lang="nb-NO" sz="1200" dirty="0" smtClean="0"/>
+              <a:t>F</a:t>
+            </a:r>
+            <a:endParaRPr lang="nb-NO" sz="1200" dirty="0"/>
+          </a:p>
+        </p:txBody>
+      </p:sp>
+    </p:spTree>
+  </p:cSld>
+  <p:clrMapOvr>
+    <a:masterClrMapping/>
+  </p:clrMapOvr>
+  <p:timing>
+    <p:tnLst>
+      <p:par>
+        <p:cTn id="1" dur="indefinite" restart="never" nodeType="tmRoot"/>
+      </p:par>
+    </p:tnLst>
+  </p:timing>
+</p:sld>
+</file>
+
+<file path=ppt/slides/slide8.xml><?xml version="1.0" encoding="utf-8"?>
+<p:sld xmlns:a="http://schemas.openxmlformats.org/drawingml/2006/main" xmlns:r="http://schemas.openxmlformats.org/officeDocument/2006/relationships" xmlns:p="http://schemas.openxmlformats.org/presentationml/2006/main">
+  <p:cSld>
+    <p:spTree>
+      <p:nvGrpSpPr>
+        <p:cNvPr id="1" name=""/>
+        <p:cNvGrpSpPr/>
+        <p:nvPr/>
+      </p:nvGrpSpPr>
+      <p:grpSpPr>
+        <a:xfrm>
+          <a:off x="0" y="0"/>
+          <a:ext cx="0" cy="0"/>
+          <a:chOff x="0" y="0"/>
+          <a:chExt cx="0" cy="0"/>
+        </a:xfrm>
+      </p:grpSpPr>
+      <p:sp>
+        <p:nvSpPr>
+          <p:cNvPr id="2" name="Tittel 1"/>
+          <p:cNvSpPr>
+            <a:spLocks noGrp="1"/>
+          </p:cNvSpPr>
+          <p:nvPr>
+            <p:ph type="title"/>
+          </p:nvPr>
+        </p:nvSpPr>
+        <p:spPr/>
+        <p:txBody>
+          <a:bodyPr/>
+          <a:lstStyle/>
+          <a:p>
+            <a:r>
+              <a:rPr lang="en-US" dirty="0" smtClean="0"/>
+              <a:t>ASSESSMENT OF ENEMY SITUATION (Short term)</a:t>
+            </a:r>
+            <a:endParaRPr lang="en-US" dirty="0"/>
+          </a:p>
+        </p:txBody>
+      </p:sp>
+      <p:sp>
+        <p:nvSpPr>
+          <p:cNvPr id="5" name="Rektangel 4"/>
+          <p:cNvSpPr/>
+          <p:nvPr/>
+        </p:nvSpPr>
+        <p:spPr>
+          <a:xfrm>
+            <a:off x="3428960" y="642924"/>
+            <a:ext cx="5715040" cy="4286280"/>
+          </a:xfrm>
+          <a:prstGeom prst="rect">
+            <a:avLst/>
+          </a:prstGeom>
+          <a:solidFill>
+            <a:schemeClr val="tx2">
+              <a:lumMod val="20000"/>
+              <a:lumOff val="80000"/>
+            </a:schemeClr>
+          </a:solidFill>
+          <a:ln>
+            <a:solidFill>
+              <a:schemeClr val="tx1"/>
+            </a:solidFill>
+          </a:ln>
+        </p:spPr>
+        <p:style>
+          <a:lnRef idx="2">
+            <a:schemeClr val="accent1">
+              <a:shade val="50000"/>
+            </a:schemeClr>
+          </a:lnRef>
+          <a:fillRef idx="1">
+            <a:schemeClr val="accent1"/>
+          </a:fillRef>
+          <a:effectRef idx="0">
+            <a:schemeClr val="accent1"/>
+          </a:effectRef>
+          <a:fontRef idx="minor">
+            <a:schemeClr val="lt1"/>
+          </a:fontRef>
+        </p:style>
+        <p:txBody>
+          <a:bodyPr rtlCol="0" anchor="ctr"/>
+          <a:lstStyle/>
+          <a:p>
+            <a:pPr algn="ctr"/>
+            <a:r>
+              <a:rPr lang="nb-NO" dirty="0" smtClean="0"/>
+              <a:t>INSERT MAP HERE</a:t>
+            </a:r>
+            <a:endParaRPr lang="nb-NO" dirty="0"/>
+          </a:p>
+        </p:txBody>
+      </p:sp>
+      <p:sp>
+        <p:nvSpPr>
+          <p:cNvPr id="6" name="TekstSylinder 5"/>
+          <p:cNvSpPr txBox="1"/>
+          <p:nvPr/>
+        </p:nvSpPr>
+        <p:spPr>
+          <a:xfrm>
+            <a:off x="0" y="642924"/>
+            <a:ext cx="3428992" cy="4286280"/>
+          </a:xfrm>
+          <a:prstGeom prst="rect">
+            <a:avLst/>
+          </a:prstGeom>
+          <a:noFill/>
+          <a:ln>
+            <a:solidFill>
+              <a:schemeClr val="tx1"/>
+            </a:solidFill>
+          </a:ln>
+        </p:spPr>
+        <p:txBody>
+          <a:bodyPr wrap="square" rtlCol="0">
+            <a:normAutofit/>
+          </a:bodyPr>
+          <a:lstStyle/>
+          <a:p>
+            <a:pPr>
+              <a:buFontTx/>
+              <a:buChar char="-"/>
+            </a:pPr>
+            <a:r>
+              <a:rPr lang="nb-NO" sz="1200" dirty="0" err="1" smtClean="0"/>
+              <a:t>Provide</a:t>
+            </a:r>
+            <a:r>
+              <a:rPr lang="nb-NO" sz="1200" dirty="0" smtClean="0"/>
+              <a:t> </a:t>
+            </a:r>
+            <a:r>
+              <a:rPr lang="nb-NO" sz="1200" dirty="0" err="1" smtClean="0"/>
+              <a:t>assessment</a:t>
+            </a:r>
+            <a:r>
+              <a:rPr lang="nb-NO" sz="1200" dirty="0" smtClean="0"/>
+              <a:t> </a:t>
+            </a:r>
+            <a:r>
+              <a:rPr lang="nb-NO" sz="1200" dirty="0" err="1" smtClean="0"/>
+              <a:t>of</a:t>
+            </a:r>
+            <a:r>
+              <a:rPr lang="nb-NO" sz="1200" dirty="0" smtClean="0"/>
+              <a:t> </a:t>
+            </a:r>
+            <a:r>
+              <a:rPr lang="nb-NO" sz="1200" dirty="0" err="1" smtClean="0"/>
+              <a:t>the</a:t>
+            </a:r>
+            <a:r>
+              <a:rPr lang="nb-NO" sz="1200" dirty="0" smtClean="0"/>
+              <a:t> </a:t>
+            </a:r>
+            <a:r>
+              <a:rPr lang="nb-NO" sz="1200" dirty="0" err="1" smtClean="0"/>
+              <a:t>likely</a:t>
+            </a:r>
+            <a:r>
+              <a:rPr lang="nb-NO" sz="1200" dirty="0" smtClean="0"/>
+              <a:t> </a:t>
+            </a:r>
+            <a:r>
+              <a:rPr lang="nb-NO" sz="1200" dirty="0" err="1" smtClean="0"/>
+              <a:t>enemy</a:t>
+            </a:r>
+            <a:r>
+              <a:rPr lang="nb-NO" sz="1200" dirty="0" smtClean="0"/>
+              <a:t> </a:t>
+            </a:r>
+            <a:r>
+              <a:rPr lang="nb-NO" sz="1200" dirty="0" err="1" smtClean="0"/>
+              <a:t>situation</a:t>
+            </a:r>
+            <a:r>
+              <a:rPr lang="nb-NO" sz="1200" dirty="0" smtClean="0"/>
+              <a:t> in </a:t>
+            </a:r>
+            <a:r>
+              <a:rPr lang="nb-NO" sz="1200" dirty="0" err="1" smtClean="0"/>
+              <a:t>the</a:t>
+            </a:r>
+            <a:r>
+              <a:rPr lang="nb-NO" sz="1200" dirty="0" smtClean="0"/>
+              <a:t> </a:t>
+            </a:r>
+            <a:r>
+              <a:rPr lang="nb-NO" sz="1200" dirty="0" err="1" smtClean="0"/>
+              <a:t>short</a:t>
+            </a:r>
+            <a:r>
+              <a:rPr lang="nb-NO" sz="1200" dirty="0" smtClean="0"/>
+              <a:t> term (</a:t>
+            </a:r>
+            <a:r>
+              <a:rPr lang="nb-NO" sz="1200" dirty="0" err="1" smtClean="0"/>
+              <a:t>next</a:t>
+            </a:r>
+            <a:r>
+              <a:rPr lang="nb-NO" sz="1200" dirty="0" smtClean="0"/>
+              <a:t> </a:t>
+            </a:r>
+            <a:r>
+              <a:rPr lang="nb-NO" sz="1200" dirty="0" err="1" smtClean="0"/>
+              <a:t>mission</a:t>
+            </a:r>
+            <a:r>
+              <a:rPr lang="nb-NO" sz="1200" dirty="0" smtClean="0"/>
+              <a:t> (</a:t>
+            </a:r>
+            <a:r>
+              <a:rPr lang="nb-NO" sz="1200" dirty="0" err="1" smtClean="0"/>
+              <a:t>next</a:t>
+            </a:r>
+            <a:r>
+              <a:rPr lang="nb-NO" sz="1200" dirty="0" smtClean="0"/>
+              <a:t> 12/24 </a:t>
+            </a:r>
+            <a:r>
+              <a:rPr lang="nb-NO" sz="1200" dirty="0" err="1" smtClean="0"/>
+              <a:t>hours</a:t>
+            </a:r>
+            <a:r>
+              <a:rPr lang="nb-NO" sz="1200" dirty="0" smtClean="0"/>
+              <a:t>)  )</a:t>
+            </a:r>
+          </a:p>
+          <a:p>
+            <a:pPr>
+              <a:buFontTx/>
+              <a:buChar char="-"/>
+            </a:pPr>
+            <a:r>
+              <a:rPr lang="nb-NO" sz="1200" dirty="0" err="1" smtClean="0"/>
+              <a:t>Can</a:t>
+            </a:r>
+            <a:r>
+              <a:rPr lang="nb-NO" sz="1200" dirty="0" smtClean="0"/>
+              <a:t> be </a:t>
+            </a:r>
+            <a:r>
+              <a:rPr lang="nb-NO" sz="1200" dirty="0" err="1" smtClean="0"/>
+              <a:t>divided</a:t>
+            </a:r>
+            <a:r>
+              <a:rPr lang="nb-NO" sz="1200" dirty="0" smtClean="0"/>
+              <a:t> up in </a:t>
+            </a:r>
+            <a:r>
+              <a:rPr lang="nb-NO" sz="1200" dirty="0" err="1" smtClean="0"/>
+              <a:t>Ground</a:t>
+            </a:r>
+            <a:r>
+              <a:rPr lang="nb-NO" sz="1200" dirty="0" smtClean="0"/>
+              <a:t> / Air / IADS (</a:t>
+            </a:r>
+            <a:r>
+              <a:rPr lang="nb-NO" sz="1200" dirty="0" err="1" smtClean="0"/>
+              <a:t>SAMs</a:t>
+            </a:r>
+            <a:r>
+              <a:rPr lang="nb-NO" sz="1200" dirty="0" smtClean="0"/>
+              <a:t>) as </a:t>
+            </a:r>
+            <a:r>
+              <a:rPr lang="nb-NO" sz="1200" dirty="0" err="1" smtClean="0"/>
+              <a:t>required</a:t>
+            </a:r>
+            <a:r>
+              <a:rPr lang="nb-NO" sz="1200" dirty="0" smtClean="0"/>
+              <a:t>. </a:t>
+            </a:r>
+            <a:r>
+              <a:rPr lang="nb-NO" sz="1200" dirty="0" err="1" smtClean="0"/>
+              <a:t>Use</a:t>
+            </a:r>
+            <a:r>
+              <a:rPr lang="nb-NO" sz="1200" dirty="0" smtClean="0"/>
+              <a:t> </a:t>
+            </a:r>
+            <a:r>
+              <a:rPr lang="nb-NO" sz="1200" dirty="0" err="1" smtClean="0"/>
+              <a:t>additional</a:t>
+            </a:r>
+            <a:r>
+              <a:rPr lang="nb-NO" sz="1200" dirty="0" smtClean="0"/>
+              <a:t> slides </a:t>
+            </a:r>
+            <a:endParaRPr lang="nb-NO" sz="1200" dirty="0"/>
+          </a:p>
+        </p:txBody>
+      </p:sp>
+      <p:sp>
+        <p:nvSpPr>
+          <p:cNvPr id="7" name="Ellipse 6"/>
+          <p:cNvSpPr/>
+          <p:nvPr/>
+        </p:nvSpPr>
+        <p:spPr>
+          <a:xfrm>
+            <a:off x="-928726" y="1000114"/>
+            <a:ext cx="214314" cy="214314"/>
+          </a:xfrm>
+          <a:prstGeom prst="ellipse">
+            <a:avLst/>
+          </a:prstGeom>
+          <a:solidFill>
+            <a:srgbClr val="C00000"/>
+          </a:solidFill>
+          <a:ln>
+            <a:solidFill>
+              <a:schemeClr val="tx1"/>
+            </a:solidFill>
+          </a:ln>
+        </p:spPr>
+        <p:style>
+          <a:lnRef idx="2">
+            <a:schemeClr val="accent1">
+              <a:shade val="50000"/>
+            </a:schemeClr>
+          </a:lnRef>
+          <a:fillRef idx="1">
+            <a:schemeClr val="accent1"/>
+          </a:fillRef>
+          <a:effectRef idx="0">
+            <a:schemeClr val="accent1"/>
+          </a:effectRef>
+          <a:fontRef idx="minor">
+            <a:schemeClr val="lt1"/>
+          </a:fontRef>
+        </p:style>
+        <p:txBody>
+          <a:bodyPr lIns="0" tIns="0" rIns="0" bIns="0" rtlCol="0" anchor="ctr"/>
+          <a:lstStyle/>
+          <a:p>
+            <a:pPr algn="ctr"/>
+            <a:r>
+              <a:rPr lang="nb-NO" sz="1200" dirty="0" smtClean="0"/>
+              <a:t>A</a:t>
+            </a:r>
+            <a:endParaRPr lang="nb-NO" sz="1200" dirty="0"/>
+          </a:p>
+        </p:txBody>
+      </p:sp>
+      <p:sp>
+        <p:nvSpPr>
+          <p:cNvPr id="8" name="Ellipse 7"/>
+          <p:cNvSpPr/>
+          <p:nvPr/>
+        </p:nvSpPr>
+        <p:spPr>
+          <a:xfrm>
+            <a:off x="-642974" y="1000114"/>
+            <a:ext cx="214314" cy="214314"/>
+          </a:xfrm>
+          <a:prstGeom prst="ellipse">
+            <a:avLst/>
+          </a:prstGeom>
+          <a:solidFill>
+            <a:srgbClr val="C00000"/>
+          </a:solidFill>
+          <a:ln>
+            <a:solidFill>
+              <a:schemeClr val="tx1"/>
+            </a:solidFill>
+          </a:ln>
+        </p:spPr>
+        <p:style>
+          <a:lnRef idx="2">
+            <a:schemeClr val="accent1">
+              <a:shade val="50000"/>
+            </a:schemeClr>
+          </a:lnRef>
+          <a:fillRef idx="1">
+            <a:schemeClr val="accent1"/>
+          </a:fillRef>
+          <a:effectRef idx="0">
+            <a:schemeClr val="accent1"/>
+          </a:effectRef>
+          <a:fontRef idx="minor">
+            <a:schemeClr val="lt1"/>
+          </a:fontRef>
+        </p:style>
+        <p:txBody>
+          <a:bodyPr lIns="0" tIns="0" rIns="0" bIns="0" rtlCol="0" anchor="ctr"/>
+          <a:lstStyle/>
+          <a:p>
+            <a:pPr algn="ctr"/>
+            <a:r>
+              <a:rPr lang="nb-NO" sz="1200" dirty="0" smtClean="0"/>
+              <a:t>A</a:t>
+            </a:r>
+            <a:endParaRPr lang="nb-NO" sz="1200" dirty="0"/>
+          </a:p>
+        </p:txBody>
+      </p:sp>
+      <p:sp>
+        <p:nvSpPr>
+          <p:cNvPr id="9" name="Ellipse 8"/>
+          <p:cNvSpPr/>
+          <p:nvPr/>
+        </p:nvSpPr>
+        <p:spPr>
+          <a:xfrm>
+            <a:off x="-928726" y="1285866"/>
+            <a:ext cx="214314" cy="214314"/>
+          </a:xfrm>
+          <a:prstGeom prst="ellipse">
+            <a:avLst/>
+          </a:prstGeom>
+          <a:solidFill>
+            <a:srgbClr val="C00000"/>
+          </a:solidFill>
+          <a:ln>
+            <a:solidFill>
+              <a:schemeClr val="tx1"/>
+            </a:solidFill>
+          </a:ln>
+        </p:spPr>
+        <p:style>
+          <a:lnRef idx="2">
+            <a:schemeClr val="accent1">
+              <a:shade val="50000"/>
+            </a:schemeClr>
+          </a:lnRef>
+          <a:fillRef idx="1">
+            <a:schemeClr val="accent1"/>
+          </a:fillRef>
+          <a:effectRef idx="0">
+            <a:schemeClr val="accent1"/>
+          </a:effectRef>
+          <a:fontRef idx="minor">
+            <a:schemeClr val="lt1"/>
+          </a:fontRef>
+        </p:style>
+        <p:txBody>
+          <a:bodyPr lIns="0" tIns="0" rIns="0" bIns="0" rtlCol="0" anchor="ctr"/>
+          <a:lstStyle/>
+          <a:p>
+            <a:pPr algn="ctr"/>
+            <a:r>
+              <a:rPr lang="nb-NO" sz="1200" dirty="0" smtClean="0"/>
+              <a:t>B</a:t>
+            </a:r>
+            <a:endParaRPr lang="nb-NO" sz="1200" dirty="0"/>
+          </a:p>
+        </p:txBody>
+      </p:sp>
+      <p:sp>
+        <p:nvSpPr>
+          <p:cNvPr id="10" name="Ellipse 9"/>
+          <p:cNvSpPr/>
+          <p:nvPr/>
+        </p:nvSpPr>
+        <p:spPr>
+          <a:xfrm>
+            <a:off x="-642974" y="1285866"/>
+            <a:ext cx="214314" cy="214314"/>
+          </a:xfrm>
+          <a:prstGeom prst="ellipse">
+            <a:avLst/>
+          </a:prstGeom>
+          <a:solidFill>
+            <a:srgbClr val="C00000"/>
+          </a:solidFill>
+          <a:ln>
+            <a:solidFill>
+              <a:schemeClr val="tx1"/>
+            </a:solidFill>
+          </a:ln>
+        </p:spPr>
+        <p:style>
+          <a:lnRef idx="2">
+            <a:schemeClr val="accent1">
+              <a:shade val="50000"/>
+            </a:schemeClr>
+          </a:lnRef>
+          <a:fillRef idx="1">
+            <a:schemeClr val="accent1"/>
+          </a:fillRef>
+          <a:effectRef idx="0">
+            <a:schemeClr val="accent1"/>
+          </a:effectRef>
+          <a:fontRef idx="minor">
+            <a:schemeClr val="lt1"/>
+          </a:fontRef>
+        </p:style>
+        <p:txBody>
+          <a:bodyPr lIns="0" tIns="0" rIns="0" bIns="0" rtlCol="0" anchor="ctr"/>
+          <a:lstStyle/>
+          <a:p>
+            <a:pPr algn="ctr"/>
+            <a:r>
+              <a:rPr lang="nb-NO" sz="1200" dirty="0" smtClean="0"/>
+              <a:t>B</a:t>
+            </a:r>
+            <a:endParaRPr lang="nb-NO" sz="1200" dirty="0"/>
+          </a:p>
+        </p:txBody>
+      </p:sp>
+      <p:sp>
+        <p:nvSpPr>
+          <p:cNvPr id="11" name="Ellipse 10"/>
+          <p:cNvSpPr/>
+          <p:nvPr/>
+        </p:nvSpPr>
+        <p:spPr>
+          <a:xfrm>
+            <a:off x="-928726" y="1571618"/>
+            <a:ext cx="214314" cy="214314"/>
+          </a:xfrm>
+          <a:prstGeom prst="ellipse">
+            <a:avLst/>
+          </a:prstGeom>
+          <a:solidFill>
+            <a:srgbClr val="C00000"/>
+          </a:solidFill>
+          <a:ln>
+            <a:solidFill>
+              <a:schemeClr val="tx1"/>
+            </a:solidFill>
+          </a:ln>
+        </p:spPr>
+        <p:style>
+          <a:lnRef idx="2">
+            <a:schemeClr val="accent1">
+              <a:shade val="50000"/>
+            </a:schemeClr>
+          </a:lnRef>
+          <a:fillRef idx="1">
+            <a:schemeClr val="accent1"/>
+          </a:fillRef>
+          <a:effectRef idx="0">
+            <a:schemeClr val="accent1"/>
+          </a:effectRef>
+          <a:fontRef idx="minor">
+            <a:schemeClr val="lt1"/>
+          </a:fontRef>
+        </p:style>
+        <p:txBody>
+          <a:bodyPr lIns="0" tIns="0" rIns="0" bIns="0" rtlCol="0" anchor="ctr"/>
+          <a:lstStyle/>
+          <a:p>
+            <a:pPr algn="ctr"/>
+            <a:r>
+              <a:rPr lang="nb-NO" sz="1200" dirty="0" smtClean="0"/>
+              <a:t>C</a:t>
+            </a:r>
+            <a:endParaRPr lang="nb-NO" sz="1200" dirty="0"/>
+          </a:p>
+        </p:txBody>
+      </p:sp>
+      <p:sp>
+        <p:nvSpPr>
+          <p:cNvPr id="12" name="Ellipse 11"/>
+          <p:cNvSpPr/>
+          <p:nvPr/>
+        </p:nvSpPr>
+        <p:spPr>
+          <a:xfrm>
+            <a:off x="-642974" y="1571618"/>
+            <a:ext cx="214314" cy="214314"/>
+          </a:xfrm>
+          <a:prstGeom prst="ellipse">
+            <a:avLst/>
+          </a:prstGeom>
+          <a:solidFill>
+            <a:srgbClr val="C00000"/>
+          </a:solidFill>
+          <a:ln>
+            <a:solidFill>
+              <a:schemeClr val="tx1"/>
+            </a:solidFill>
+          </a:ln>
+        </p:spPr>
+        <p:style>
+          <a:lnRef idx="2">
+            <a:schemeClr val="accent1">
+              <a:shade val="50000"/>
+            </a:schemeClr>
+          </a:lnRef>
+          <a:fillRef idx="1">
+            <a:schemeClr val="accent1"/>
+          </a:fillRef>
+          <a:effectRef idx="0">
+            <a:schemeClr val="accent1"/>
+          </a:effectRef>
+          <a:fontRef idx="minor">
+            <a:schemeClr val="lt1"/>
+          </a:fontRef>
+        </p:style>
+        <p:txBody>
+          <a:bodyPr lIns="0" tIns="0" rIns="0" bIns="0" rtlCol="0" anchor="ctr"/>
+          <a:lstStyle/>
+          <a:p>
+            <a:pPr algn="ctr"/>
+            <a:r>
+              <a:rPr lang="nb-NO" sz="1200" dirty="0" smtClean="0"/>
+              <a:t>C</a:t>
+            </a:r>
+            <a:endParaRPr lang="nb-NO" sz="1200" dirty="0"/>
+          </a:p>
+        </p:txBody>
+      </p:sp>
+      <p:sp>
+        <p:nvSpPr>
+          <p:cNvPr id="13" name="Ellipse 12"/>
+          <p:cNvSpPr/>
+          <p:nvPr/>
+        </p:nvSpPr>
+        <p:spPr>
+          <a:xfrm>
+            <a:off x="-928726" y="1857370"/>
+            <a:ext cx="214314" cy="214314"/>
+          </a:xfrm>
+          <a:prstGeom prst="ellipse">
+            <a:avLst/>
+          </a:prstGeom>
+          <a:solidFill>
+            <a:srgbClr val="C00000"/>
+          </a:solidFill>
+          <a:ln>
+            <a:solidFill>
+              <a:schemeClr val="tx1"/>
+            </a:solidFill>
+          </a:ln>
+        </p:spPr>
+        <p:style>
+          <a:lnRef idx="2">
+            <a:schemeClr val="accent1">
+              <a:shade val="50000"/>
+            </a:schemeClr>
+          </a:lnRef>
+          <a:fillRef idx="1">
+            <a:schemeClr val="accent1"/>
+          </a:fillRef>
+          <a:effectRef idx="0">
+            <a:schemeClr val="accent1"/>
+          </a:effectRef>
+          <a:fontRef idx="minor">
+            <a:schemeClr val="lt1"/>
+          </a:fontRef>
+        </p:style>
+        <p:txBody>
+          <a:bodyPr lIns="0" tIns="0" rIns="0" bIns="0" rtlCol="0" anchor="ctr"/>
+          <a:lstStyle/>
+          <a:p>
+            <a:pPr algn="ctr"/>
+            <a:r>
+              <a:rPr lang="nb-NO" sz="1200" dirty="0" smtClean="0"/>
+              <a:t>D</a:t>
+            </a:r>
+            <a:endParaRPr lang="nb-NO" sz="1200" dirty="0"/>
+          </a:p>
+        </p:txBody>
+      </p:sp>
+      <p:sp>
+        <p:nvSpPr>
+          <p:cNvPr id="14" name="Ellipse 13"/>
+          <p:cNvSpPr/>
+          <p:nvPr/>
+        </p:nvSpPr>
+        <p:spPr>
+          <a:xfrm>
+            <a:off x="-642974" y="1857370"/>
+            <a:ext cx="214314" cy="214314"/>
+          </a:xfrm>
+          <a:prstGeom prst="ellipse">
+            <a:avLst/>
+          </a:prstGeom>
+          <a:solidFill>
+            <a:srgbClr val="C00000"/>
+          </a:solidFill>
+          <a:ln>
+            <a:solidFill>
+              <a:schemeClr val="tx1"/>
+            </a:solidFill>
+          </a:ln>
+        </p:spPr>
+        <p:style>
+          <a:lnRef idx="2">
+            <a:schemeClr val="accent1">
+              <a:shade val="50000"/>
+            </a:schemeClr>
+          </a:lnRef>
+          <a:fillRef idx="1">
+            <a:schemeClr val="accent1"/>
+          </a:fillRef>
+          <a:effectRef idx="0">
+            <a:schemeClr val="accent1"/>
+          </a:effectRef>
+          <a:fontRef idx="minor">
+            <a:schemeClr val="lt1"/>
+          </a:fontRef>
+        </p:style>
+        <p:txBody>
+          <a:bodyPr lIns="0" tIns="0" rIns="0" bIns="0" rtlCol="0" anchor="ctr"/>
+          <a:lstStyle/>
+          <a:p>
+            <a:pPr algn="ctr"/>
+            <a:r>
+              <a:rPr lang="nb-NO" sz="1200" dirty="0" smtClean="0"/>
+              <a:t>D</a:t>
+            </a:r>
+            <a:endParaRPr lang="nb-NO" sz="1200" dirty="0"/>
+          </a:p>
+        </p:txBody>
+      </p:sp>
+      <p:sp>
+        <p:nvSpPr>
+          <p:cNvPr id="15" name="Ellipse 14"/>
+          <p:cNvSpPr/>
+          <p:nvPr/>
+        </p:nvSpPr>
+        <p:spPr>
+          <a:xfrm>
+            <a:off x="-928726" y="2143122"/>
+            <a:ext cx="214314" cy="214314"/>
+          </a:xfrm>
+          <a:prstGeom prst="ellipse">
+            <a:avLst/>
+          </a:prstGeom>
+          <a:solidFill>
+            <a:srgbClr val="C00000"/>
+          </a:solidFill>
+          <a:ln>
+            <a:solidFill>
+              <a:schemeClr val="tx1"/>
+            </a:solidFill>
+          </a:ln>
+        </p:spPr>
+        <p:style>
+          <a:lnRef idx="2">
+            <a:schemeClr val="accent1">
+              <a:shade val="50000"/>
+            </a:schemeClr>
+          </a:lnRef>
+          <a:fillRef idx="1">
+            <a:schemeClr val="accent1"/>
+          </a:fillRef>
+          <a:effectRef idx="0">
+            <a:schemeClr val="accent1"/>
+          </a:effectRef>
+          <a:fontRef idx="minor">
+            <a:schemeClr val="lt1"/>
+          </a:fontRef>
+        </p:style>
+        <p:txBody>
+          <a:bodyPr lIns="0" tIns="0" rIns="0" bIns="0" rtlCol="0" anchor="ctr"/>
+          <a:lstStyle/>
+          <a:p>
+            <a:pPr algn="ctr"/>
+            <a:r>
+              <a:rPr lang="nb-NO" sz="1200" dirty="0" smtClean="0"/>
+              <a:t>E</a:t>
+            </a:r>
+            <a:endParaRPr lang="nb-NO" sz="1200" dirty="0"/>
+          </a:p>
+        </p:txBody>
+      </p:sp>
+      <p:sp>
+        <p:nvSpPr>
+          <p:cNvPr id="16" name="Ellipse 15"/>
+          <p:cNvSpPr/>
+          <p:nvPr/>
+        </p:nvSpPr>
+        <p:spPr>
+          <a:xfrm>
+            <a:off x="-642974" y="2143122"/>
+            <a:ext cx="214314" cy="214314"/>
+          </a:xfrm>
+          <a:prstGeom prst="ellipse">
+            <a:avLst/>
+          </a:prstGeom>
+          <a:solidFill>
+            <a:srgbClr val="C00000"/>
+          </a:solidFill>
+          <a:ln>
+            <a:solidFill>
+              <a:schemeClr val="tx1"/>
+            </a:solidFill>
+          </a:ln>
+        </p:spPr>
+        <p:style>
+          <a:lnRef idx="2">
+            <a:schemeClr val="accent1">
+              <a:shade val="50000"/>
+            </a:schemeClr>
+          </a:lnRef>
+          <a:fillRef idx="1">
+            <a:schemeClr val="accent1"/>
+          </a:fillRef>
+          <a:effectRef idx="0">
+            <a:schemeClr val="accent1"/>
+          </a:effectRef>
+          <a:fontRef idx="minor">
+            <a:schemeClr val="lt1"/>
+          </a:fontRef>
+        </p:style>
+        <p:txBody>
+          <a:bodyPr lIns="0" tIns="0" rIns="0" bIns="0" rtlCol="0" anchor="ctr"/>
+          <a:lstStyle/>
+          <a:p>
+            <a:pPr algn="ctr"/>
+            <a:r>
+              <a:rPr lang="nb-NO" sz="1200" dirty="0" smtClean="0"/>
+              <a:t>E</a:t>
+            </a:r>
+            <a:endParaRPr lang="nb-NO" sz="1200" dirty="0"/>
+          </a:p>
+        </p:txBody>
+      </p:sp>
+      <p:sp>
+        <p:nvSpPr>
+          <p:cNvPr id="17" name="Ellipse 16"/>
+          <p:cNvSpPr/>
+          <p:nvPr/>
+        </p:nvSpPr>
+        <p:spPr>
+          <a:xfrm>
+            <a:off x="-928726" y="2428874"/>
+            <a:ext cx="214314" cy="214314"/>
+          </a:xfrm>
+          <a:prstGeom prst="ellipse">
+            <a:avLst/>
+          </a:prstGeom>
+          <a:solidFill>
+            <a:srgbClr val="C00000"/>
+          </a:solidFill>
+          <a:ln>
+            <a:solidFill>
+              <a:schemeClr val="tx1"/>
+            </a:solidFill>
+          </a:ln>
+        </p:spPr>
+        <p:style>
+          <a:lnRef idx="2">
+            <a:schemeClr val="accent1">
+              <a:shade val="50000"/>
+            </a:schemeClr>
+          </a:lnRef>
+          <a:fillRef idx="1">
+            <a:schemeClr val="accent1"/>
+          </a:fillRef>
+          <a:effectRef idx="0">
+            <a:schemeClr val="accent1"/>
+          </a:effectRef>
+          <a:fontRef idx="minor">
+            <a:schemeClr val="lt1"/>
+          </a:fontRef>
+        </p:style>
+        <p:txBody>
+          <a:bodyPr lIns="0" tIns="0" rIns="0" bIns="0" rtlCol="0" anchor="ctr"/>
+          <a:lstStyle/>
+          <a:p>
+            <a:pPr algn="ctr"/>
+            <a:r>
+              <a:rPr lang="nb-NO" sz="1200" dirty="0" smtClean="0"/>
+              <a:t>F</a:t>
+            </a:r>
+            <a:endParaRPr lang="nb-NO" sz="1200" dirty="0"/>
+          </a:p>
+        </p:txBody>
+      </p:sp>
+      <p:sp>
+        <p:nvSpPr>
+          <p:cNvPr id="18" name="Ellipse 17"/>
+          <p:cNvSpPr/>
+          <p:nvPr/>
+        </p:nvSpPr>
+        <p:spPr>
+          <a:xfrm>
+            <a:off x="-642974" y="2428874"/>
+            <a:ext cx="214314" cy="214314"/>
+          </a:xfrm>
+          <a:prstGeom prst="ellipse">
+            <a:avLst/>
+          </a:prstGeom>
+          <a:solidFill>
+            <a:srgbClr val="C00000"/>
+          </a:solidFill>
+          <a:ln>
+            <a:solidFill>
+              <a:schemeClr val="tx1"/>
+            </a:solidFill>
+          </a:ln>
+        </p:spPr>
+        <p:style>
+          <a:lnRef idx="2">
+            <a:schemeClr val="accent1">
+              <a:shade val="50000"/>
+            </a:schemeClr>
+          </a:lnRef>
+          <a:fillRef idx="1">
+            <a:schemeClr val="accent1"/>
+          </a:fillRef>
+          <a:effectRef idx="0">
+            <a:schemeClr val="accent1"/>
+          </a:effectRef>
+          <a:fontRef idx="minor">
+            <a:schemeClr val="lt1"/>
+          </a:fontRef>
+        </p:style>
+        <p:txBody>
+          <a:bodyPr lIns="0" tIns="0" rIns="0" bIns="0" rtlCol="0" anchor="ctr"/>
+          <a:lstStyle/>
+          <a:p>
+            <a:pPr algn="ctr"/>
+            <a:r>
+              <a:rPr lang="nb-NO" sz="1200" dirty="0" smtClean="0"/>
+              <a:t>F</a:t>
+            </a:r>
+            <a:endParaRPr lang="nb-NO" sz="1200" dirty="0"/>
+          </a:p>
+        </p:txBody>
+      </p:sp>
+    </p:spTree>
+  </p:cSld>
+  <p:clrMapOvr>
+    <a:masterClrMapping/>
+  </p:clrMapOvr>
+  <p:timing>
+    <p:tnLst>
+      <p:par>
+        <p:cTn id="1" dur="indefinite" restart="never" nodeType="tmRoot"/>
+      </p:par>
+    </p:tnLst>
+  </p:timing>
+</p:sld>
+</file>
+
+<file path=ppt/slides/slide9.xml><?xml version="1.0" encoding="utf-8"?>
+<p:sld xmlns:a="http://schemas.openxmlformats.org/drawingml/2006/main" xmlns:r="http://schemas.openxmlformats.org/officeDocument/2006/relationships" xmlns:p="http://schemas.openxmlformats.org/presentationml/2006/main">
+  <p:cSld>
+    <p:spTree>
+      <p:nvGrpSpPr>
+        <p:cNvPr id="1" name=""/>
+        <p:cNvGrpSpPr/>
+        <p:nvPr/>
+      </p:nvGrpSpPr>
+      <p:grpSpPr>
+        <a:xfrm>
+          <a:off x="0" y="0"/>
+          <a:ext cx="0" cy="0"/>
+          <a:chOff x="0" y="0"/>
+          <a:chExt cx="0" cy="0"/>
+        </a:xfrm>
+      </p:grpSpPr>
+      <p:sp>
+        <p:nvSpPr>
+          <p:cNvPr id="2" name="Tittel 1"/>
+          <p:cNvSpPr>
+            <a:spLocks noGrp="1"/>
+          </p:cNvSpPr>
+          <p:nvPr>
+            <p:ph type="title"/>
+          </p:nvPr>
+        </p:nvSpPr>
+        <p:spPr/>
+        <p:txBody>
+          <a:bodyPr/>
+          <a:lstStyle/>
+          <a:p>
+            <a:r>
+              <a:rPr lang="en-US" dirty="0" smtClean="0"/>
+              <a:t>ASSESSMENT OF ENEMY SITUATION </a:t>
+            </a:r>
+            <a:r>
+              <a:rPr lang="en-US" dirty="0" smtClean="0"/>
+              <a:t>(</a:t>
+            </a:r>
+            <a:r>
+              <a:rPr lang="en-US" dirty="0" smtClean="0"/>
+              <a:t>long</a:t>
+            </a:r>
+            <a:r>
+              <a:rPr lang="en-US" dirty="0" smtClean="0"/>
+              <a:t> </a:t>
+            </a:r>
+            <a:r>
+              <a:rPr lang="en-US" dirty="0" smtClean="0"/>
+              <a:t>term)</a:t>
+            </a:r>
+            <a:endParaRPr lang="en-US" dirty="0"/>
+          </a:p>
+        </p:txBody>
+      </p:sp>
+      <p:sp>
+        <p:nvSpPr>
+          <p:cNvPr id="5" name="Rektangel 4"/>
+          <p:cNvSpPr/>
+          <p:nvPr/>
+        </p:nvSpPr>
+        <p:spPr>
+          <a:xfrm>
+            <a:off x="3428960" y="642924"/>
+            <a:ext cx="5715040" cy="4286280"/>
+          </a:xfrm>
+          <a:prstGeom prst="rect">
+            <a:avLst/>
+          </a:prstGeom>
+          <a:solidFill>
+            <a:schemeClr val="tx2">
+              <a:lumMod val="20000"/>
+              <a:lumOff val="80000"/>
+            </a:schemeClr>
+          </a:solidFill>
+          <a:ln>
+            <a:solidFill>
+              <a:schemeClr val="tx1"/>
+            </a:solidFill>
+          </a:ln>
+        </p:spPr>
+        <p:style>
+          <a:lnRef idx="2">
+            <a:schemeClr val="accent1">
+              <a:shade val="50000"/>
+            </a:schemeClr>
+          </a:lnRef>
+          <a:fillRef idx="1">
+            <a:schemeClr val="accent1"/>
+          </a:fillRef>
+          <a:effectRef idx="0">
+            <a:schemeClr val="accent1"/>
+          </a:effectRef>
+          <a:fontRef idx="minor">
+            <a:schemeClr val="lt1"/>
+          </a:fontRef>
+        </p:style>
+        <p:txBody>
+          <a:bodyPr rtlCol="0" anchor="ctr"/>
+          <a:lstStyle/>
+          <a:p>
+            <a:pPr algn="ctr"/>
+            <a:r>
+              <a:rPr lang="nb-NO" dirty="0" smtClean="0"/>
+              <a:t>INSERT MAP HERE</a:t>
+            </a:r>
+            <a:endParaRPr lang="nb-NO" dirty="0"/>
+          </a:p>
+        </p:txBody>
+      </p:sp>
+      <p:sp>
+        <p:nvSpPr>
+          <p:cNvPr id="6" name="TekstSylinder 5"/>
+          <p:cNvSpPr txBox="1"/>
+          <p:nvPr/>
+        </p:nvSpPr>
+        <p:spPr>
+          <a:xfrm>
+            <a:off x="0" y="642924"/>
+            <a:ext cx="3428992" cy="4286280"/>
+          </a:xfrm>
+          <a:prstGeom prst="rect">
+            <a:avLst/>
+          </a:prstGeom>
+          <a:noFill/>
+          <a:ln>
+            <a:solidFill>
+              <a:schemeClr val="tx1"/>
+            </a:solidFill>
+          </a:ln>
+        </p:spPr>
+        <p:txBody>
+          <a:bodyPr wrap="square" rtlCol="0">
+            <a:normAutofit/>
+          </a:bodyPr>
+          <a:lstStyle/>
+          <a:p>
+            <a:pPr>
+              <a:buFontTx/>
+              <a:buChar char="-"/>
+            </a:pPr>
+            <a:r>
+              <a:rPr lang="nb-NO" sz="1200" dirty="0" err="1" smtClean="0"/>
+              <a:t>Provide</a:t>
+            </a:r>
+            <a:r>
+              <a:rPr lang="nb-NO" sz="1200" dirty="0" smtClean="0"/>
+              <a:t> </a:t>
+            </a:r>
+            <a:r>
+              <a:rPr lang="nb-NO" sz="1200" dirty="0" err="1" smtClean="0"/>
+              <a:t>assessment</a:t>
+            </a:r>
+            <a:r>
+              <a:rPr lang="nb-NO" sz="1200" dirty="0" smtClean="0"/>
+              <a:t> </a:t>
+            </a:r>
+            <a:r>
+              <a:rPr lang="nb-NO" sz="1200" dirty="0" err="1" smtClean="0"/>
+              <a:t>of</a:t>
+            </a:r>
+            <a:r>
+              <a:rPr lang="nb-NO" sz="1200" dirty="0" smtClean="0"/>
+              <a:t> </a:t>
+            </a:r>
+            <a:r>
+              <a:rPr lang="nb-NO" sz="1200" dirty="0" err="1" smtClean="0"/>
+              <a:t>the</a:t>
+            </a:r>
+            <a:r>
+              <a:rPr lang="nb-NO" sz="1200" dirty="0" smtClean="0"/>
+              <a:t> </a:t>
+            </a:r>
+            <a:r>
+              <a:rPr lang="nb-NO" sz="1200" dirty="0" err="1" smtClean="0"/>
+              <a:t>likely</a:t>
+            </a:r>
+            <a:r>
+              <a:rPr lang="nb-NO" sz="1200" dirty="0" smtClean="0"/>
+              <a:t> </a:t>
+            </a:r>
+            <a:r>
+              <a:rPr lang="nb-NO" sz="1200" dirty="0" err="1" smtClean="0"/>
+              <a:t>enemy</a:t>
+            </a:r>
+            <a:r>
+              <a:rPr lang="nb-NO" sz="1200" dirty="0" smtClean="0"/>
+              <a:t> </a:t>
+            </a:r>
+            <a:r>
+              <a:rPr lang="nb-NO" sz="1200" dirty="0" err="1" smtClean="0"/>
+              <a:t>situation</a:t>
+            </a:r>
+            <a:r>
+              <a:rPr lang="nb-NO" sz="1200" dirty="0" smtClean="0"/>
+              <a:t> in </a:t>
+            </a:r>
+            <a:r>
+              <a:rPr lang="nb-NO" sz="1200" dirty="0" err="1" smtClean="0"/>
+              <a:t>the</a:t>
+            </a:r>
+            <a:r>
+              <a:rPr lang="nb-NO" sz="1200" dirty="0" smtClean="0"/>
+              <a:t> </a:t>
+            </a:r>
+            <a:r>
+              <a:rPr lang="nb-NO" sz="1200" dirty="0" err="1" smtClean="0"/>
+              <a:t>long</a:t>
+            </a:r>
+            <a:r>
+              <a:rPr lang="nb-NO" sz="1200" dirty="0" smtClean="0"/>
+              <a:t> </a:t>
+            </a:r>
+            <a:r>
+              <a:rPr lang="nb-NO" sz="1200" dirty="0" smtClean="0"/>
+              <a:t>term </a:t>
+            </a:r>
+            <a:r>
+              <a:rPr lang="nb-NO" sz="1200" dirty="0" smtClean="0"/>
+              <a:t>(+24 </a:t>
+            </a:r>
+            <a:r>
+              <a:rPr lang="nb-NO" sz="1200" dirty="0" err="1" smtClean="0"/>
+              <a:t>hours</a:t>
+            </a:r>
+            <a:r>
+              <a:rPr lang="nb-NO" sz="1200" dirty="0" smtClean="0"/>
+              <a:t> and </a:t>
+            </a:r>
+            <a:r>
+              <a:rPr lang="nb-NO" sz="1200" dirty="0" err="1" smtClean="0"/>
+              <a:t>beyond</a:t>
+            </a:r>
+            <a:r>
+              <a:rPr lang="nb-NO" sz="1200" dirty="0" smtClean="0"/>
+              <a:t>)</a:t>
+            </a:r>
+            <a:endParaRPr lang="nb-NO" sz="1200" dirty="0" smtClean="0"/>
+          </a:p>
+          <a:p>
+            <a:pPr>
+              <a:buFontTx/>
+              <a:buChar char="-"/>
+            </a:pPr>
+            <a:r>
+              <a:rPr lang="nb-NO" sz="1200" dirty="0" err="1" smtClean="0"/>
+              <a:t>Can</a:t>
+            </a:r>
+            <a:r>
+              <a:rPr lang="nb-NO" sz="1200" dirty="0" smtClean="0"/>
+              <a:t> be </a:t>
+            </a:r>
+            <a:r>
+              <a:rPr lang="nb-NO" sz="1200" dirty="0" err="1" smtClean="0"/>
+              <a:t>divided</a:t>
+            </a:r>
+            <a:r>
+              <a:rPr lang="nb-NO" sz="1200" dirty="0" smtClean="0"/>
+              <a:t> up in </a:t>
+            </a:r>
+            <a:r>
+              <a:rPr lang="nb-NO" sz="1200" dirty="0" err="1" smtClean="0"/>
+              <a:t>Ground</a:t>
+            </a:r>
+            <a:r>
+              <a:rPr lang="nb-NO" sz="1200" dirty="0" smtClean="0"/>
+              <a:t> / Air / IADS (</a:t>
+            </a:r>
+            <a:r>
+              <a:rPr lang="nb-NO" sz="1200" dirty="0" err="1" smtClean="0"/>
+              <a:t>SAMs</a:t>
+            </a:r>
+            <a:r>
+              <a:rPr lang="nb-NO" sz="1200" dirty="0" smtClean="0"/>
+              <a:t>) as </a:t>
+            </a:r>
+            <a:r>
+              <a:rPr lang="nb-NO" sz="1200" dirty="0" err="1" smtClean="0"/>
+              <a:t>required</a:t>
+            </a:r>
+            <a:r>
+              <a:rPr lang="nb-NO" sz="1200" dirty="0" smtClean="0"/>
+              <a:t>. </a:t>
+            </a:r>
+            <a:r>
+              <a:rPr lang="nb-NO" sz="1200" dirty="0" err="1" smtClean="0"/>
+              <a:t>Use</a:t>
+            </a:r>
+            <a:r>
+              <a:rPr lang="nb-NO" sz="1200" dirty="0" smtClean="0"/>
+              <a:t> </a:t>
+            </a:r>
+            <a:r>
+              <a:rPr lang="nb-NO" sz="1200" dirty="0" err="1" smtClean="0"/>
+              <a:t>additional</a:t>
+            </a:r>
+            <a:r>
+              <a:rPr lang="nb-NO" sz="1200" dirty="0" smtClean="0"/>
+              <a:t> slides </a:t>
+            </a:r>
+            <a:endParaRPr lang="nb-NO" sz="1200" dirty="0"/>
+          </a:p>
+        </p:txBody>
+      </p:sp>
+      <p:sp>
+        <p:nvSpPr>
+          <p:cNvPr id="7" name="Ellipse 6"/>
+          <p:cNvSpPr/>
+          <p:nvPr/>
+        </p:nvSpPr>
+        <p:spPr>
+          <a:xfrm>
+            <a:off x="-928726" y="1000114"/>
+            <a:ext cx="214314" cy="214314"/>
+          </a:xfrm>
+          <a:prstGeom prst="ellipse">
+            <a:avLst/>
+          </a:prstGeom>
+          <a:solidFill>
+            <a:srgbClr val="C00000"/>
+          </a:solidFill>
+          <a:ln>
+            <a:solidFill>
+              <a:schemeClr val="tx1"/>
+            </a:solidFill>
+          </a:ln>
+        </p:spPr>
+        <p:style>
+          <a:lnRef idx="2">
+            <a:schemeClr val="accent1">
+              <a:shade val="50000"/>
+            </a:schemeClr>
+          </a:lnRef>
+          <a:fillRef idx="1">
+            <a:schemeClr val="accent1"/>
+          </a:fillRef>
+          <a:effectRef idx="0">
+            <a:schemeClr val="accent1"/>
+          </a:effectRef>
+          <a:fontRef idx="minor">
+            <a:schemeClr val="lt1"/>
+          </a:fontRef>
+        </p:style>
+        <p:txBody>
+          <a:bodyPr lIns="0" tIns="0" rIns="0" bIns="0" rtlCol="0" anchor="ctr"/>
+          <a:lstStyle/>
+          <a:p>
+            <a:pPr algn="ctr"/>
+            <a:r>
+              <a:rPr lang="nb-NO" sz="1200" dirty="0" smtClean="0"/>
+              <a:t>A</a:t>
+            </a:r>
+            <a:endParaRPr lang="nb-NO" sz="1200" dirty="0"/>
+          </a:p>
+        </p:txBody>
+      </p:sp>
+      <p:sp>
+        <p:nvSpPr>
+          <p:cNvPr id="8" name="Ellipse 7"/>
+          <p:cNvSpPr/>
+          <p:nvPr/>
+        </p:nvSpPr>
+        <p:spPr>
+          <a:xfrm>
+            <a:off x="-642974" y="1000114"/>
+            <a:ext cx="214314" cy="214314"/>
+          </a:xfrm>
+          <a:prstGeom prst="ellipse">
+            <a:avLst/>
+          </a:prstGeom>
+          <a:solidFill>
+            <a:srgbClr val="C00000"/>
+          </a:solidFill>
+          <a:ln>
+            <a:solidFill>
+              <a:schemeClr val="tx1"/>
+            </a:solidFill>
+          </a:ln>
+        </p:spPr>
+        <p:style>
+          <a:lnRef idx="2">
+            <a:schemeClr val="accent1">
+              <a:shade val="50000"/>
+            </a:schemeClr>
+          </a:lnRef>
+          <a:fillRef idx="1">
+            <a:schemeClr val="accent1"/>
+          </a:fillRef>
+          <a:effectRef idx="0">
+            <a:schemeClr val="accent1"/>
+          </a:effectRef>
+          <a:fontRef idx="minor">
+            <a:schemeClr val="lt1"/>
+          </a:fontRef>
+        </p:style>
+        <p:txBody>
+          <a:bodyPr lIns="0" tIns="0" rIns="0" bIns="0" rtlCol="0" anchor="ctr"/>
+          <a:lstStyle/>
+          <a:p>
+            <a:pPr algn="ctr"/>
+            <a:r>
+              <a:rPr lang="nb-NO" sz="1200" dirty="0" smtClean="0"/>
+              <a:t>A</a:t>
+            </a:r>
+            <a:endParaRPr lang="nb-NO" sz="1200" dirty="0"/>
+          </a:p>
+        </p:txBody>
+      </p:sp>
+      <p:sp>
+        <p:nvSpPr>
+          <p:cNvPr id="9" name="Ellipse 8"/>
+          <p:cNvSpPr/>
+          <p:nvPr/>
+        </p:nvSpPr>
+        <p:spPr>
+          <a:xfrm>
+            <a:off x="-928726" y="1285866"/>
+            <a:ext cx="214314" cy="214314"/>
+          </a:xfrm>
+          <a:prstGeom prst="ellipse">
+            <a:avLst/>
+          </a:prstGeom>
+          <a:solidFill>
+            <a:srgbClr val="C00000"/>
+          </a:solidFill>
+          <a:ln>
+            <a:solidFill>
+              <a:schemeClr val="tx1"/>
+            </a:solidFill>
+          </a:ln>
+        </p:spPr>
+        <p:style>
+          <a:lnRef idx="2">
+            <a:schemeClr val="accent1">
+              <a:shade val="50000"/>
+            </a:schemeClr>
+          </a:lnRef>
+          <a:fillRef idx="1">
+            <a:schemeClr val="accent1"/>
+          </a:fillRef>
+          <a:effectRef idx="0">
+            <a:schemeClr val="accent1"/>
+          </a:effectRef>
+          <a:fontRef idx="minor">
+            <a:schemeClr val="lt1"/>
+          </a:fontRef>
+        </p:style>
+        <p:txBody>
+          <a:bodyPr lIns="0" tIns="0" rIns="0" bIns="0" rtlCol="0" anchor="ctr"/>
+          <a:lstStyle/>
+          <a:p>
+            <a:pPr algn="ctr"/>
+            <a:r>
+              <a:rPr lang="nb-NO" sz="1200" dirty="0" smtClean="0"/>
+              <a:t>B</a:t>
+            </a:r>
+            <a:endParaRPr lang="nb-NO" sz="1200" dirty="0"/>
+          </a:p>
+        </p:txBody>
+      </p:sp>
+      <p:sp>
+        <p:nvSpPr>
+          <p:cNvPr id="10" name="Ellipse 9"/>
+          <p:cNvSpPr/>
+          <p:nvPr/>
+        </p:nvSpPr>
+        <p:spPr>
+          <a:xfrm>
+            <a:off x="-642974" y="1285866"/>
+            <a:ext cx="214314" cy="214314"/>
+          </a:xfrm>
+          <a:prstGeom prst="ellipse">
+            <a:avLst/>
+          </a:prstGeom>
+          <a:solidFill>
+            <a:srgbClr val="C00000"/>
+          </a:solidFill>
+          <a:ln>
+            <a:solidFill>
+              <a:schemeClr val="tx1"/>
+            </a:solidFill>
+          </a:ln>
+        </p:spPr>
+        <p:style>
+          <a:lnRef idx="2">
+            <a:schemeClr val="accent1">
+              <a:shade val="50000"/>
+            </a:schemeClr>
+          </a:lnRef>
+          <a:fillRef idx="1">
+            <a:schemeClr val="accent1"/>
+          </a:fillRef>
+          <a:effectRef idx="0">
+            <a:schemeClr val="accent1"/>
+          </a:effectRef>
+          <a:fontRef idx="minor">
+            <a:schemeClr val="lt1"/>
+          </a:fontRef>
+        </p:style>
+        <p:txBody>
+          <a:bodyPr lIns="0" tIns="0" rIns="0" bIns="0" rtlCol="0" anchor="ctr"/>
+          <a:lstStyle/>
+          <a:p>
+            <a:pPr algn="ctr"/>
+            <a:r>
+              <a:rPr lang="nb-NO" sz="1200" dirty="0" smtClean="0"/>
+              <a:t>B</a:t>
+            </a:r>
+            <a:endParaRPr lang="nb-NO" sz="1200" dirty="0"/>
+          </a:p>
+        </p:txBody>
+      </p:sp>
+      <p:sp>
+        <p:nvSpPr>
+          <p:cNvPr id="11" name="Ellipse 10"/>
+          <p:cNvSpPr/>
+          <p:nvPr/>
+        </p:nvSpPr>
+        <p:spPr>
+          <a:xfrm>
+            <a:off x="-928726" y="1571618"/>
+            <a:ext cx="214314" cy="214314"/>
+          </a:xfrm>
+          <a:prstGeom prst="ellipse">
+            <a:avLst/>
+          </a:prstGeom>
+          <a:solidFill>
+            <a:srgbClr val="C00000"/>
+          </a:solidFill>
+          <a:ln>
+            <a:solidFill>
+              <a:schemeClr val="tx1"/>
+            </a:solidFill>
+          </a:ln>
+        </p:spPr>
+        <p:style>
+          <a:lnRef idx="2">
+            <a:schemeClr val="accent1">
+              <a:shade val="50000"/>
+            </a:schemeClr>
+          </a:lnRef>
+          <a:fillRef idx="1">
+            <a:schemeClr val="accent1"/>
+          </a:fillRef>
+          <a:effectRef idx="0">
+            <a:schemeClr val="accent1"/>
+          </a:effectRef>
+          <a:fontRef idx="minor">
+            <a:schemeClr val="lt1"/>
+          </a:fontRef>
+        </p:style>
+        <p:txBody>
+          <a:bodyPr lIns="0" tIns="0" rIns="0" bIns="0" rtlCol="0" anchor="ctr"/>
+          <a:lstStyle/>
+          <a:p>
+            <a:pPr algn="ctr"/>
+            <a:r>
+              <a:rPr lang="nb-NO" sz="1200" dirty="0" smtClean="0"/>
+              <a:t>C</a:t>
+            </a:r>
+            <a:endParaRPr lang="nb-NO" sz="1200" dirty="0"/>
+          </a:p>
+        </p:txBody>
+      </p:sp>
+      <p:sp>
+        <p:nvSpPr>
+          <p:cNvPr id="12" name="Ellipse 11"/>
+          <p:cNvSpPr/>
+          <p:nvPr/>
+        </p:nvSpPr>
+        <p:spPr>
+          <a:xfrm>
+            <a:off x="-642974" y="1571618"/>
+            <a:ext cx="214314" cy="214314"/>
+          </a:xfrm>
+          <a:prstGeom prst="ellipse">
+            <a:avLst/>
+          </a:prstGeom>
+          <a:solidFill>
+            <a:srgbClr val="C00000"/>
+          </a:solidFill>
+          <a:ln>
+            <a:solidFill>
+              <a:schemeClr val="tx1"/>
+            </a:solidFill>
+          </a:ln>
+        </p:spPr>
+        <p:style>
+          <a:lnRef idx="2">
+            <a:schemeClr val="accent1">
+              <a:shade val="50000"/>
+            </a:schemeClr>
+          </a:lnRef>
+          <a:fillRef idx="1">
+            <a:schemeClr val="accent1"/>
+          </a:fillRef>
+          <a:effectRef idx="0">
+            <a:schemeClr val="accent1"/>
+          </a:effectRef>
+          <a:fontRef idx="minor">
+            <a:schemeClr val="lt1"/>
+          </a:fontRef>
+        </p:style>
+        <p:txBody>
+          <a:bodyPr lIns="0" tIns="0" rIns="0" bIns="0" rtlCol="0" anchor="ctr"/>
+          <a:lstStyle/>
+          <a:p>
+            <a:pPr algn="ctr"/>
+            <a:r>
+              <a:rPr lang="nb-NO" sz="1200" dirty="0" smtClean="0"/>
+              <a:t>C</a:t>
+            </a:r>
+            <a:endParaRPr lang="nb-NO" sz="1200" dirty="0"/>
+          </a:p>
+        </p:txBody>
+      </p:sp>
+      <p:sp>
+        <p:nvSpPr>
+          <p:cNvPr id="13" name="Ellipse 12"/>
+          <p:cNvSpPr/>
+          <p:nvPr/>
+        </p:nvSpPr>
+        <p:spPr>
+          <a:xfrm>
+            <a:off x="-928726" y="1857370"/>
+            <a:ext cx="214314" cy="214314"/>
+          </a:xfrm>
+          <a:prstGeom prst="ellipse">
+            <a:avLst/>
+          </a:prstGeom>
+          <a:solidFill>
+            <a:srgbClr val="C00000"/>
+          </a:solidFill>
+          <a:ln>
+            <a:solidFill>
+              <a:schemeClr val="tx1"/>
+            </a:solidFill>
+          </a:ln>
+        </p:spPr>
+        <p:style>
+          <a:lnRef idx="2">
+            <a:schemeClr val="accent1">
+              <a:shade val="50000"/>
+            </a:schemeClr>
+          </a:lnRef>
+          <a:fillRef idx="1">
+            <a:schemeClr val="accent1"/>
+          </a:fillRef>
+          <a:effectRef idx="0">
+            <a:schemeClr val="accent1"/>
+          </a:effectRef>
+          <a:fontRef idx="minor">
+            <a:schemeClr val="lt1"/>
+          </a:fontRef>
+        </p:style>
+        <p:txBody>
+          <a:bodyPr lIns="0" tIns="0" rIns="0" bIns="0" rtlCol="0" anchor="ctr"/>
+          <a:lstStyle/>
+          <a:p>
+            <a:pPr algn="ctr"/>
+            <a:r>
+              <a:rPr lang="nb-NO" sz="1200" dirty="0" smtClean="0"/>
+              <a:t>D</a:t>
+            </a:r>
+            <a:endParaRPr lang="nb-NO" sz="1200" dirty="0"/>
+          </a:p>
+        </p:txBody>
+      </p:sp>
+      <p:sp>
+        <p:nvSpPr>
+          <p:cNvPr id="14" name="Ellipse 13"/>
+          <p:cNvSpPr/>
+          <p:nvPr/>
+        </p:nvSpPr>
+        <p:spPr>
+          <a:xfrm>
+            <a:off x="-642974" y="1857370"/>
+            <a:ext cx="214314" cy="214314"/>
+          </a:xfrm>
+          <a:prstGeom prst="ellipse">
+            <a:avLst/>
+          </a:prstGeom>
+          <a:solidFill>
+            <a:srgbClr val="C00000"/>
+          </a:solidFill>
+          <a:ln>
+            <a:solidFill>
+              <a:schemeClr val="tx1"/>
+            </a:solidFill>
+          </a:ln>
+        </p:spPr>
+        <p:style>
+          <a:lnRef idx="2">
+            <a:schemeClr val="accent1">
+              <a:shade val="50000"/>
+            </a:schemeClr>
+          </a:lnRef>
+          <a:fillRef idx="1">
+            <a:schemeClr val="accent1"/>
+          </a:fillRef>
+          <a:effectRef idx="0">
+            <a:schemeClr val="accent1"/>
+          </a:effectRef>
+          <a:fontRef idx="minor">
+            <a:schemeClr val="lt1"/>
+          </a:fontRef>
+        </p:style>
+        <p:txBody>
+          <a:bodyPr lIns="0" tIns="0" rIns="0" bIns="0" rtlCol="0" anchor="ctr"/>
+          <a:lstStyle/>
+          <a:p>
+            <a:pPr algn="ctr"/>
+            <a:r>
+              <a:rPr lang="nb-NO" sz="1200" dirty="0" smtClean="0"/>
+              <a:t>D</a:t>
+            </a:r>
+            <a:endParaRPr lang="nb-NO" sz="1200" dirty="0"/>
+          </a:p>
+        </p:txBody>
+      </p:sp>
+      <p:sp>
+        <p:nvSpPr>
+          <p:cNvPr id="15" name="Ellipse 14"/>
+          <p:cNvSpPr/>
+          <p:nvPr/>
+        </p:nvSpPr>
+        <p:spPr>
+          <a:xfrm>
+            <a:off x="-928726" y="2143122"/>
+            <a:ext cx="214314" cy="214314"/>
+          </a:xfrm>
+          <a:prstGeom prst="ellipse">
+            <a:avLst/>
+          </a:prstGeom>
+          <a:solidFill>
+            <a:srgbClr val="C00000"/>
+          </a:solidFill>
+          <a:ln>
+            <a:solidFill>
+              <a:schemeClr val="tx1"/>
+            </a:solidFill>
+          </a:ln>
+        </p:spPr>
+        <p:style>
+          <a:lnRef idx="2">
+            <a:schemeClr val="accent1">
+              <a:shade val="50000"/>
+            </a:schemeClr>
+          </a:lnRef>
+          <a:fillRef idx="1">
+            <a:schemeClr val="accent1"/>
+          </a:fillRef>
+          <a:effectRef idx="0">
+            <a:schemeClr val="accent1"/>
+          </a:effectRef>
+          <a:fontRef idx="minor">
+            <a:schemeClr val="lt1"/>
+          </a:fontRef>
+        </p:style>
+        <p:txBody>
+          <a:bodyPr lIns="0" tIns="0" rIns="0" bIns="0" rtlCol="0" anchor="ctr"/>
+          <a:lstStyle/>
+          <a:p>
+            <a:pPr algn="ctr"/>
+            <a:r>
+              <a:rPr lang="nb-NO" sz="1200" dirty="0" smtClean="0"/>
+              <a:t>E</a:t>
+            </a:r>
+            <a:endParaRPr lang="nb-NO" sz="1200" dirty="0"/>
+          </a:p>
+        </p:txBody>
+      </p:sp>
+      <p:sp>
+        <p:nvSpPr>
+          <p:cNvPr id="16" name="Ellipse 15"/>
+          <p:cNvSpPr/>
+          <p:nvPr/>
+        </p:nvSpPr>
+        <p:spPr>
+          <a:xfrm>
+            <a:off x="-642974" y="2143122"/>
+            <a:ext cx="214314" cy="214314"/>
+          </a:xfrm>
+          <a:prstGeom prst="ellipse">
+            <a:avLst/>
+          </a:prstGeom>
+          <a:solidFill>
+            <a:srgbClr val="C00000"/>
+          </a:solidFill>
+          <a:ln>
+            <a:solidFill>
+              <a:schemeClr val="tx1"/>
+            </a:solidFill>
+          </a:ln>
+        </p:spPr>
+        <p:style>
+          <a:lnRef idx="2">
+            <a:schemeClr val="accent1">
+              <a:shade val="50000"/>
+            </a:schemeClr>
+          </a:lnRef>
+          <a:fillRef idx="1">
+            <a:schemeClr val="accent1"/>
+          </a:fillRef>
+          <a:effectRef idx="0">
+            <a:schemeClr val="accent1"/>
+          </a:effectRef>
+          <a:fontRef idx="minor">
+            <a:schemeClr val="lt1"/>
+          </a:fontRef>
+        </p:style>
+        <p:txBody>
+          <a:bodyPr lIns="0" tIns="0" rIns="0" bIns="0" rtlCol="0" anchor="ctr"/>
+          <a:lstStyle/>
+          <a:p>
+            <a:pPr algn="ctr"/>
+            <a:r>
+              <a:rPr lang="nb-NO" sz="1200" dirty="0" smtClean="0"/>
+              <a:t>E</a:t>
+            </a:r>
+            <a:endParaRPr lang="nb-NO" sz="1200" dirty="0"/>
+          </a:p>
+        </p:txBody>
+      </p:sp>
+      <p:sp>
+        <p:nvSpPr>
+          <p:cNvPr id="17" name="Ellipse 16"/>
+          <p:cNvSpPr/>
+          <p:nvPr/>
+        </p:nvSpPr>
+        <p:spPr>
+          <a:xfrm>
+            <a:off x="-928726" y="2428874"/>
+            <a:ext cx="214314" cy="214314"/>
+          </a:xfrm>
+          <a:prstGeom prst="ellipse">
+            <a:avLst/>
+          </a:prstGeom>
+          <a:solidFill>
+            <a:srgbClr val="C00000"/>
+          </a:solidFill>
+          <a:ln>
+            <a:solidFill>
+              <a:schemeClr val="tx1"/>
+            </a:solidFill>
+          </a:ln>
+        </p:spPr>
+        <p:style>
+          <a:lnRef idx="2">
+            <a:schemeClr val="accent1">
+              <a:shade val="50000"/>
+            </a:schemeClr>
+          </a:lnRef>
+          <a:fillRef idx="1">
+            <a:schemeClr val="accent1"/>
+          </a:fillRef>
+          <a:effectRef idx="0">
+            <a:schemeClr val="accent1"/>
+          </a:effectRef>
+          <a:fontRef idx="minor">
+            <a:schemeClr val="lt1"/>
+          </a:fontRef>
+        </p:style>
+        <p:txBody>
+          <a:bodyPr lIns="0" tIns="0" rIns="0" bIns="0" rtlCol="0" anchor="ctr"/>
+          <a:lstStyle/>
+          <a:p>
+            <a:pPr algn="ctr"/>
+            <a:r>
+              <a:rPr lang="nb-NO" sz="1200" dirty="0" smtClean="0"/>
+              <a:t>F</a:t>
+            </a:r>
+            <a:endParaRPr lang="nb-NO" sz="1200" dirty="0"/>
+          </a:p>
+        </p:txBody>
+      </p:sp>
+      <p:sp>
+        <p:nvSpPr>
+          <p:cNvPr id="18" name="Ellipse 17"/>
+          <p:cNvSpPr/>
+          <p:nvPr/>
+        </p:nvSpPr>
+        <p:spPr>
+          <a:xfrm>
+            <a:off x="-642974" y="2428874"/>
+            <a:ext cx="214314" cy="214314"/>
+          </a:xfrm>
+          <a:prstGeom prst="ellipse">
+            <a:avLst/>
+          </a:prstGeom>
+          <a:solidFill>
+            <a:srgbClr val="C00000"/>
+          </a:solidFill>
+          <a:ln>
+            <a:solidFill>
+              <a:schemeClr val="tx1"/>
+            </a:solidFill>
+          </a:ln>
+        </p:spPr>
+        <p:style>
+          <a:lnRef idx="2">
+            <a:schemeClr val="accent1">
+              <a:shade val="50000"/>
+            </a:schemeClr>
+          </a:lnRef>
+          <a:fillRef idx="1">
+            <a:schemeClr val="accent1"/>
+          </a:fillRef>
+          <a:effectRef idx="0">
+            <a:schemeClr val="accent1"/>
+          </a:effectRef>
+          <a:fontRef idx="minor">
+            <a:schemeClr val="lt1"/>
+          </a:fontRef>
+        </p:style>
+        <p:txBody>
+          <a:bodyPr lIns="0" tIns="0" rIns="0" bIns="0" rtlCol="0" anchor="ctr"/>
+          <a:lstStyle/>
+          <a:p>
+            <a:pPr algn="ctr"/>
+            <a:r>
+              <a:rPr lang="nb-NO" sz="1200" dirty="0" smtClean="0"/>
+              <a:t>F</a:t>
+            </a:r>
+            <a:endParaRPr lang="nb-NO" sz="1200" dirty="0"/>
+          </a:p>
+        </p:txBody>
+      </p:sp>
+    </p:spTree>
+  </p:cSld>
+  <p:clrMapOvr>
+    <a:masterClrMapping/>
+  </p:clrMapOvr>
+  <p:timing>
+    <p:tnLst>
+      <p:par>
+        <p:cTn id="1" dur="indefinite" restart="never" nodeType="tmRoot"/>
+      </p:par>
+    </p:tnLst>
+  </p:timing>
 </p:sld>
 </file>
 
